--- a/img/products/s2e_module/WIZ510SR-RP/HW/Document/WIZ510SR-RP Photo.pptx
+++ b/img/products/s2e_module/WIZ510SR-RP/HW/Document/WIZ510SR-RP Photo.pptx
@@ -12,15 +12,16 @@
     <p:sldId id="276" r:id="rId6"/>
     <p:sldId id="275" r:id="rId7"/>
     <p:sldId id="280" r:id="rId8"/>
-    <p:sldId id="281" r:id="rId9"/>
-    <p:sldId id="282" r:id="rId10"/>
-    <p:sldId id="283" r:id="rId11"/>
-    <p:sldId id="284" r:id="rId12"/>
-    <p:sldId id="285" r:id="rId13"/>
-    <p:sldId id="286" r:id="rId14"/>
-    <p:sldId id="287" r:id="rId15"/>
-    <p:sldId id="288" r:id="rId16"/>
-    <p:sldId id="289" r:id="rId17"/>
+    <p:sldId id="290" r:id="rId9"/>
+    <p:sldId id="281" r:id="rId10"/>
+    <p:sldId id="282" r:id="rId11"/>
+    <p:sldId id="283" r:id="rId12"/>
+    <p:sldId id="284" r:id="rId13"/>
+    <p:sldId id="285" r:id="rId14"/>
+    <p:sldId id="286" r:id="rId15"/>
+    <p:sldId id="287" r:id="rId16"/>
+    <p:sldId id="288" r:id="rId17"/>
+    <p:sldId id="289" r:id="rId18"/>
   </p:sldIdLst>
   <p:sldSz cx="12192000" cy="6858000"/>
   <p:notesSz cx="6858000" cy="9144000"/>
@@ -134,6 +135,7 @@
             <p14:sldId id="276"/>
             <p14:sldId id="275"/>
             <p14:sldId id="280"/>
+            <p14:sldId id="290"/>
             <p14:sldId id="281"/>
             <p14:sldId id="282"/>
             <p14:sldId id="283"/>
@@ -3546,18 +3548,18 @@
           <a:p>
             <a:r>
               <a:rPr lang="en-US" altLang="ko-KR" dirty="0"/>
-              <a:t>WIZ510SR-RP (J4-Pinmap)</a:t>
+              <a:t>WIZ510SR-RP (J3-Pinmap)</a:t>
             </a:r>
             <a:endParaRPr lang="ko-KR" altLang="en-US" dirty="0"/>
           </a:p>
         </p:txBody>
       </p:sp>
-      <p:sp>
-        <p:nvSpPr>
-          <p:cNvPr id="25" name="사각형: 둥근 모서리 24">
-            <a:extLst>
-              <a:ext uri="{FF2B5EF4-FFF2-40B4-BE49-F238E27FC236}">
-                <a16:creationId xmlns:a16="http://schemas.microsoft.com/office/drawing/2014/main" id="{A2951857-BB48-36DD-9C67-69733BFF2192}"/>
+      <p:sp useBgFill="1">
+        <p:nvSpPr>
+          <p:cNvPr id="36" name="사각형: 둥근 모서리 35">
+            <a:extLst>
+              <a:ext uri="{FF2B5EF4-FFF2-40B4-BE49-F238E27FC236}">
+                <a16:creationId xmlns:a16="http://schemas.microsoft.com/office/drawing/2014/main" id="{3A3EC4F5-22D8-1A1A-8B24-C87BCED8E94E}"/>
               </a:ext>
             </a:extLst>
           </p:cNvPr>
@@ -3566,7 +3568,58 @@
         </p:nvSpPr>
         <p:spPr>
           <a:xfrm>
-            <a:off x="7156399" y="2692173"/>
+            <a:off x="6321212" y="4675655"/>
+            <a:ext cx="723617" cy="358342"/>
+          </a:xfrm>
+          <a:prstGeom prst="roundRect">
+            <a:avLst/>
+          </a:prstGeom>
+          <a:ln w="28575">
+            <a:solidFill>
+              <a:schemeClr val="tx1"/>
+            </a:solidFill>
+          </a:ln>
+        </p:spPr>
+        <p:style>
+          <a:lnRef idx="2">
+            <a:schemeClr val="accent1">
+              <a:shade val="50000"/>
+            </a:schemeClr>
+          </a:lnRef>
+          <a:fillRef idx="1">
+            <a:schemeClr val="accent1"/>
+          </a:fillRef>
+          <a:effectRef idx="0">
+            <a:schemeClr val="accent1"/>
+          </a:effectRef>
+          <a:fontRef idx="minor">
+            <a:schemeClr val="lt1"/>
+          </a:fontRef>
+        </p:style>
+        <p:txBody>
+          <a:bodyPr rtlCol="0" anchor="ctr"/>
+          <a:lstStyle/>
+          <a:p>
+            <a:pPr algn="ctr"/>
+            <a:endParaRPr lang="ko-KR" altLang="en-US"/>
+          </a:p>
+        </p:txBody>
+      </p:sp>
+      <p:sp>
+        <p:nvSpPr>
+          <p:cNvPr id="38" name="사각형: 둥근 모서리 37">
+            <a:extLst>
+              <a:ext uri="{FF2B5EF4-FFF2-40B4-BE49-F238E27FC236}">
+                <a16:creationId xmlns:a16="http://schemas.microsoft.com/office/drawing/2014/main" id="{06DFAE69-637C-B585-BF7C-63D97974F7A2}"/>
+              </a:ext>
+            </a:extLst>
+          </p:cNvPr>
+          <p:cNvSpPr/>
+          <p:nvPr/>
+        </p:nvSpPr>
+        <p:spPr>
+          <a:xfrm>
+            <a:off x="7476283" y="3167139"/>
             <a:ext cx="1584960" cy="1161133"/>
           </a:xfrm>
           <a:prstGeom prst="roundRect">
@@ -3612,10 +3665,10 @@
       </p:sp>
       <p:sp>
         <p:nvSpPr>
-          <p:cNvPr id="26" name="타원 25">
-            <a:extLst>
-              <a:ext uri="{FF2B5EF4-FFF2-40B4-BE49-F238E27FC236}">
-                <a16:creationId xmlns:a16="http://schemas.microsoft.com/office/drawing/2014/main" id="{3FC35C82-D842-3C16-3005-2BA109DD0E61}"/>
+          <p:cNvPr id="39" name="사각형: 둥근 모서리 38">
+            <a:extLst>
+              <a:ext uri="{FF2B5EF4-FFF2-40B4-BE49-F238E27FC236}">
+                <a16:creationId xmlns:a16="http://schemas.microsoft.com/office/drawing/2014/main" id="{53B1341B-0CCA-C5E8-E706-525ABBA8C966}"/>
               </a:ext>
             </a:extLst>
           </p:cNvPr>
@@ -3624,7 +3677,100 @@
         </p:nvSpPr>
         <p:spPr>
           <a:xfrm>
-            <a:off x="7230427" y="3509839"/>
+            <a:off x="7604780" y="3832241"/>
+            <a:ext cx="1312837" cy="336855"/>
+          </a:xfrm>
+          <a:prstGeom prst="roundRect">
+            <a:avLst/>
+          </a:prstGeom>
+          <a:solidFill>
+            <a:schemeClr val="tx1"/>
+          </a:solidFill>
+          <a:ln w="19050">
+            <a:solidFill>
+              <a:schemeClr val="tx1"/>
+            </a:solidFill>
+          </a:ln>
+        </p:spPr>
+        <p:style>
+          <a:lnRef idx="2">
+            <a:schemeClr val="accent1">
+              <a:shade val="50000"/>
+            </a:schemeClr>
+          </a:lnRef>
+          <a:fillRef idx="1">
+            <a:schemeClr val="accent1"/>
+          </a:fillRef>
+          <a:effectRef idx="0">
+            <a:schemeClr val="accent1"/>
+          </a:effectRef>
+          <a:fontRef idx="minor">
+            <a:schemeClr val="lt1"/>
+          </a:fontRef>
+        </p:style>
+        <p:txBody>
+          <a:bodyPr rtlCol="0" anchor="ctr"/>
+          <a:lstStyle/>
+          <a:p>
+            <a:pPr algn="ctr"/>
+            <a:r>
+              <a:rPr lang="en-US" altLang="ko-KR" sz="1600" b="1" dirty="0"/>
+              <a:t>GND</a:t>
+            </a:r>
+            <a:endParaRPr lang="ko-KR" altLang="en-US" sz="1600" b="1" dirty="0"/>
+          </a:p>
+        </p:txBody>
+      </p:sp>
+      <p:sp>
+        <p:nvSpPr>
+          <p:cNvPr id="42" name="TextBox 41">
+            <a:extLst>
+              <a:ext uri="{FF2B5EF4-FFF2-40B4-BE49-F238E27FC236}">
+                <a16:creationId xmlns:a16="http://schemas.microsoft.com/office/drawing/2014/main" id="{439052E4-3921-C7CB-B62B-290349385DB9}"/>
+              </a:ext>
+            </a:extLst>
+          </p:cNvPr>
+          <p:cNvSpPr txBox="1"/>
+          <p:nvPr/>
+        </p:nvSpPr>
+        <p:spPr>
+          <a:xfrm>
+            <a:off x="8051666" y="3118807"/>
+            <a:ext cx="419063" cy="369204"/>
+          </a:xfrm>
+          <a:prstGeom prst="rect">
+            <a:avLst/>
+          </a:prstGeom>
+          <a:noFill/>
+        </p:spPr>
+        <p:txBody>
+          <a:bodyPr wrap="square" rtlCol="0">
+            <a:spAutoFit/>
+          </a:bodyPr>
+          <a:lstStyle/>
+          <a:p>
+            <a:r>
+              <a:rPr lang="en-US" altLang="ko-KR" b="1" dirty="0"/>
+              <a:t>J3</a:t>
+            </a:r>
+          </a:p>
+        </p:txBody>
+      </p:sp>
+      <p:sp>
+        <p:nvSpPr>
+          <p:cNvPr id="44" name="타원 43">
+            <a:extLst>
+              <a:ext uri="{FF2B5EF4-FFF2-40B4-BE49-F238E27FC236}">
+                <a16:creationId xmlns:a16="http://schemas.microsoft.com/office/drawing/2014/main" id="{A26381C6-DD03-14D7-76AC-48B1EDD55563}"/>
+              </a:ext>
+            </a:extLst>
+          </p:cNvPr>
+          <p:cNvSpPr/>
+          <p:nvPr/>
+        </p:nvSpPr>
+        <p:spPr>
+          <a:xfrm>
+            <a:off x="7555742" y="3604625"/>
             <a:ext cx="113211" cy="110837"/>
           </a:xfrm>
           <a:prstGeom prst="ellipse">
@@ -3664,10 +3810,10 @@
       </p:sp>
       <p:sp>
         <p:nvSpPr>
-          <p:cNvPr id="27" name="사각형: 둥근 모서리 26">
-            <a:extLst>
-              <a:ext uri="{FF2B5EF4-FFF2-40B4-BE49-F238E27FC236}">
-                <a16:creationId xmlns:a16="http://schemas.microsoft.com/office/drawing/2014/main" id="{9CFAF972-E0A6-E487-79D2-D296D42C067C}"/>
+          <p:cNvPr id="43" name="타원 42">
+            <a:extLst>
+              <a:ext uri="{FF2B5EF4-FFF2-40B4-BE49-F238E27FC236}">
+                <a16:creationId xmlns:a16="http://schemas.microsoft.com/office/drawing/2014/main" id="{C9E32706-7B05-E106-8ADA-45106F9BE202}"/>
               </a:ext>
             </a:extLst>
           </p:cNvPr>
@@ -3676,140 +3822,7 @@
         </p:nvSpPr>
         <p:spPr>
           <a:xfrm>
-            <a:off x="7292466" y="3395645"/>
-            <a:ext cx="1312837" cy="336855"/>
-          </a:xfrm>
-          <a:prstGeom prst="roundRect">
-            <a:avLst/>
-          </a:prstGeom>
-          <a:solidFill>
-            <a:srgbClr val="000000"/>
-          </a:solidFill>
-          <a:ln w="19050">
-            <a:solidFill>
-              <a:schemeClr val="tx1"/>
-            </a:solidFill>
-          </a:ln>
-        </p:spPr>
-        <p:style>
-          <a:lnRef idx="2">
-            <a:schemeClr val="accent1">
-              <a:shade val="50000"/>
-            </a:schemeClr>
-          </a:lnRef>
-          <a:fillRef idx="1">
-            <a:schemeClr val="accent1"/>
-          </a:fillRef>
-          <a:effectRef idx="0">
-            <a:schemeClr val="accent1"/>
-          </a:effectRef>
-          <a:fontRef idx="minor">
-            <a:schemeClr val="lt1"/>
-          </a:fontRef>
-        </p:style>
-        <p:txBody>
-          <a:bodyPr rtlCol="0" anchor="ctr"/>
-          <a:lstStyle/>
-          <a:p>
-            <a:pPr algn="ctr"/>
-            <a:endParaRPr lang="ko-KR" altLang="en-US"/>
-          </a:p>
-        </p:txBody>
-      </p:sp>
-      <p:sp>
-        <p:nvSpPr>
-          <p:cNvPr id="28" name="TextBox 27">
-            <a:extLst>
-              <a:ext uri="{FF2B5EF4-FFF2-40B4-BE49-F238E27FC236}">
-                <a16:creationId xmlns:a16="http://schemas.microsoft.com/office/drawing/2014/main" id="{E9AAFCE8-7683-91D4-A222-37D1A1BD3126}"/>
-              </a:ext>
-            </a:extLst>
-          </p:cNvPr>
-          <p:cNvSpPr txBox="1"/>
-          <p:nvPr/>
-        </p:nvSpPr>
-        <p:spPr>
-          <a:xfrm>
-            <a:off x="7629948" y="3371154"/>
-            <a:ext cx="647934" cy="338554"/>
-          </a:xfrm>
-          <a:prstGeom prst="rect">
-            <a:avLst/>
-          </a:prstGeom>
-          <a:noFill/>
-        </p:spPr>
-        <p:txBody>
-          <a:bodyPr wrap="none" rtlCol="0">
-            <a:spAutoFit/>
-          </a:bodyPr>
-          <a:lstStyle/>
-          <a:p>
-            <a:r>
-              <a:rPr lang="en-US" altLang="ko-KR" sz="1600" b="1" dirty="0">
-                <a:solidFill>
-                  <a:srgbClr val="FFFFFF"/>
-                </a:solidFill>
-              </a:rPr>
-              <a:t>GND</a:t>
-            </a:r>
-            <a:endParaRPr lang="ko-KR" altLang="en-US" sz="1600" b="1" dirty="0">
-              <a:solidFill>
-                <a:srgbClr val="FFFFFF"/>
-              </a:solidFill>
-            </a:endParaRPr>
-          </a:p>
-        </p:txBody>
-      </p:sp>
-      <p:sp>
-        <p:nvSpPr>
-          <p:cNvPr id="29" name="TextBox 28">
-            <a:extLst>
-              <a:ext uri="{FF2B5EF4-FFF2-40B4-BE49-F238E27FC236}">
-                <a16:creationId xmlns:a16="http://schemas.microsoft.com/office/drawing/2014/main" id="{A0F27950-60C5-8223-C197-3C9525254CC5}"/>
-              </a:ext>
-            </a:extLst>
-          </p:cNvPr>
-          <p:cNvSpPr txBox="1"/>
-          <p:nvPr/>
-        </p:nvSpPr>
-        <p:spPr>
-          <a:xfrm>
-            <a:off x="7746665" y="2676446"/>
-            <a:ext cx="531223" cy="369204"/>
-          </a:xfrm>
-          <a:prstGeom prst="rect">
-            <a:avLst/>
-          </a:prstGeom>
-          <a:noFill/>
-        </p:spPr>
-        <p:txBody>
-          <a:bodyPr wrap="square" rtlCol="0">
-            <a:spAutoFit/>
-          </a:bodyPr>
-          <a:lstStyle/>
-          <a:p>
-            <a:r>
-              <a:rPr lang="en-US" altLang="ko-KR" b="1" dirty="0"/>
-              <a:t>J4</a:t>
-            </a:r>
-          </a:p>
-        </p:txBody>
-      </p:sp>
-      <p:sp>
-        <p:nvSpPr>
-          <p:cNvPr id="30" name="타원 29">
-            <a:extLst>
-              <a:ext uri="{FF2B5EF4-FFF2-40B4-BE49-F238E27FC236}">
-                <a16:creationId xmlns:a16="http://schemas.microsoft.com/office/drawing/2014/main" id="{F0880C41-596A-5395-5DB7-E6626D6D20EC}"/>
-              </a:ext>
-            </a:extLst>
-          </p:cNvPr>
-          <p:cNvSpPr/>
-          <p:nvPr/>
-        </p:nvSpPr>
-        <p:spPr>
-          <a:xfrm>
-            <a:off x="7230426" y="3169964"/>
+            <a:off x="7548173" y="3942193"/>
             <a:ext cx="113211" cy="110837"/>
           </a:xfrm>
           <a:prstGeom prst="ellipse">
@@ -3849,10 +3862,10 @@
       </p:sp>
       <p:sp>
         <p:nvSpPr>
-          <p:cNvPr id="31" name="사각형: 둥근 모서리 30">
-            <a:extLst>
-              <a:ext uri="{FF2B5EF4-FFF2-40B4-BE49-F238E27FC236}">
-                <a16:creationId xmlns:a16="http://schemas.microsoft.com/office/drawing/2014/main" id="{90E58D9F-0416-4F88-3C51-1DC1C03EEFF0}"/>
+          <p:cNvPr id="40" name="사각형: 둥근 모서리 39">
+            <a:extLst>
+              <a:ext uri="{FF2B5EF4-FFF2-40B4-BE49-F238E27FC236}">
+                <a16:creationId xmlns:a16="http://schemas.microsoft.com/office/drawing/2014/main" id="{E92273FC-6447-B0F5-0689-D54321D274AD}"/>
               </a:ext>
             </a:extLst>
           </p:cNvPr>
@@ -3861,8 +3874,8 @@
         </p:nvSpPr>
         <p:spPr>
           <a:xfrm>
-            <a:off x="7292461" y="3051522"/>
-            <a:ext cx="1312836" cy="336855"/>
+            <a:off x="7612348" y="3491498"/>
+            <a:ext cx="1312837" cy="336855"/>
           </a:xfrm>
           <a:prstGeom prst="roundRect">
             <a:avLst/>
@@ -3897,16 +3910,16 @@
           <a:lstStyle/>
           <a:p>
             <a:pPr algn="ctr"/>
-            <a:endParaRPr lang="ko-KR" altLang="en-US" sz="1600" b="1" dirty="0"/>
-          </a:p>
-        </p:txBody>
-      </p:sp>
-      <p:sp>
-        <p:nvSpPr>
-          <p:cNvPr id="32" name="TextBox 31">
-            <a:extLst>
-              <a:ext uri="{FF2B5EF4-FFF2-40B4-BE49-F238E27FC236}">
-                <a16:creationId xmlns:a16="http://schemas.microsoft.com/office/drawing/2014/main" id="{8B59D8B9-D4DB-8F46-D83C-A3E9463A9F35}"/>
+            <a:endParaRPr lang="ko-KR" altLang="en-US"/>
+          </a:p>
+        </p:txBody>
+      </p:sp>
+      <p:sp>
+        <p:nvSpPr>
+          <p:cNvPr id="41" name="TextBox 40">
+            <a:extLst>
+              <a:ext uri="{FF2B5EF4-FFF2-40B4-BE49-F238E27FC236}">
+                <a16:creationId xmlns:a16="http://schemas.microsoft.com/office/drawing/2014/main" id="{F5593B4C-8777-C6EF-6EA4-C7E96C89EB48}"/>
               </a:ext>
             </a:extLst>
           </p:cNvPr>
@@ -3915,8 +3928,8 @@
         </p:nvSpPr>
         <p:spPr>
           <a:xfrm>
-            <a:off x="7408505" y="3051923"/>
-            <a:ext cx="1114792" cy="338554"/>
+            <a:off x="7561990" y="3487610"/>
+            <a:ext cx="1462590" cy="338554"/>
           </a:xfrm>
           <a:prstGeom prst="rect">
             <a:avLst/>
@@ -3924,7 +3937,7 @@
           <a:noFill/>
         </p:spPr>
         <p:txBody>
-          <a:bodyPr wrap="none" rtlCol="0">
+          <a:bodyPr wrap="square" rtlCol="0">
             <a:spAutoFit/>
           </a:bodyPr>
           <a:lstStyle/>
@@ -3935,7 +3948,7 @@
                   <a:srgbClr val="FFFFFF"/>
                 </a:solidFill>
               </a:rPr>
-              <a:t>FACT RST</a:t>
+              <a:t>BOOT MODE</a:t>
             </a:r>
             <a:endParaRPr lang="ko-KR" altLang="en-US" sz="1600" b="1" dirty="0">
               <a:solidFill>
@@ -3945,12 +3958,12 @@
           </a:p>
         </p:txBody>
       </p:sp>
-      <p:sp useBgFill="1">
-        <p:nvSpPr>
-          <p:cNvPr id="33" name="사각형: 둥근 모서리 32">
-            <a:extLst>
-              <a:ext uri="{FF2B5EF4-FFF2-40B4-BE49-F238E27FC236}">
-                <a16:creationId xmlns:a16="http://schemas.microsoft.com/office/drawing/2014/main" id="{28BF1FC3-C57B-9BCD-4B94-9C641E71525D}"/>
+      <p:sp>
+        <p:nvSpPr>
+          <p:cNvPr id="45" name="타원 44">
+            <a:extLst>
+              <a:ext uri="{FF2B5EF4-FFF2-40B4-BE49-F238E27FC236}">
+                <a16:creationId xmlns:a16="http://schemas.microsoft.com/office/drawing/2014/main" id="{DFCEA845-8600-98C0-EC94-43EB0F26A404}"/>
               </a:ext>
             </a:extLst>
           </p:cNvPr>
@@ -3959,58 +3972,7 @@
         </p:nvSpPr>
         <p:spPr>
           <a:xfrm>
-            <a:off x="6313592" y="4332755"/>
-            <a:ext cx="723617" cy="358342"/>
-          </a:xfrm>
-          <a:prstGeom prst="roundRect">
-            <a:avLst/>
-          </a:prstGeom>
-          <a:ln w="28575">
-            <a:solidFill>
-              <a:schemeClr val="tx1"/>
-            </a:solidFill>
-          </a:ln>
-        </p:spPr>
-        <p:style>
-          <a:lnRef idx="2">
-            <a:schemeClr val="accent1">
-              <a:shade val="50000"/>
-            </a:schemeClr>
-          </a:lnRef>
-          <a:fillRef idx="1">
-            <a:schemeClr val="accent1"/>
-          </a:fillRef>
-          <a:effectRef idx="0">
-            <a:schemeClr val="accent1"/>
-          </a:effectRef>
-          <a:fontRef idx="minor">
-            <a:schemeClr val="lt1"/>
-          </a:fontRef>
-        </p:style>
-        <p:txBody>
-          <a:bodyPr rtlCol="0" anchor="ctr"/>
-          <a:lstStyle/>
-          <a:p>
-            <a:pPr algn="ctr"/>
-            <a:endParaRPr lang="ko-KR" altLang="en-US"/>
-          </a:p>
-        </p:txBody>
-      </p:sp>
-      <p:sp>
-        <p:nvSpPr>
-          <p:cNvPr id="35" name="타원 34">
-            <a:extLst>
-              <a:ext uri="{FF2B5EF4-FFF2-40B4-BE49-F238E27FC236}">
-                <a16:creationId xmlns:a16="http://schemas.microsoft.com/office/drawing/2014/main" id="{74BB3254-1941-8351-FE72-131645AEEF58}"/>
-              </a:ext>
-            </a:extLst>
-          </p:cNvPr>
-          <p:cNvSpPr/>
-          <p:nvPr/>
-        </p:nvSpPr>
-        <p:spPr>
-          <a:xfrm>
-            <a:off x="6758939" y="4439838"/>
+            <a:off x="6760773" y="4774043"/>
             <a:ext cx="113211" cy="110837"/>
           </a:xfrm>
           <a:prstGeom prst="ellipse">
@@ -4050,10 +4012,10 @@
       </p:sp>
       <p:sp>
         <p:nvSpPr>
-          <p:cNvPr id="37" name="타원 36">
-            <a:extLst>
-              <a:ext uri="{FF2B5EF4-FFF2-40B4-BE49-F238E27FC236}">
-                <a16:creationId xmlns:a16="http://schemas.microsoft.com/office/drawing/2014/main" id="{794AB586-5F72-DA02-CC1E-C3190A8709F7}"/>
+          <p:cNvPr id="46" name="타원 45">
+            <a:extLst>
+              <a:ext uri="{FF2B5EF4-FFF2-40B4-BE49-F238E27FC236}">
+                <a16:creationId xmlns:a16="http://schemas.microsoft.com/office/drawing/2014/main" id="{EA9A3E1E-061E-DED1-54AC-49693236E0BE}"/>
               </a:ext>
             </a:extLst>
           </p:cNvPr>
@@ -4062,7 +4024,7 @@
         </p:nvSpPr>
         <p:spPr>
           <a:xfrm>
-            <a:off x="6461284" y="4439838"/>
+            <a:off x="6476717" y="4774042"/>
             <a:ext cx="113211" cy="110837"/>
           </a:xfrm>
           <a:prstGeom prst="ellipse">
@@ -4102,30 +4064,30 @@
       </p:sp>
       <p:cxnSp>
         <p:nvCxnSpPr>
-          <p:cNvPr id="3" name="연결선: 꺾임 2">
-            <a:extLst>
-              <a:ext uri="{FF2B5EF4-FFF2-40B4-BE49-F238E27FC236}">
-                <a16:creationId xmlns:a16="http://schemas.microsoft.com/office/drawing/2014/main" id="{A61408B4-F21F-6246-48FF-788C1550CF55}"/>
+          <p:cNvPr id="6" name="연결선: 꺾임 5">
+            <a:extLst>
+              <a:ext uri="{FF2B5EF4-FFF2-40B4-BE49-F238E27FC236}">
+                <a16:creationId xmlns:a16="http://schemas.microsoft.com/office/drawing/2014/main" id="{9C6CE40F-58E6-9046-1AFA-64026D0FB8A3}"/>
               </a:ext>
             </a:extLst>
           </p:cNvPr>
           <p:cNvCxnSpPr>
-            <a:stCxn id="26" idx="2"/>
-            <a:endCxn id="35" idx="0"/>
+            <a:stCxn id="43" idx="2"/>
+            <a:endCxn id="45" idx="0"/>
           </p:cNvCxnSpPr>
           <p:nvPr/>
         </p:nvCxnSpPr>
         <p:spPr>
           <a:xfrm rot="10800000" flipV="1">
-            <a:off x="6815545" y="3565258"/>
-            <a:ext cx="414882" cy="874580"/>
+            <a:off x="6817379" y="3997611"/>
+            <a:ext cx="730794" cy="776431"/>
           </a:xfrm>
           <a:prstGeom prst="bentConnector2">
             <a:avLst/>
           </a:prstGeom>
           <a:ln w="28575">
             <a:solidFill>
-              <a:srgbClr val="000000"/>
+              <a:schemeClr val="tx1"/>
             </a:solidFill>
           </a:ln>
         </p:spPr>
@@ -4146,30 +4108,30 @@
       </p:cxnSp>
       <p:cxnSp>
         <p:nvCxnSpPr>
-          <p:cNvPr id="5" name="연결선: 꺾임 4">
-            <a:extLst>
-              <a:ext uri="{FF2B5EF4-FFF2-40B4-BE49-F238E27FC236}">
-                <a16:creationId xmlns:a16="http://schemas.microsoft.com/office/drawing/2014/main" id="{98B43EAA-9E99-781F-60DF-7011A4CCA2D8}"/>
+          <p:cNvPr id="9" name="연결선: 꺾임 8">
+            <a:extLst>
+              <a:ext uri="{FF2B5EF4-FFF2-40B4-BE49-F238E27FC236}">
+                <a16:creationId xmlns:a16="http://schemas.microsoft.com/office/drawing/2014/main" id="{1524C78B-A189-2865-2C38-F48541359D50}"/>
               </a:ext>
             </a:extLst>
           </p:cNvPr>
           <p:cNvCxnSpPr>
-            <a:stCxn id="30" idx="2"/>
-            <a:endCxn id="37" idx="0"/>
+            <a:stCxn id="44" idx="2"/>
+            <a:endCxn id="46" idx="0"/>
           </p:cNvCxnSpPr>
           <p:nvPr/>
         </p:nvCxnSpPr>
         <p:spPr>
           <a:xfrm rot="10800000" flipV="1">
-            <a:off x="6517890" y="3225382"/>
-            <a:ext cx="712536" cy="1214455"/>
+            <a:off x="6533324" y="3660044"/>
+            <a:ext cx="1022419" cy="1113998"/>
           </a:xfrm>
           <a:prstGeom prst="bentConnector2">
             <a:avLst/>
           </a:prstGeom>
           <a:ln w="28575">
             <a:solidFill>
-              <a:srgbClr val="000000"/>
+              <a:schemeClr val="tx1"/>
             </a:solidFill>
           </a:ln>
         </p:spPr>
@@ -4191,7 +4153,7 @@
     </p:spTree>
     <p:extLst>
       <p:ext uri="{BB962C8B-B14F-4D97-AF65-F5344CB8AC3E}">
-        <p14:creationId xmlns:p14="http://schemas.microsoft.com/office/powerpoint/2010/main" val="3886351633"/>
+        <p14:creationId xmlns:p14="http://schemas.microsoft.com/office/powerpoint/2010/main" val="3992388690"/>
       </p:ext>
     </p:extLst>
   </p:cSld>
@@ -4294,18 +4256,18 @@
           <a:p>
             <a:r>
               <a:rPr lang="en-US" altLang="ko-KR" dirty="0"/>
-              <a:t>WIZ510SR-RP (J5-Pinmap)</a:t>
+              <a:t>WIZ510SR-RP (J4-Pinmap)</a:t>
             </a:r>
             <a:endParaRPr lang="ko-KR" altLang="en-US" dirty="0"/>
           </a:p>
         </p:txBody>
       </p:sp>
-      <p:sp useBgFill="1">
-        <p:nvSpPr>
-          <p:cNvPr id="17" name="사각형: 둥근 모서리 16">
-            <a:extLst>
-              <a:ext uri="{FF2B5EF4-FFF2-40B4-BE49-F238E27FC236}">
-                <a16:creationId xmlns:a16="http://schemas.microsoft.com/office/drawing/2014/main" id="{70C8F0EF-AC4C-045A-0506-F6B5952F4A1C}"/>
+      <p:sp>
+        <p:nvSpPr>
+          <p:cNvPr id="25" name="사각형: 둥근 모서리 24">
+            <a:extLst>
+              <a:ext uri="{FF2B5EF4-FFF2-40B4-BE49-F238E27FC236}">
+                <a16:creationId xmlns:a16="http://schemas.microsoft.com/office/drawing/2014/main" id="{A2951857-BB48-36DD-9C67-69733BFF2192}"/>
               </a:ext>
             </a:extLst>
           </p:cNvPr>
@@ -4314,110 +4276,8 @@
         </p:nvSpPr>
         <p:spPr>
           <a:xfrm>
-            <a:off x="3922817" y="1114024"/>
-            <a:ext cx="1306408" cy="358342"/>
-          </a:xfrm>
-          <a:prstGeom prst="roundRect">
-            <a:avLst/>
-          </a:prstGeom>
-          <a:ln w="28575">
-            <a:solidFill>
-              <a:schemeClr val="tx1"/>
-            </a:solidFill>
-          </a:ln>
-        </p:spPr>
-        <p:style>
-          <a:lnRef idx="2">
-            <a:schemeClr val="accent1">
-              <a:shade val="50000"/>
-            </a:schemeClr>
-          </a:lnRef>
-          <a:fillRef idx="1">
-            <a:schemeClr val="accent1"/>
-          </a:fillRef>
-          <a:effectRef idx="0">
-            <a:schemeClr val="accent1"/>
-          </a:effectRef>
-          <a:fontRef idx="minor">
-            <a:schemeClr val="lt1"/>
-          </a:fontRef>
-        </p:style>
-        <p:txBody>
-          <a:bodyPr rtlCol="0" anchor="ctr"/>
-          <a:lstStyle/>
-          <a:p>
-            <a:pPr algn="ctr"/>
-            <a:endParaRPr lang="ko-KR" altLang="en-US"/>
-          </a:p>
-        </p:txBody>
-      </p:sp>
-      <p:sp useBgFill="1">
-        <p:nvSpPr>
-          <p:cNvPr id="18" name="사각형: 둥근 모서리 17">
-            <a:extLst>
-              <a:ext uri="{FF2B5EF4-FFF2-40B4-BE49-F238E27FC236}">
-                <a16:creationId xmlns:a16="http://schemas.microsoft.com/office/drawing/2014/main" id="{B5724221-334B-3167-9B8D-826A14606412}"/>
-              </a:ext>
-            </a:extLst>
-          </p:cNvPr>
-          <p:cNvSpPr/>
-          <p:nvPr/>
-        </p:nvSpPr>
-        <p:spPr>
-          <a:xfrm>
-            <a:off x="3904989" y="1099886"/>
-            <a:ext cx="1381114" cy="423657"/>
-          </a:xfrm>
-          <a:prstGeom prst="roundRect">
-            <a:avLst/>
-          </a:prstGeom>
-          <a:ln w="28575">
-            <a:solidFill>
-              <a:schemeClr val="tx1"/>
-            </a:solidFill>
-          </a:ln>
-        </p:spPr>
-        <p:style>
-          <a:lnRef idx="2">
-            <a:schemeClr val="accent1">
-              <a:shade val="50000"/>
-            </a:schemeClr>
-          </a:lnRef>
-          <a:fillRef idx="1">
-            <a:schemeClr val="accent1"/>
-          </a:fillRef>
-          <a:effectRef idx="0">
-            <a:schemeClr val="accent1"/>
-          </a:effectRef>
-          <a:fontRef idx="minor">
-            <a:schemeClr val="lt1"/>
-          </a:fontRef>
-        </p:style>
-        <p:txBody>
-          <a:bodyPr rtlCol="0" anchor="ctr"/>
-          <a:lstStyle/>
-          <a:p>
-            <a:pPr algn="ctr"/>
-            <a:endParaRPr lang="ko-KR" altLang="en-US"/>
-          </a:p>
-        </p:txBody>
-      </p:sp>
-      <p:sp>
-        <p:nvSpPr>
-          <p:cNvPr id="19" name="사각형: 둥근 모서리 18">
-            <a:extLst>
-              <a:ext uri="{FF2B5EF4-FFF2-40B4-BE49-F238E27FC236}">
-                <a16:creationId xmlns:a16="http://schemas.microsoft.com/office/drawing/2014/main" id="{03B96EF3-1A9D-FDE6-4673-D095ED14BB66}"/>
-              </a:ext>
-            </a:extLst>
-          </p:cNvPr>
-          <p:cNvSpPr/>
-          <p:nvPr/>
-        </p:nvSpPr>
-        <p:spPr>
-          <a:xfrm>
-            <a:off x="1823914" y="1091408"/>
-            <a:ext cx="1584960" cy="1848987"/>
+            <a:off x="7156399" y="2692173"/>
+            <a:ext cx="1584960" cy="1161133"/>
           </a:xfrm>
           <a:prstGeom prst="roundRect">
             <a:avLst/>
@@ -4456,20 +4316,16 @@
           <a:lstStyle/>
           <a:p>
             <a:pPr algn="ctr"/>
-            <a:r>
-              <a:rPr lang="en-US" altLang="ko-KR" dirty="0"/>
-              <a:t>J5</a:t>
-            </a:r>
             <a:endParaRPr lang="ko-KR" altLang="en-US" dirty="0"/>
           </a:p>
         </p:txBody>
       </p:sp>
       <p:sp>
         <p:nvSpPr>
-          <p:cNvPr id="20" name="사각형: 둥근 모서리 19">
-            <a:extLst>
-              <a:ext uri="{FF2B5EF4-FFF2-40B4-BE49-F238E27FC236}">
-                <a16:creationId xmlns:a16="http://schemas.microsoft.com/office/drawing/2014/main" id="{6084A3E5-3369-B4D3-4659-C08C65B00842}"/>
+          <p:cNvPr id="26" name="타원 25">
+            <a:extLst>
+              <a:ext uri="{FF2B5EF4-FFF2-40B4-BE49-F238E27FC236}">
+                <a16:creationId xmlns:a16="http://schemas.microsoft.com/office/drawing/2014/main" id="{3FC35C82-D842-3C16-3005-2BA109DD0E61}"/>
               </a:ext>
             </a:extLst>
           </p:cNvPr>
@@ -4478,14 +4334,66 @@
         </p:nvSpPr>
         <p:spPr>
           <a:xfrm>
-            <a:off x="1958418" y="2465553"/>
-            <a:ext cx="1312837" cy="336855"/>
-          </a:xfrm>
-          <a:prstGeom prst="roundRect">
+            <a:off x="7230427" y="3509839"/>
+            <a:ext cx="113211" cy="110837"/>
+          </a:xfrm>
+          <a:prstGeom prst="ellipse">
             <a:avLst/>
           </a:prstGeom>
           <a:solidFill>
             <a:schemeClr val="tx1"/>
+          </a:solidFill>
+          <a:ln>
+            <a:noFill/>
+          </a:ln>
+        </p:spPr>
+        <p:style>
+          <a:lnRef idx="2">
+            <a:schemeClr val="accent1">
+              <a:shade val="50000"/>
+            </a:schemeClr>
+          </a:lnRef>
+          <a:fillRef idx="1">
+            <a:schemeClr val="accent1"/>
+          </a:fillRef>
+          <a:effectRef idx="0">
+            <a:schemeClr val="accent1"/>
+          </a:effectRef>
+          <a:fontRef idx="minor">
+            <a:schemeClr val="lt1"/>
+          </a:fontRef>
+        </p:style>
+        <p:txBody>
+          <a:bodyPr rtlCol="0" anchor="ctr"/>
+          <a:lstStyle/>
+          <a:p>
+            <a:pPr algn="ctr"/>
+            <a:endParaRPr lang="ko-KR" altLang="en-US"/>
+          </a:p>
+        </p:txBody>
+      </p:sp>
+      <p:sp>
+        <p:nvSpPr>
+          <p:cNvPr id="27" name="사각형: 둥근 모서리 26">
+            <a:extLst>
+              <a:ext uri="{FF2B5EF4-FFF2-40B4-BE49-F238E27FC236}">
+                <a16:creationId xmlns:a16="http://schemas.microsoft.com/office/drawing/2014/main" id="{9CFAF972-E0A6-E487-79D2-D296D42C067C}"/>
+              </a:ext>
+            </a:extLst>
+          </p:cNvPr>
+          <p:cNvSpPr/>
+          <p:nvPr/>
+        </p:nvSpPr>
+        <p:spPr>
+          <a:xfrm>
+            <a:off x="7292466" y="3395645"/>
+            <a:ext cx="1312837" cy="336855"/>
+          </a:xfrm>
+          <a:prstGeom prst="roundRect">
+            <a:avLst/>
+          </a:prstGeom>
+          <a:solidFill>
+            <a:srgbClr val="000000"/>
           </a:solidFill>
           <a:ln w="19050">
             <a:solidFill>
@@ -4514,20 +4422,95 @@
           <a:lstStyle/>
           <a:p>
             <a:pPr algn="ctr"/>
+            <a:endParaRPr lang="ko-KR" altLang="en-US"/>
+          </a:p>
+        </p:txBody>
+      </p:sp>
+      <p:sp>
+        <p:nvSpPr>
+          <p:cNvPr id="28" name="TextBox 27">
+            <a:extLst>
+              <a:ext uri="{FF2B5EF4-FFF2-40B4-BE49-F238E27FC236}">
+                <a16:creationId xmlns:a16="http://schemas.microsoft.com/office/drawing/2014/main" id="{E9AAFCE8-7683-91D4-A222-37D1A1BD3126}"/>
+              </a:ext>
+            </a:extLst>
+          </p:cNvPr>
+          <p:cNvSpPr txBox="1"/>
+          <p:nvPr/>
+        </p:nvSpPr>
+        <p:spPr>
+          <a:xfrm>
+            <a:off x="7629948" y="3371154"/>
+            <a:ext cx="647934" cy="338554"/>
+          </a:xfrm>
+          <a:prstGeom prst="rect">
+            <a:avLst/>
+          </a:prstGeom>
+          <a:noFill/>
+        </p:spPr>
+        <p:txBody>
+          <a:bodyPr wrap="none" rtlCol="0">
+            <a:spAutoFit/>
+          </a:bodyPr>
+          <a:lstStyle/>
+          <a:p>
             <a:r>
-              <a:rPr lang="en-US" altLang="ko-KR" sz="1600" b="1" dirty="0"/>
+              <a:rPr lang="en-US" altLang="ko-KR" sz="1600" b="1" dirty="0">
+                <a:solidFill>
+                  <a:srgbClr val="FFFFFF"/>
+                </a:solidFill>
+              </a:rPr>
               <a:t>GND</a:t>
             </a:r>
-            <a:endParaRPr lang="ko-KR" altLang="en-US" sz="1600" b="1" dirty="0"/>
-          </a:p>
-        </p:txBody>
-      </p:sp>
-      <p:sp>
-        <p:nvSpPr>
-          <p:cNvPr id="21" name="타원 20">
-            <a:extLst>
-              <a:ext uri="{FF2B5EF4-FFF2-40B4-BE49-F238E27FC236}">
-                <a16:creationId xmlns:a16="http://schemas.microsoft.com/office/drawing/2014/main" id="{4CD84400-688D-F549-AE4C-7348E874AC5C}"/>
+            <a:endParaRPr lang="ko-KR" altLang="en-US" sz="1600" b="1" dirty="0">
+              <a:solidFill>
+                <a:srgbClr val="FFFFFF"/>
+              </a:solidFill>
+            </a:endParaRPr>
+          </a:p>
+        </p:txBody>
+      </p:sp>
+      <p:sp>
+        <p:nvSpPr>
+          <p:cNvPr id="29" name="TextBox 28">
+            <a:extLst>
+              <a:ext uri="{FF2B5EF4-FFF2-40B4-BE49-F238E27FC236}">
+                <a16:creationId xmlns:a16="http://schemas.microsoft.com/office/drawing/2014/main" id="{A0F27950-60C5-8223-C197-3C9525254CC5}"/>
+              </a:ext>
+            </a:extLst>
+          </p:cNvPr>
+          <p:cNvSpPr txBox="1"/>
+          <p:nvPr/>
+        </p:nvSpPr>
+        <p:spPr>
+          <a:xfrm>
+            <a:off x="7746665" y="2676446"/>
+            <a:ext cx="531223" cy="369204"/>
+          </a:xfrm>
+          <a:prstGeom prst="rect">
+            <a:avLst/>
+          </a:prstGeom>
+          <a:noFill/>
+        </p:spPr>
+        <p:txBody>
+          <a:bodyPr wrap="square" rtlCol="0">
+            <a:spAutoFit/>
+          </a:bodyPr>
+          <a:lstStyle/>
+          <a:p>
+            <a:r>
+              <a:rPr lang="en-US" altLang="ko-KR" b="1" dirty="0"/>
+              <a:t>J4</a:t>
+            </a:r>
+          </a:p>
+        </p:txBody>
+      </p:sp>
+      <p:sp>
+        <p:nvSpPr>
+          <p:cNvPr id="30" name="타원 29">
+            <a:extLst>
+              <a:ext uri="{FF2B5EF4-FFF2-40B4-BE49-F238E27FC236}">
+                <a16:creationId xmlns:a16="http://schemas.microsoft.com/office/drawing/2014/main" id="{F0880C41-596A-5395-5DB7-E6626D6D20EC}"/>
               </a:ext>
             </a:extLst>
           </p:cNvPr>
@@ -4536,7 +4519,7 @@
         </p:nvSpPr>
         <p:spPr>
           <a:xfrm>
-            <a:off x="3234978" y="1912005"/>
+            <a:off x="7230426" y="3169964"/>
             <a:ext cx="113211" cy="110837"/>
           </a:xfrm>
           <a:prstGeom prst="ellipse">
@@ -4576,10 +4559,10 @@
       </p:sp>
       <p:sp>
         <p:nvSpPr>
-          <p:cNvPr id="22" name="타원 21">
-            <a:extLst>
-              <a:ext uri="{FF2B5EF4-FFF2-40B4-BE49-F238E27FC236}">
-                <a16:creationId xmlns:a16="http://schemas.microsoft.com/office/drawing/2014/main" id="{2AD1643D-1C85-99E7-73FE-3B9B4D30D649}"/>
+          <p:cNvPr id="31" name="사각형: 둥근 모서리 30">
+            <a:extLst>
+              <a:ext uri="{FF2B5EF4-FFF2-40B4-BE49-F238E27FC236}">
+                <a16:creationId xmlns:a16="http://schemas.microsoft.com/office/drawing/2014/main" id="{90E58D9F-0416-4F88-3C51-1DC1C03EEFF0}"/>
               </a:ext>
             </a:extLst>
           </p:cNvPr>
@@ -4588,407 +4571,8 @@
         </p:nvSpPr>
         <p:spPr>
           <a:xfrm>
-            <a:off x="3234979" y="1571892"/>
-            <a:ext cx="113211" cy="110837"/>
-          </a:xfrm>
-          <a:prstGeom prst="ellipse">
-            <a:avLst/>
-          </a:prstGeom>
-          <a:solidFill>
-            <a:schemeClr val="tx1"/>
-          </a:solidFill>
-          <a:ln>
-            <a:noFill/>
-          </a:ln>
-        </p:spPr>
-        <p:style>
-          <a:lnRef idx="2">
-            <a:schemeClr val="accent1">
-              <a:shade val="50000"/>
-            </a:schemeClr>
-          </a:lnRef>
-          <a:fillRef idx="1">
-            <a:schemeClr val="accent1"/>
-          </a:fillRef>
-          <a:effectRef idx="0">
-            <a:schemeClr val="accent1"/>
-          </a:effectRef>
-          <a:fontRef idx="minor">
-            <a:schemeClr val="lt1"/>
-          </a:fontRef>
-        </p:style>
-        <p:txBody>
-          <a:bodyPr rtlCol="0" anchor="ctr"/>
-          <a:lstStyle/>
-          <a:p>
-            <a:pPr algn="ctr"/>
-            <a:endParaRPr lang="ko-KR" altLang="en-US"/>
-          </a:p>
-        </p:txBody>
-      </p:sp>
-      <p:sp>
-        <p:nvSpPr>
-          <p:cNvPr id="23" name="TextBox 22">
-            <a:extLst>
-              <a:ext uri="{FF2B5EF4-FFF2-40B4-BE49-F238E27FC236}">
-                <a16:creationId xmlns:a16="http://schemas.microsoft.com/office/drawing/2014/main" id="{D1BF6761-1A89-9C95-AEFC-AB9BBC9533BB}"/>
-              </a:ext>
-            </a:extLst>
-          </p:cNvPr>
-          <p:cNvSpPr txBox="1"/>
-          <p:nvPr/>
-        </p:nvSpPr>
-        <p:spPr>
-          <a:xfrm>
-            <a:off x="2447388" y="1096668"/>
-            <a:ext cx="531223" cy="369204"/>
-          </a:xfrm>
-          <a:prstGeom prst="rect">
-            <a:avLst/>
-          </a:prstGeom>
-          <a:noFill/>
-        </p:spPr>
-        <p:txBody>
-          <a:bodyPr wrap="square" rtlCol="0">
-            <a:spAutoFit/>
-          </a:bodyPr>
-          <a:lstStyle/>
-          <a:p>
-            <a:r>
-              <a:rPr lang="en-US" altLang="ko-KR" b="1" dirty="0"/>
-              <a:t>J5</a:t>
-            </a:r>
-          </a:p>
-        </p:txBody>
-      </p:sp>
-      <p:sp>
-        <p:nvSpPr>
-          <p:cNvPr id="24" name="타원 23">
-            <a:extLst>
-              <a:ext uri="{FF2B5EF4-FFF2-40B4-BE49-F238E27FC236}">
-                <a16:creationId xmlns:a16="http://schemas.microsoft.com/office/drawing/2014/main" id="{CAE95611-D8BF-2992-EF9B-923C8FA666CA}"/>
-              </a:ext>
-            </a:extLst>
-          </p:cNvPr>
-          <p:cNvSpPr/>
-          <p:nvPr/>
-        </p:nvSpPr>
-        <p:spPr>
-          <a:xfrm>
-            <a:off x="3231472" y="2247774"/>
-            <a:ext cx="113211" cy="110837"/>
-          </a:xfrm>
-          <a:prstGeom prst="ellipse">
-            <a:avLst/>
-          </a:prstGeom>
-          <a:solidFill>
-            <a:schemeClr val="tx1"/>
-          </a:solidFill>
-          <a:ln>
-            <a:noFill/>
-          </a:ln>
-        </p:spPr>
-        <p:style>
-          <a:lnRef idx="2">
-            <a:schemeClr val="accent1">
-              <a:shade val="50000"/>
-            </a:schemeClr>
-          </a:lnRef>
-          <a:fillRef idx="1">
-            <a:schemeClr val="accent1"/>
-          </a:fillRef>
-          <a:effectRef idx="0">
-            <a:schemeClr val="accent1"/>
-          </a:effectRef>
-          <a:fontRef idx="minor">
-            <a:schemeClr val="lt1"/>
-          </a:fontRef>
-        </p:style>
-        <p:txBody>
-          <a:bodyPr rtlCol="0" anchor="ctr"/>
-          <a:lstStyle/>
-          <a:p>
-            <a:pPr algn="ctr"/>
-            <a:endParaRPr lang="ko-KR" altLang="en-US"/>
-          </a:p>
-        </p:txBody>
-      </p:sp>
-      <p:sp>
-        <p:nvSpPr>
-          <p:cNvPr id="34" name="타원 33">
-            <a:extLst>
-              <a:ext uri="{FF2B5EF4-FFF2-40B4-BE49-F238E27FC236}">
-                <a16:creationId xmlns:a16="http://schemas.microsoft.com/office/drawing/2014/main" id="{9024467D-6948-85B8-738E-53A4F615F94D}"/>
-              </a:ext>
-            </a:extLst>
-          </p:cNvPr>
-          <p:cNvSpPr/>
-          <p:nvPr/>
-        </p:nvSpPr>
-        <p:spPr>
-          <a:xfrm>
-            <a:off x="3234982" y="2584630"/>
-            <a:ext cx="113211" cy="110837"/>
-          </a:xfrm>
-          <a:prstGeom prst="ellipse">
-            <a:avLst/>
-          </a:prstGeom>
-          <a:solidFill>
-            <a:schemeClr val="tx1"/>
-          </a:solidFill>
-          <a:ln>
-            <a:noFill/>
-          </a:ln>
-        </p:spPr>
-        <p:style>
-          <a:lnRef idx="2">
-            <a:schemeClr val="accent1">
-              <a:shade val="50000"/>
-            </a:schemeClr>
-          </a:lnRef>
-          <a:fillRef idx="1">
-            <a:schemeClr val="accent1"/>
-          </a:fillRef>
-          <a:effectRef idx="0">
-            <a:schemeClr val="accent1"/>
-          </a:effectRef>
-          <a:fontRef idx="minor">
-            <a:schemeClr val="lt1"/>
-          </a:fontRef>
-        </p:style>
-        <p:txBody>
-          <a:bodyPr rtlCol="0" anchor="ctr"/>
-          <a:lstStyle/>
-          <a:p>
-            <a:pPr algn="ctr"/>
-            <a:endParaRPr lang="ko-KR" altLang="en-US"/>
-          </a:p>
-        </p:txBody>
-      </p:sp>
-      <p:sp>
-        <p:nvSpPr>
-          <p:cNvPr id="36" name="타원 35">
-            <a:extLst>
-              <a:ext uri="{FF2B5EF4-FFF2-40B4-BE49-F238E27FC236}">
-                <a16:creationId xmlns:a16="http://schemas.microsoft.com/office/drawing/2014/main" id="{0885EC6C-D0AE-CAFE-CE85-6A85118EE687}"/>
-              </a:ext>
-            </a:extLst>
-          </p:cNvPr>
-          <p:cNvSpPr/>
-          <p:nvPr/>
-        </p:nvSpPr>
-        <p:spPr>
-          <a:xfrm>
-            <a:off x="4126061" y="1259546"/>
-            <a:ext cx="113211" cy="110837"/>
-          </a:xfrm>
-          <a:prstGeom prst="ellipse">
-            <a:avLst/>
-          </a:prstGeom>
-          <a:solidFill>
-            <a:schemeClr val="tx1"/>
-          </a:solidFill>
-          <a:ln>
-            <a:noFill/>
-          </a:ln>
-        </p:spPr>
-        <p:style>
-          <a:lnRef idx="2">
-            <a:schemeClr val="accent1">
-              <a:shade val="50000"/>
-            </a:schemeClr>
-          </a:lnRef>
-          <a:fillRef idx="1">
-            <a:schemeClr val="accent1"/>
-          </a:fillRef>
-          <a:effectRef idx="0">
-            <a:schemeClr val="accent1"/>
-          </a:effectRef>
-          <a:fontRef idx="minor">
-            <a:schemeClr val="lt1"/>
-          </a:fontRef>
-        </p:style>
-        <p:txBody>
-          <a:bodyPr rtlCol="0" anchor="ctr"/>
-          <a:lstStyle/>
-          <a:p>
-            <a:pPr algn="ctr"/>
-            <a:endParaRPr lang="ko-KR" altLang="en-US"/>
-          </a:p>
-        </p:txBody>
-      </p:sp>
-      <p:sp>
-        <p:nvSpPr>
-          <p:cNvPr id="38" name="타원 37">
-            <a:extLst>
-              <a:ext uri="{FF2B5EF4-FFF2-40B4-BE49-F238E27FC236}">
-                <a16:creationId xmlns:a16="http://schemas.microsoft.com/office/drawing/2014/main" id="{E4BA3C61-A48F-AE83-AD92-E19A713ED73B}"/>
-              </a:ext>
-            </a:extLst>
-          </p:cNvPr>
-          <p:cNvSpPr/>
-          <p:nvPr/>
-        </p:nvSpPr>
-        <p:spPr>
-          <a:xfrm>
-            <a:off x="4415165" y="1270079"/>
-            <a:ext cx="113211" cy="110837"/>
-          </a:xfrm>
-          <a:prstGeom prst="ellipse">
-            <a:avLst/>
-          </a:prstGeom>
-          <a:solidFill>
-            <a:schemeClr val="tx1"/>
-          </a:solidFill>
-          <a:ln>
-            <a:noFill/>
-          </a:ln>
-        </p:spPr>
-        <p:style>
-          <a:lnRef idx="2">
-            <a:schemeClr val="accent1">
-              <a:shade val="50000"/>
-            </a:schemeClr>
-          </a:lnRef>
-          <a:fillRef idx="1">
-            <a:schemeClr val="accent1"/>
-          </a:fillRef>
-          <a:effectRef idx="0">
-            <a:schemeClr val="accent1"/>
-          </a:effectRef>
-          <a:fontRef idx="minor">
-            <a:schemeClr val="lt1"/>
-          </a:fontRef>
-        </p:style>
-        <p:txBody>
-          <a:bodyPr rtlCol="0" anchor="ctr"/>
-          <a:lstStyle/>
-          <a:p>
-            <a:pPr algn="ctr"/>
-            <a:endParaRPr lang="ko-KR" altLang="en-US"/>
-          </a:p>
-        </p:txBody>
-      </p:sp>
-      <p:sp>
-        <p:nvSpPr>
-          <p:cNvPr id="39" name="타원 38">
-            <a:extLst>
-              <a:ext uri="{FF2B5EF4-FFF2-40B4-BE49-F238E27FC236}">
-                <a16:creationId xmlns:a16="http://schemas.microsoft.com/office/drawing/2014/main" id="{934F9826-0241-7AC8-1C86-F3CDE28B1BBA}"/>
-              </a:ext>
-            </a:extLst>
-          </p:cNvPr>
-          <p:cNvSpPr/>
-          <p:nvPr/>
-        </p:nvSpPr>
-        <p:spPr>
-          <a:xfrm>
-            <a:off x="4704269" y="1270079"/>
-            <a:ext cx="113211" cy="110837"/>
-          </a:xfrm>
-          <a:prstGeom prst="ellipse">
-            <a:avLst/>
-          </a:prstGeom>
-          <a:solidFill>
-            <a:schemeClr val="tx1"/>
-          </a:solidFill>
-          <a:ln>
-            <a:noFill/>
-          </a:ln>
-        </p:spPr>
-        <p:style>
-          <a:lnRef idx="2">
-            <a:schemeClr val="accent1">
-              <a:shade val="50000"/>
-            </a:schemeClr>
-          </a:lnRef>
-          <a:fillRef idx="1">
-            <a:schemeClr val="accent1"/>
-          </a:fillRef>
-          <a:effectRef idx="0">
-            <a:schemeClr val="accent1"/>
-          </a:effectRef>
-          <a:fontRef idx="minor">
-            <a:schemeClr val="lt1"/>
-          </a:fontRef>
-        </p:style>
-        <p:txBody>
-          <a:bodyPr rtlCol="0" anchor="ctr"/>
-          <a:lstStyle/>
-          <a:p>
-            <a:pPr algn="ctr"/>
-            <a:endParaRPr lang="ko-KR" altLang="en-US"/>
-          </a:p>
-        </p:txBody>
-      </p:sp>
-      <p:sp>
-        <p:nvSpPr>
-          <p:cNvPr id="40" name="타원 39">
-            <a:extLst>
-              <a:ext uri="{FF2B5EF4-FFF2-40B4-BE49-F238E27FC236}">
-                <a16:creationId xmlns:a16="http://schemas.microsoft.com/office/drawing/2014/main" id="{9548AF3C-6E3B-7E83-7ECC-33B81C1702C1}"/>
-              </a:ext>
-            </a:extLst>
-          </p:cNvPr>
-          <p:cNvSpPr/>
-          <p:nvPr/>
-        </p:nvSpPr>
-        <p:spPr>
-          <a:xfrm>
-            <a:off x="4993373" y="1270079"/>
-            <a:ext cx="113211" cy="110837"/>
-          </a:xfrm>
-          <a:prstGeom prst="ellipse">
-            <a:avLst/>
-          </a:prstGeom>
-          <a:solidFill>
-            <a:schemeClr val="tx1"/>
-          </a:solidFill>
-          <a:ln>
-            <a:noFill/>
-          </a:ln>
-        </p:spPr>
-        <p:style>
-          <a:lnRef idx="2">
-            <a:schemeClr val="accent1">
-              <a:shade val="50000"/>
-            </a:schemeClr>
-          </a:lnRef>
-          <a:fillRef idx="1">
-            <a:schemeClr val="accent1"/>
-          </a:fillRef>
-          <a:effectRef idx="0">
-            <a:schemeClr val="accent1"/>
-          </a:effectRef>
-          <a:fontRef idx="minor">
-            <a:schemeClr val="lt1"/>
-          </a:fontRef>
-        </p:style>
-        <p:txBody>
-          <a:bodyPr rtlCol="0" anchor="ctr"/>
-          <a:lstStyle/>
-          <a:p>
-            <a:pPr algn="ctr"/>
-            <a:endParaRPr lang="ko-KR" altLang="en-US"/>
-          </a:p>
-        </p:txBody>
-      </p:sp>
-      <p:sp>
-        <p:nvSpPr>
-          <p:cNvPr id="41" name="사각형: 둥근 모서리 40">
-            <a:extLst>
-              <a:ext uri="{FF2B5EF4-FFF2-40B4-BE49-F238E27FC236}">
-                <a16:creationId xmlns:a16="http://schemas.microsoft.com/office/drawing/2014/main" id="{2FAFBFCE-BF42-3A5D-292A-EF5F53A93F28}"/>
-              </a:ext>
-            </a:extLst>
-          </p:cNvPr>
-          <p:cNvSpPr/>
-          <p:nvPr/>
-        </p:nvSpPr>
-        <p:spPr>
-          <a:xfrm>
-            <a:off x="1959981" y="1797910"/>
-            <a:ext cx="1312837" cy="336855"/>
+            <a:off x="7292461" y="3051522"/>
+            <a:ext cx="1312836" cy="336855"/>
           </a:xfrm>
           <a:prstGeom prst="roundRect">
             <a:avLst/>
@@ -5023,124 +4607,16 @@
           <a:lstStyle/>
           <a:p>
             <a:pPr algn="ctr"/>
-            <a:endParaRPr lang="ko-KR" altLang="en-US"/>
-          </a:p>
-        </p:txBody>
-      </p:sp>
-      <p:sp>
-        <p:nvSpPr>
-          <p:cNvPr id="42" name="사각형: 둥근 모서리 41">
-            <a:extLst>
-              <a:ext uri="{FF2B5EF4-FFF2-40B4-BE49-F238E27FC236}">
-                <a16:creationId xmlns:a16="http://schemas.microsoft.com/office/drawing/2014/main" id="{C99B9A0E-AA9F-87BE-F7F0-1E2905C27C6D}"/>
-              </a:ext>
-            </a:extLst>
-          </p:cNvPr>
-          <p:cNvSpPr/>
-          <p:nvPr/>
-        </p:nvSpPr>
-        <p:spPr>
-          <a:xfrm>
-            <a:off x="1959981" y="2134764"/>
-            <a:ext cx="1312837" cy="336855"/>
-          </a:xfrm>
-          <a:prstGeom prst="roundRect">
-            <a:avLst/>
-          </a:prstGeom>
-          <a:solidFill>
-            <a:srgbClr val="0070C0"/>
-          </a:solidFill>
-          <a:ln w="19050">
-            <a:solidFill>
-              <a:schemeClr val="tx1"/>
-            </a:solidFill>
-          </a:ln>
-        </p:spPr>
-        <p:style>
-          <a:lnRef idx="2">
-            <a:schemeClr val="accent1">
-              <a:shade val="50000"/>
-            </a:schemeClr>
-          </a:lnRef>
-          <a:fillRef idx="1">
-            <a:schemeClr val="accent1"/>
-          </a:fillRef>
-          <a:effectRef idx="0">
-            <a:schemeClr val="accent1"/>
-          </a:effectRef>
-          <a:fontRef idx="minor">
-            <a:schemeClr val="lt1"/>
-          </a:fontRef>
-        </p:style>
-        <p:txBody>
-          <a:bodyPr rtlCol="0" anchor="ctr"/>
-          <a:lstStyle/>
-          <a:p>
-            <a:pPr algn="ctr"/>
-            <a:endParaRPr lang="ko-KR" altLang="en-US"/>
-          </a:p>
-        </p:txBody>
-      </p:sp>
-      <p:sp>
-        <p:nvSpPr>
-          <p:cNvPr id="43" name="사각형: 둥근 모서리 42">
-            <a:extLst>
-              <a:ext uri="{FF2B5EF4-FFF2-40B4-BE49-F238E27FC236}">
-                <a16:creationId xmlns:a16="http://schemas.microsoft.com/office/drawing/2014/main" id="{B4DFE8FB-4173-42C5-0822-619DAE6FE02D}"/>
-              </a:ext>
-            </a:extLst>
-          </p:cNvPr>
-          <p:cNvSpPr/>
-          <p:nvPr/>
-        </p:nvSpPr>
-        <p:spPr>
-          <a:xfrm>
-            <a:off x="1959981" y="1456118"/>
-            <a:ext cx="1312837" cy="336855"/>
-          </a:xfrm>
-          <a:prstGeom prst="roundRect">
-            <a:avLst/>
-          </a:prstGeom>
-          <a:solidFill>
-            <a:srgbClr val="FF0000"/>
-          </a:solidFill>
-          <a:ln w="19050">
-            <a:solidFill>
-              <a:schemeClr val="tx1"/>
-            </a:solidFill>
-          </a:ln>
-        </p:spPr>
-        <p:style>
-          <a:lnRef idx="2">
-            <a:schemeClr val="accent1">
-              <a:shade val="50000"/>
-            </a:schemeClr>
-          </a:lnRef>
-          <a:fillRef idx="1">
-            <a:schemeClr val="accent1"/>
-          </a:fillRef>
-          <a:effectRef idx="0">
-            <a:schemeClr val="accent1"/>
-          </a:effectRef>
-          <a:fontRef idx="minor">
-            <a:schemeClr val="lt1"/>
-          </a:fontRef>
-        </p:style>
-        <p:txBody>
-          <a:bodyPr rtlCol="0" anchor="ctr"/>
-          <a:lstStyle/>
-          <a:p>
-            <a:pPr algn="ctr"/>
-            <a:endParaRPr lang="ko-KR" altLang="en-US"/>
-          </a:p>
-        </p:txBody>
-      </p:sp>
-      <p:sp>
-        <p:nvSpPr>
-          <p:cNvPr id="44" name="TextBox 43">
-            <a:extLst>
-              <a:ext uri="{FF2B5EF4-FFF2-40B4-BE49-F238E27FC236}">
-                <a16:creationId xmlns:a16="http://schemas.microsoft.com/office/drawing/2014/main" id="{E8A1C672-FEF7-05EE-E814-1C29E905F869}"/>
+            <a:endParaRPr lang="ko-KR" altLang="en-US" sz="1600" b="1" dirty="0"/>
+          </a:p>
+        </p:txBody>
+      </p:sp>
+      <p:sp>
+        <p:nvSpPr>
+          <p:cNvPr id="32" name="TextBox 31">
+            <a:extLst>
+              <a:ext uri="{FF2B5EF4-FFF2-40B4-BE49-F238E27FC236}">
+                <a16:creationId xmlns:a16="http://schemas.microsoft.com/office/drawing/2014/main" id="{8B59D8B9-D4DB-8F46-D83C-A3E9463A9F35}"/>
               </a:ext>
             </a:extLst>
           </p:cNvPr>
@@ -5149,8 +4625,8 @@
         </p:nvSpPr>
         <p:spPr>
           <a:xfrm>
-            <a:off x="2115872" y="1807601"/>
-            <a:ext cx="933269" cy="338554"/>
+            <a:off x="7408505" y="3051923"/>
+            <a:ext cx="1114792" cy="338554"/>
           </a:xfrm>
           <a:prstGeom prst="rect">
             <a:avLst/>
@@ -5169,7 +4645,7 @@
                   <a:srgbClr val="FFFFFF"/>
                 </a:solidFill>
               </a:rPr>
-              <a:t>USB DP</a:t>
+              <a:t>FACT RST</a:t>
             </a:r>
             <a:endParaRPr lang="ko-KR" altLang="en-US" sz="1600" b="1" dirty="0">
               <a:solidFill>
@@ -5179,115 +4655,24 @@
           </a:p>
         </p:txBody>
       </p:sp>
-      <p:sp>
-        <p:nvSpPr>
-          <p:cNvPr id="45" name="TextBox 44">
-            <a:extLst>
-              <a:ext uri="{FF2B5EF4-FFF2-40B4-BE49-F238E27FC236}">
-                <a16:creationId xmlns:a16="http://schemas.microsoft.com/office/drawing/2014/main" id="{DE77ACF2-9829-3342-4AE2-3FAA98F97667}"/>
-              </a:ext>
-            </a:extLst>
-          </p:cNvPr>
-          <p:cNvSpPr txBox="1"/>
-          <p:nvPr/>
-        </p:nvSpPr>
-        <p:spPr>
-          <a:xfrm>
-            <a:off x="2122176" y="2144456"/>
-            <a:ext cx="1003801" cy="338554"/>
-          </a:xfrm>
-          <a:prstGeom prst="rect">
-            <a:avLst/>
-          </a:prstGeom>
-          <a:noFill/>
-        </p:spPr>
-        <p:txBody>
-          <a:bodyPr wrap="none" rtlCol="0">
-            <a:spAutoFit/>
-          </a:bodyPr>
-          <a:lstStyle/>
-          <a:p>
-            <a:r>
-              <a:rPr lang="en-US" altLang="ko-KR" sz="1600" b="1" dirty="0">
-                <a:solidFill>
-                  <a:srgbClr val="FFFFFF"/>
-                </a:solidFill>
-              </a:rPr>
-              <a:t>USB DM</a:t>
-            </a:r>
-            <a:endParaRPr lang="ko-KR" altLang="en-US" sz="1600" b="1" dirty="0">
-              <a:solidFill>
-                <a:srgbClr val="FFFFFF"/>
-              </a:solidFill>
-            </a:endParaRPr>
-          </a:p>
-        </p:txBody>
-      </p:sp>
-      <p:sp>
-        <p:nvSpPr>
-          <p:cNvPr id="46" name="TextBox 45">
-            <a:extLst>
-              <a:ext uri="{FF2B5EF4-FFF2-40B4-BE49-F238E27FC236}">
-                <a16:creationId xmlns:a16="http://schemas.microsoft.com/office/drawing/2014/main" id="{8CF65760-CEA1-F213-9B6C-D399064E77A3}"/>
-              </a:ext>
-            </a:extLst>
-          </p:cNvPr>
-          <p:cNvSpPr txBox="1"/>
-          <p:nvPr/>
-        </p:nvSpPr>
-        <p:spPr>
-          <a:xfrm>
-            <a:off x="2337889" y="1444721"/>
-            <a:ext cx="559769" cy="338554"/>
-          </a:xfrm>
-          <a:prstGeom prst="rect">
-            <a:avLst/>
-          </a:prstGeom>
-          <a:noFill/>
-        </p:spPr>
-        <p:txBody>
-          <a:bodyPr wrap="none" rtlCol="0">
-            <a:spAutoFit/>
-          </a:bodyPr>
-          <a:lstStyle/>
-          <a:p>
-            <a:r>
-              <a:rPr lang="en-US" altLang="ko-KR" sz="1600" b="1" dirty="0">
-                <a:solidFill>
-                  <a:srgbClr val="FFFFFF"/>
-                </a:solidFill>
-              </a:rPr>
-              <a:t>3V3</a:t>
-            </a:r>
-            <a:endParaRPr lang="ko-KR" altLang="en-US" sz="1600" b="1" dirty="0">
-              <a:solidFill>
-                <a:srgbClr val="FFFFFF"/>
-              </a:solidFill>
-            </a:endParaRPr>
-          </a:p>
-        </p:txBody>
-      </p:sp>
-      <p:cxnSp>
-        <p:nvCxnSpPr>
-          <p:cNvPr id="47" name="연결선: 꺾임 46">
-            <a:extLst>
-              <a:ext uri="{FF2B5EF4-FFF2-40B4-BE49-F238E27FC236}">
-                <a16:creationId xmlns:a16="http://schemas.microsoft.com/office/drawing/2014/main" id="{E8F9D631-64E8-5900-EF54-346F1D746A6E}"/>
-              </a:ext>
-            </a:extLst>
-          </p:cNvPr>
-          <p:cNvCxnSpPr>
-            <a:stCxn id="36" idx="4"/>
-            <a:endCxn id="22" idx="6"/>
-          </p:cNvCxnSpPr>
-          <p:nvPr/>
-        </p:nvCxnSpPr>
-        <p:spPr>
-          <a:xfrm rot="5400000">
-            <a:off x="3636965" y="1081609"/>
-            <a:ext cx="256928" cy="834477"/>
-          </a:xfrm>
-          <a:prstGeom prst="bentConnector2">
+      <p:sp useBgFill="1">
+        <p:nvSpPr>
+          <p:cNvPr id="33" name="사각형: 둥근 모서리 32">
+            <a:extLst>
+              <a:ext uri="{FF2B5EF4-FFF2-40B4-BE49-F238E27FC236}">
+                <a16:creationId xmlns:a16="http://schemas.microsoft.com/office/drawing/2014/main" id="{28BF1FC3-C57B-9BCD-4B94-9C641E71525D}"/>
+              </a:ext>
+            </a:extLst>
+          </p:cNvPr>
+          <p:cNvSpPr/>
+          <p:nvPr/>
+        </p:nvSpPr>
+        <p:spPr>
+          <a:xfrm>
+            <a:off x="6313592" y="4332755"/>
+            <a:ext cx="723617" cy="358342"/>
+          </a:xfrm>
+          <a:prstGeom prst="roundRect">
             <a:avLst/>
           </a:prstGeom>
           <a:ln w="28575">
@@ -5297,6 +4682,164 @@
           </a:ln>
         </p:spPr>
         <p:style>
+          <a:lnRef idx="2">
+            <a:schemeClr val="accent1">
+              <a:shade val="50000"/>
+            </a:schemeClr>
+          </a:lnRef>
+          <a:fillRef idx="1">
+            <a:schemeClr val="accent1"/>
+          </a:fillRef>
+          <a:effectRef idx="0">
+            <a:schemeClr val="accent1"/>
+          </a:effectRef>
+          <a:fontRef idx="minor">
+            <a:schemeClr val="lt1"/>
+          </a:fontRef>
+        </p:style>
+        <p:txBody>
+          <a:bodyPr rtlCol="0" anchor="ctr"/>
+          <a:lstStyle/>
+          <a:p>
+            <a:pPr algn="ctr"/>
+            <a:endParaRPr lang="ko-KR" altLang="en-US"/>
+          </a:p>
+        </p:txBody>
+      </p:sp>
+      <p:sp>
+        <p:nvSpPr>
+          <p:cNvPr id="35" name="타원 34">
+            <a:extLst>
+              <a:ext uri="{FF2B5EF4-FFF2-40B4-BE49-F238E27FC236}">
+                <a16:creationId xmlns:a16="http://schemas.microsoft.com/office/drawing/2014/main" id="{74BB3254-1941-8351-FE72-131645AEEF58}"/>
+              </a:ext>
+            </a:extLst>
+          </p:cNvPr>
+          <p:cNvSpPr/>
+          <p:nvPr/>
+        </p:nvSpPr>
+        <p:spPr>
+          <a:xfrm>
+            <a:off x="6758939" y="4439838"/>
+            <a:ext cx="113211" cy="110837"/>
+          </a:xfrm>
+          <a:prstGeom prst="ellipse">
+            <a:avLst/>
+          </a:prstGeom>
+          <a:solidFill>
+            <a:schemeClr val="tx1"/>
+          </a:solidFill>
+          <a:ln>
+            <a:noFill/>
+          </a:ln>
+        </p:spPr>
+        <p:style>
+          <a:lnRef idx="2">
+            <a:schemeClr val="accent1">
+              <a:shade val="50000"/>
+            </a:schemeClr>
+          </a:lnRef>
+          <a:fillRef idx="1">
+            <a:schemeClr val="accent1"/>
+          </a:fillRef>
+          <a:effectRef idx="0">
+            <a:schemeClr val="accent1"/>
+          </a:effectRef>
+          <a:fontRef idx="minor">
+            <a:schemeClr val="lt1"/>
+          </a:fontRef>
+        </p:style>
+        <p:txBody>
+          <a:bodyPr rtlCol="0" anchor="ctr"/>
+          <a:lstStyle/>
+          <a:p>
+            <a:pPr algn="ctr"/>
+            <a:endParaRPr lang="ko-KR" altLang="en-US"/>
+          </a:p>
+        </p:txBody>
+      </p:sp>
+      <p:sp>
+        <p:nvSpPr>
+          <p:cNvPr id="37" name="타원 36">
+            <a:extLst>
+              <a:ext uri="{FF2B5EF4-FFF2-40B4-BE49-F238E27FC236}">
+                <a16:creationId xmlns:a16="http://schemas.microsoft.com/office/drawing/2014/main" id="{794AB586-5F72-DA02-CC1E-C3190A8709F7}"/>
+              </a:ext>
+            </a:extLst>
+          </p:cNvPr>
+          <p:cNvSpPr/>
+          <p:nvPr/>
+        </p:nvSpPr>
+        <p:spPr>
+          <a:xfrm>
+            <a:off x="6461284" y="4439838"/>
+            <a:ext cx="113211" cy="110837"/>
+          </a:xfrm>
+          <a:prstGeom prst="ellipse">
+            <a:avLst/>
+          </a:prstGeom>
+          <a:solidFill>
+            <a:schemeClr val="tx1"/>
+          </a:solidFill>
+          <a:ln>
+            <a:noFill/>
+          </a:ln>
+        </p:spPr>
+        <p:style>
+          <a:lnRef idx="2">
+            <a:schemeClr val="accent1">
+              <a:shade val="50000"/>
+            </a:schemeClr>
+          </a:lnRef>
+          <a:fillRef idx="1">
+            <a:schemeClr val="accent1"/>
+          </a:fillRef>
+          <a:effectRef idx="0">
+            <a:schemeClr val="accent1"/>
+          </a:effectRef>
+          <a:fontRef idx="minor">
+            <a:schemeClr val="lt1"/>
+          </a:fontRef>
+        </p:style>
+        <p:txBody>
+          <a:bodyPr rtlCol="0" anchor="ctr"/>
+          <a:lstStyle/>
+          <a:p>
+            <a:pPr algn="ctr"/>
+            <a:endParaRPr lang="ko-KR" altLang="en-US"/>
+          </a:p>
+        </p:txBody>
+      </p:sp>
+      <p:cxnSp>
+        <p:nvCxnSpPr>
+          <p:cNvPr id="3" name="연결선: 꺾임 2">
+            <a:extLst>
+              <a:ext uri="{FF2B5EF4-FFF2-40B4-BE49-F238E27FC236}">
+                <a16:creationId xmlns:a16="http://schemas.microsoft.com/office/drawing/2014/main" id="{A61408B4-F21F-6246-48FF-788C1550CF55}"/>
+              </a:ext>
+            </a:extLst>
+          </p:cNvPr>
+          <p:cNvCxnSpPr>
+            <a:stCxn id="26" idx="2"/>
+            <a:endCxn id="35" idx="0"/>
+          </p:cNvCxnSpPr>
+          <p:nvPr/>
+        </p:nvCxnSpPr>
+        <p:spPr>
+          <a:xfrm rot="10800000" flipV="1">
+            <a:off x="6815545" y="3565258"/>
+            <a:ext cx="414882" cy="874580"/>
+          </a:xfrm>
+          <a:prstGeom prst="bentConnector2">
+            <a:avLst/>
+          </a:prstGeom>
+          <a:ln w="28575">
+            <a:solidFill>
+              <a:srgbClr val="000000"/>
+            </a:solidFill>
+          </a:ln>
+        </p:spPr>
+        <p:style>
           <a:lnRef idx="1">
             <a:schemeClr val="accent1"/>
           </a:lnRef>
@@ -5313,118 +4856,30 @@
       </p:cxnSp>
       <p:cxnSp>
         <p:nvCxnSpPr>
-          <p:cNvPr id="48" name="연결선: 꺾임 47">
-            <a:extLst>
-              <a:ext uri="{FF2B5EF4-FFF2-40B4-BE49-F238E27FC236}">
-                <a16:creationId xmlns:a16="http://schemas.microsoft.com/office/drawing/2014/main" id="{086157E9-F5DB-262D-EC45-645B07289544}"/>
+          <p:cNvPr id="5" name="연결선: 꺾임 4">
+            <a:extLst>
+              <a:ext uri="{FF2B5EF4-FFF2-40B4-BE49-F238E27FC236}">
+                <a16:creationId xmlns:a16="http://schemas.microsoft.com/office/drawing/2014/main" id="{98B43EAA-9E99-781F-60DF-7011A4CCA2D8}"/>
               </a:ext>
             </a:extLst>
           </p:cNvPr>
           <p:cNvCxnSpPr>
-            <a:stCxn id="38" idx="4"/>
-            <a:endCxn id="21" idx="6"/>
+            <a:stCxn id="30" idx="2"/>
+            <a:endCxn id="37" idx="0"/>
           </p:cNvCxnSpPr>
           <p:nvPr/>
         </p:nvCxnSpPr>
         <p:spPr>
-          <a:xfrm rot="5400000">
-            <a:off x="3616726" y="1112379"/>
-            <a:ext cx="586508" cy="1123582"/>
+          <a:xfrm rot="10800000" flipV="1">
+            <a:off x="6517890" y="3225382"/>
+            <a:ext cx="712536" cy="1214455"/>
           </a:xfrm>
           <a:prstGeom prst="bentConnector2">
             <a:avLst/>
           </a:prstGeom>
           <a:ln w="28575">
             <a:solidFill>
-              <a:schemeClr val="tx1"/>
-            </a:solidFill>
-          </a:ln>
-        </p:spPr>
-        <p:style>
-          <a:lnRef idx="1">
-            <a:schemeClr val="accent1"/>
-          </a:lnRef>
-          <a:fillRef idx="0">
-            <a:schemeClr val="accent1"/>
-          </a:fillRef>
-          <a:effectRef idx="0">
-            <a:schemeClr val="accent1"/>
-          </a:effectRef>
-          <a:fontRef idx="minor">
-            <a:schemeClr val="tx1"/>
-          </a:fontRef>
-        </p:style>
-      </p:cxnSp>
-      <p:cxnSp>
-        <p:nvCxnSpPr>
-          <p:cNvPr id="49" name="연결선: 꺾임 48">
-            <a:extLst>
-              <a:ext uri="{FF2B5EF4-FFF2-40B4-BE49-F238E27FC236}">
-                <a16:creationId xmlns:a16="http://schemas.microsoft.com/office/drawing/2014/main" id="{C63A03AA-8BF9-3D06-C739-64077DA6B18E}"/>
-              </a:ext>
-            </a:extLst>
-          </p:cNvPr>
-          <p:cNvCxnSpPr>
-            <a:stCxn id="39" idx="4"/>
-            <a:endCxn id="24" idx="6"/>
-          </p:cNvCxnSpPr>
-          <p:nvPr/>
-        </p:nvCxnSpPr>
-        <p:spPr>
-          <a:xfrm rot="5400000">
-            <a:off x="3591641" y="1133958"/>
-            <a:ext cx="922277" cy="1416192"/>
-          </a:xfrm>
-          <a:prstGeom prst="bentConnector2">
-            <a:avLst/>
-          </a:prstGeom>
-          <a:ln w="28575">
-            <a:solidFill>
-              <a:schemeClr val="tx1"/>
-            </a:solidFill>
-          </a:ln>
-        </p:spPr>
-        <p:style>
-          <a:lnRef idx="1">
-            <a:schemeClr val="accent1"/>
-          </a:lnRef>
-          <a:fillRef idx="0">
-            <a:schemeClr val="accent1"/>
-          </a:fillRef>
-          <a:effectRef idx="0">
-            <a:schemeClr val="accent1"/>
-          </a:effectRef>
-          <a:fontRef idx="minor">
-            <a:schemeClr val="tx1"/>
-          </a:fontRef>
-        </p:style>
-      </p:cxnSp>
-      <p:cxnSp>
-        <p:nvCxnSpPr>
-          <p:cNvPr id="50" name="연결선: 꺾임 49">
-            <a:extLst>
-              <a:ext uri="{FF2B5EF4-FFF2-40B4-BE49-F238E27FC236}">
-                <a16:creationId xmlns:a16="http://schemas.microsoft.com/office/drawing/2014/main" id="{DD41A0EE-5DE8-D717-1749-C3EA97A163EF}"/>
-              </a:ext>
-            </a:extLst>
-          </p:cNvPr>
-          <p:cNvCxnSpPr>
-            <a:stCxn id="40" idx="4"/>
-            <a:endCxn id="34" idx="5"/>
-          </p:cNvCxnSpPr>
-          <p:nvPr/>
-        </p:nvCxnSpPr>
-        <p:spPr>
-          <a:xfrm rot="5400000">
-            <a:off x="3569520" y="1159589"/>
-            <a:ext cx="1259133" cy="1701786"/>
-          </a:xfrm>
-          <a:prstGeom prst="bentConnector2">
-            <a:avLst/>
-          </a:prstGeom>
-          <a:ln w="28575">
-            <a:solidFill>
-              <a:schemeClr val="tx1"/>
+              <a:srgbClr val="000000"/>
             </a:solidFill>
           </a:ln>
         </p:spPr>
@@ -5446,7 +4901,7 @@
     </p:spTree>
     <p:extLst>
       <p:ext uri="{BB962C8B-B14F-4D97-AF65-F5344CB8AC3E}">
-        <p14:creationId xmlns:p14="http://schemas.microsoft.com/office/powerpoint/2010/main" val="30245695"/>
+        <p14:creationId xmlns:p14="http://schemas.microsoft.com/office/powerpoint/2010/main" val="3886351633"/>
       </p:ext>
     </p:extLst>
   </p:cSld>
@@ -5534,7 +4989,7 @@
         <p:spPr>
           <a:xfrm>
             <a:off x="8741359" y="6141595"/>
-            <a:ext cx="2323521" cy="369204"/>
+            <a:ext cx="2924198" cy="369204"/>
           </a:xfrm>
           <a:prstGeom prst="rect">
             <a:avLst/>
@@ -5549,17 +5004,18 @@
           <a:p>
             <a:r>
               <a:rPr lang="en-US" altLang="ko-KR" dirty="0"/>
-              <a:t>WIZ510SR-RP RESET</a:t>
+              <a:t>WIZ510SR-RP (J5-Pinmap)</a:t>
             </a:r>
+            <a:endParaRPr lang="ko-KR" altLang="en-US" dirty="0"/>
           </a:p>
         </p:txBody>
       </p:sp>
       <p:sp useBgFill="1">
         <p:nvSpPr>
-          <p:cNvPr id="27" name="사각형: 둥근 모서리 26">
-            <a:extLst>
-              <a:ext uri="{FF2B5EF4-FFF2-40B4-BE49-F238E27FC236}">
-                <a16:creationId xmlns:a16="http://schemas.microsoft.com/office/drawing/2014/main" id="{3D6B98EC-EDD2-17B8-6698-5B62E3F49F0B}"/>
+          <p:cNvPr id="17" name="사각형: 둥근 모서리 16">
+            <a:extLst>
+              <a:ext uri="{FF2B5EF4-FFF2-40B4-BE49-F238E27FC236}">
+                <a16:creationId xmlns:a16="http://schemas.microsoft.com/office/drawing/2014/main" id="{70C8F0EF-AC4C-045A-0506-F6B5952F4A1C}"/>
               </a:ext>
             </a:extLst>
           </p:cNvPr>
@@ -5568,8 +5024,8 @@
         </p:nvSpPr>
         <p:spPr>
           <a:xfrm>
-            <a:off x="3939540" y="4768442"/>
-            <a:ext cx="435610" cy="542698"/>
+            <a:off x="3922817" y="1114024"/>
+            <a:ext cx="1306408" cy="358342"/>
           </a:xfrm>
           <a:prstGeom prst="roundRect">
             <a:avLst/>
@@ -5605,12 +5061,12 @@
           </a:p>
         </p:txBody>
       </p:sp>
-      <p:sp>
-        <p:nvSpPr>
-          <p:cNvPr id="28" name="사각형: 둥근 모서리 27">
-            <a:extLst>
-              <a:ext uri="{FF2B5EF4-FFF2-40B4-BE49-F238E27FC236}">
-                <a16:creationId xmlns:a16="http://schemas.microsoft.com/office/drawing/2014/main" id="{A6D539B2-A744-41D3-3CBF-243892BD6607}"/>
+      <p:sp useBgFill="1">
+        <p:nvSpPr>
+          <p:cNvPr id="18" name="사각형: 둥근 모서리 17">
+            <a:extLst>
+              <a:ext uri="{FF2B5EF4-FFF2-40B4-BE49-F238E27FC236}">
+                <a16:creationId xmlns:a16="http://schemas.microsoft.com/office/drawing/2014/main" id="{B5724221-334B-3167-9B8D-826A14606412}"/>
               </a:ext>
             </a:extLst>
           </p:cNvPr>
@@ -5619,18 +5075,13 @@
         </p:nvSpPr>
         <p:spPr>
           <a:xfrm>
-            <a:off x="1793891" y="4743434"/>
-            <a:ext cx="1542478" cy="608887"/>
+            <a:off x="3904989" y="1099886"/>
+            <a:ext cx="1381114" cy="423657"/>
           </a:xfrm>
           <a:prstGeom prst="roundRect">
             <a:avLst/>
           </a:prstGeom>
-          <a:solidFill>
-            <a:schemeClr val="bg2">
-              <a:lumMod val="50000"/>
-            </a:schemeClr>
-          </a:solidFill>
-          <a:ln>
+          <a:ln w="28575">
             <a:solidFill>
               <a:schemeClr val="tx1"/>
             </a:solidFill>
@@ -5663,10 +5114,234 @@
       </p:sp>
       <p:sp>
         <p:nvSpPr>
-          <p:cNvPr id="29" name="TextBox 28">
-            <a:extLst>
-              <a:ext uri="{FF2B5EF4-FFF2-40B4-BE49-F238E27FC236}">
-                <a16:creationId xmlns:a16="http://schemas.microsoft.com/office/drawing/2014/main" id="{CB7820D9-7680-121B-0F62-5703D46A0377}"/>
+          <p:cNvPr id="19" name="사각형: 둥근 모서리 18">
+            <a:extLst>
+              <a:ext uri="{FF2B5EF4-FFF2-40B4-BE49-F238E27FC236}">
+                <a16:creationId xmlns:a16="http://schemas.microsoft.com/office/drawing/2014/main" id="{03B96EF3-1A9D-FDE6-4673-D095ED14BB66}"/>
+              </a:ext>
+            </a:extLst>
+          </p:cNvPr>
+          <p:cNvSpPr/>
+          <p:nvPr/>
+        </p:nvSpPr>
+        <p:spPr>
+          <a:xfrm>
+            <a:off x="1823914" y="1091408"/>
+            <a:ext cx="1584960" cy="1848987"/>
+          </a:xfrm>
+          <a:prstGeom prst="roundRect">
+            <a:avLst/>
+          </a:prstGeom>
+          <a:solidFill>
+            <a:schemeClr val="bg1">
+              <a:lumMod val="85000"/>
+              <a:alpha val="63000"/>
+            </a:schemeClr>
+          </a:solidFill>
+          <a:ln w="19050">
+            <a:solidFill>
+              <a:schemeClr val="tx1"/>
+            </a:solidFill>
+            <a:prstDash val="sysDash"/>
+          </a:ln>
+        </p:spPr>
+        <p:style>
+          <a:lnRef idx="2">
+            <a:schemeClr val="accent1">
+              <a:shade val="50000"/>
+            </a:schemeClr>
+          </a:lnRef>
+          <a:fillRef idx="1">
+            <a:schemeClr val="accent1"/>
+          </a:fillRef>
+          <a:effectRef idx="0">
+            <a:schemeClr val="accent1"/>
+          </a:effectRef>
+          <a:fontRef idx="minor">
+            <a:schemeClr val="lt1"/>
+          </a:fontRef>
+        </p:style>
+        <p:txBody>
+          <a:bodyPr rtlCol="0" anchor="ctr"/>
+          <a:lstStyle/>
+          <a:p>
+            <a:pPr algn="ctr"/>
+            <a:r>
+              <a:rPr lang="en-US" altLang="ko-KR" dirty="0"/>
+              <a:t>J5</a:t>
+            </a:r>
+            <a:endParaRPr lang="ko-KR" altLang="en-US" dirty="0"/>
+          </a:p>
+        </p:txBody>
+      </p:sp>
+      <p:sp>
+        <p:nvSpPr>
+          <p:cNvPr id="20" name="사각형: 둥근 모서리 19">
+            <a:extLst>
+              <a:ext uri="{FF2B5EF4-FFF2-40B4-BE49-F238E27FC236}">
+                <a16:creationId xmlns:a16="http://schemas.microsoft.com/office/drawing/2014/main" id="{6084A3E5-3369-B4D3-4659-C08C65B00842}"/>
+              </a:ext>
+            </a:extLst>
+          </p:cNvPr>
+          <p:cNvSpPr/>
+          <p:nvPr/>
+        </p:nvSpPr>
+        <p:spPr>
+          <a:xfrm>
+            <a:off x="1958418" y="2465553"/>
+            <a:ext cx="1312837" cy="336855"/>
+          </a:xfrm>
+          <a:prstGeom prst="roundRect">
+            <a:avLst/>
+          </a:prstGeom>
+          <a:solidFill>
+            <a:schemeClr val="tx1"/>
+          </a:solidFill>
+          <a:ln w="19050">
+            <a:solidFill>
+              <a:schemeClr val="tx1"/>
+            </a:solidFill>
+          </a:ln>
+        </p:spPr>
+        <p:style>
+          <a:lnRef idx="2">
+            <a:schemeClr val="accent1">
+              <a:shade val="50000"/>
+            </a:schemeClr>
+          </a:lnRef>
+          <a:fillRef idx="1">
+            <a:schemeClr val="accent1"/>
+          </a:fillRef>
+          <a:effectRef idx="0">
+            <a:schemeClr val="accent1"/>
+          </a:effectRef>
+          <a:fontRef idx="minor">
+            <a:schemeClr val="lt1"/>
+          </a:fontRef>
+        </p:style>
+        <p:txBody>
+          <a:bodyPr rtlCol="0" anchor="ctr"/>
+          <a:lstStyle/>
+          <a:p>
+            <a:pPr algn="ctr"/>
+            <a:r>
+              <a:rPr lang="en-US" altLang="ko-KR" sz="1600" b="1" dirty="0"/>
+              <a:t>GND</a:t>
+            </a:r>
+            <a:endParaRPr lang="ko-KR" altLang="en-US" sz="1600" b="1" dirty="0"/>
+          </a:p>
+        </p:txBody>
+      </p:sp>
+      <p:sp>
+        <p:nvSpPr>
+          <p:cNvPr id="21" name="타원 20">
+            <a:extLst>
+              <a:ext uri="{FF2B5EF4-FFF2-40B4-BE49-F238E27FC236}">
+                <a16:creationId xmlns:a16="http://schemas.microsoft.com/office/drawing/2014/main" id="{4CD84400-688D-F549-AE4C-7348E874AC5C}"/>
+              </a:ext>
+            </a:extLst>
+          </p:cNvPr>
+          <p:cNvSpPr/>
+          <p:nvPr/>
+        </p:nvSpPr>
+        <p:spPr>
+          <a:xfrm>
+            <a:off x="3234978" y="1912005"/>
+            <a:ext cx="113211" cy="110837"/>
+          </a:xfrm>
+          <a:prstGeom prst="ellipse">
+            <a:avLst/>
+          </a:prstGeom>
+          <a:solidFill>
+            <a:schemeClr val="tx1"/>
+          </a:solidFill>
+          <a:ln>
+            <a:noFill/>
+          </a:ln>
+        </p:spPr>
+        <p:style>
+          <a:lnRef idx="2">
+            <a:schemeClr val="accent1">
+              <a:shade val="50000"/>
+            </a:schemeClr>
+          </a:lnRef>
+          <a:fillRef idx="1">
+            <a:schemeClr val="accent1"/>
+          </a:fillRef>
+          <a:effectRef idx="0">
+            <a:schemeClr val="accent1"/>
+          </a:effectRef>
+          <a:fontRef idx="minor">
+            <a:schemeClr val="lt1"/>
+          </a:fontRef>
+        </p:style>
+        <p:txBody>
+          <a:bodyPr rtlCol="0" anchor="ctr"/>
+          <a:lstStyle/>
+          <a:p>
+            <a:pPr algn="ctr"/>
+            <a:endParaRPr lang="ko-KR" altLang="en-US"/>
+          </a:p>
+        </p:txBody>
+      </p:sp>
+      <p:sp>
+        <p:nvSpPr>
+          <p:cNvPr id="22" name="타원 21">
+            <a:extLst>
+              <a:ext uri="{FF2B5EF4-FFF2-40B4-BE49-F238E27FC236}">
+                <a16:creationId xmlns:a16="http://schemas.microsoft.com/office/drawing/2014/main" id="{2AD1643D-1C85-99E7-73FE-3B9B4D30D649}"/>
+              </a:ext>
+            </a:extLst>
+          </p:cNvPr>
+          <p:cNvSpPr/>
+          <p:nvPr/>
+        </p:nvSpPr>
+        <p:spPr>
+          <a:xfrm>
+            <a:off x="3234979" y="1571892"/>
+            <a:ext cx="113211" cy="110837"/>
+          </a:xfrm>
+          <a:prstGeom prst="ellipse">
+            <a:avLst/>
+          </a:prstGeom>
+          <a:solidFill>
+            <a:schemeClr val="tx1"/>
+          </a:solidFill>
+          <a:ln>
+            <a:noFill/>
+          </a:ln>
+        </p:spPr>
+        <p:style>
+          <a:lnRef idx="2">
+            <a:schemeClr val="accent1">
+              <a:shade val="50000"/>
+            </a:schemeClr>
+          </a:lnRef>
+          <a:fillRef idx="1">
+            <a:schemeClr val="accent1"/>
+          </a:fillRef>
+          <a:effectRef idx="0">
+            <a:schemeClr val="accent1"/>
+          </a:effectRef>
+          <a:fontRef idx="minor">
+            <a:schemeClr val="lt1"/>
+          </a:fontRef>
+        </p:style>
+        <p:txBody>
+          <a:bodyPr rtlCol="0" anchor="ctr"/>
+          <a:lstStyle/>
+          <a:p>
+            <a:pPr algn="ctr"/>
+            <a:endParaRPr lang="ko-KR" altLang="en-US"/>
+          </a:p>
+        </p:txBody>
+      </p:sp>
+      <p:sp>
+        <p:nvSpPr>
+          <p:cNvPr id="23" name="TextBox 22">
+            <a:extLst>
+              <a:ext uri="{FF2B5EF4-FFF2-40B4-BE49-F238E27FC236}">
+                <a16:creationId xmlns:a16="http://schemas.microsoft.com/office/drawing/2014/main" id="{D1BF6761-1A89-9C95-AEFC-AB9BBC9533BB}"/>
               </a:ext>
             </a:extLst>
           </p:cNvPr>
@@ -5675,8 +5350,8 @@
         </p:nvSpPr>
         <p:spPr>
           <a:xfrm>
-            <a:off x="1881932" y="4739560"/>
-            <a:ext cx="1399526" cy="646074"/>
+            <a:off x="2447388" y="1096668"/>
+            <a:ext cx="531223" cy="369204"/>
           </a:xfrm>
           <a:prstGeom prst="rect">
             <a:avLst/>
@@ -5689,59 +5364,778 @@
           </a:bodyPr>
           <a:lstStyle/>
           <a:p>
-            <a:pPr algn="ctr"/>
             <a:r>
-              <a:rPr lang="en-US" altLang="ko-KR" b="1" dirty="0">
+              <a:rPr lang="en-US" altLang="ko-KR" b="1" dirty="0"/>
+              <a:t>J5</a:t>
+            </a:r>
+          </a:p>
+        </p:txBody>
+      </p:sp>
+      <p:sp>
+        <p:nvSpPr>
+          <p:cNvPr id="24" name="타원 23">
+            <a:extLst>
+              <a:ext uri="{FF2B5EF4-FFF2-40B4-BE49-F238E27FC236}">
+                <a16:creationId xmlns:a16="http://schemas.microsoft.com/office/drawing/2014/main" id="{CAE95611-D8BF-2992-EF9B-923C8FA666CA}"/>
+              </a:ext>
+            </a:extLst>
+          </p:cNvPr>
+          <p:cNvSpPr/>
+          <p:nvPr/>
+        </p:nvSpPr>
+        <p:spPr>
+          <a:xfrm>
+            <a:off x="3231472" y="2247774"/>
+            <a:ext cx="113211" cy="110837"/>
+          </a:xfrm>
+          <a:prstGeom prst="ellipse">
+            <a:avLst/>
+          </a:prstGeom>
+          <a:solidFill>
+            <a:schemeClr val="tx1"/>
+          </a:solidFill>
+          <a:ln>
+            <a:noFill/>
+          </a:ln>
+        </p:spPr>
+        <p:style>
+          <a:lnRef idx="2">
+            <a:schemeClr val="accent1">
+              <a:shade val="50000"/>
+            </a:schemeClr>
+          </a:lnRef>
+          <a:fillRef idx="1">
+            <a:schemeClr val="accent1"/>
+          </a:fillRef>
+          <a:effectRef idx="0">
+            <a:schemeClr val="accent1"/>
+          </a:effectRef>
+          <a:fontRef idx="minor">
+            <a:schemeClr val="lt1"/>
+          </a:fontRef>
+        </p:style>
+        <p:txBody>
+          <a:bodyPr rtlCol="0" anchor="ctr"/>
+          <a:lstStyle/>
+          <a:p>
+            <a:pPr algn="ctr"/>
+            <a:endParaRPr lang="ko-KR" altLang="en-US"/>
+          </a:p>
+        </p:txBody>
+      </p:sp>
+      <p:sp>
+        <p:nvSpPr>
+          <p:cNvPr id="34" name="타원 33">
+            <a:extLst>
+              <a:ext uri="{FF2B5EF4-FFF2-40B4-BE49-F238E27FC236}">
+                <a16:creationId xmlns:a16="http://schemas.microsoft.com/office/drawing/2014/main" id="{9024467D-6948-85B8-738E-53A4F615F94D}"/>
+              </a:ext>
+            </a:extLst>
+          </p:cNvPr>
+          <p:cNvSpPr/>
+          <p:nvPr/>
+        </p:nvSpPr>
+        <p:spPr>
+          <a:xfrm>
+            <a:off x="3234982" y="2584630"/>
+            <a:ext cx="113211" cy="110837"/>
+          </a:xfrm>
+          <a:prstGeom prst="ellipse">
+            <a:avLst/>
+          </a:prstGeom>
+          <a:solidFill>
+            <a:schemeClr val="tx1"/>
+          </a:solidFill>
+          <a:ln>
+            <a:noFill/>
+          </a:ln>
+        </p:spPr>
+        <p:style>
+          <a:lnRef idx="2">
+            <a:schemeClr val="accent1">
+              <a:shade val="50000"/>
+            </a:schemeClr>
+          </a:lnRef>
+          <a:fillRef idx="1">
+            <a:schemeClr val="accent1"/>
+          </a:fillRef>
+          <a:effectRef idx="0">
+            <a:schemeClr val="accent1"/>
+          </a:effectRef>
+          <a:fontRef idx="minor">
+            <a:schemeClr val="lt1"/>
+          </a:fontRef>
+        </p:style>
+        <p:txBody>
+          <a:bodyPr rtlCol="0" anchor="ctr"/>
+          <a:lstStyle/>
+          <a:p>
+            <a:pPr algn="ctr"/>
+            <a:endParaRPr lang="ko-KR" altLang="en-US"/>
+          </a:p>
+        </p:txBody>
+      </p:sp>
+      <p:sp>
+        <p:nvSpPr>
+          <p:cNvPr id="36" name="타원 35">
+            <a:extLst>
+              <a:ext uri="{FF2B5EF4-FFF2-40B4-BE49-F238E27FC236}">
+                <a16:creationId xmlns:a16="http://schemas.microsoft.com/office/drawing/2014/main" id="{0885EC6C-D0AE-CAFE-CE85-6A85118EE687}"/>
+              </a:ext>
+            </a:extLst>
+          </p:cNvPr>
+          <p:cNvSpPr/>
+          <p:nvPr/>
+        </p:nvSpPr>
+        <p:spPr>
+          <a:xfrm>
+            <a:off x="4126061" y="1259546"/>
+            <a:ext cx="113211" cy="110837"/>
+          </a:xfrm>
+          <a:prstGeom prst="ellipse">
+            <a:avLst/>
+          </a:prstGeom>
+          <a:solidFill>
+            <a:schemeClr val="tx1"/>
+          </a:solidFill>
+          <a:ln>
+            <a:noFill/>
+          </a:ln>
+        </p:spPr>
+        <p:style>
+          <a:lnRef idx="2">
+            <a:schemeClr val="accent1">
+              <a:shade val="50000"/>
+            </a:schemeClr>
+          </a:lnRef>
+          <a:fillRef idx="1">
+            <a:schemeClr val="accent1"/>
+          </a:fillRef>
+          <a:effectRef idx="0">
+            <a:schemeClr val="accent1"/>
+          </a:effectRef>
+          <a:fontRef idx="minor">
+            <a:schemeClr val="lt1"/>
+          </a:fontRef>
+        </p:style>
+        <p:txBody>
+          <a:bodyPr rtlCol="0" anchor="ctr"/>
+          <a:lstStyle/>
+          <a:p>
+            <a:pPr algn="ctr"/>
+            <a:endParaRPr lang="ko-KR" altLang="en-US"/>
+          </a:p>
+        </p:txBody>
+      </p:sp>
+      <p:sp>
+        <p:nvSpPr>
+          <p:cNvPr id="38" name="타원 37">
+            <a:extLst>
+              <a:ext uri="{FF2B5EF4-FFF2-40B4-BE49-F238E27FC236}">
+                <a16:creationId xmlns:a16="http://schemas.microsoft.com/office/drawing/2014/main" id="{E4BA3C61-A48F-AE83-AD92-E19A713ED73B}"/>
+              </a:ext>
+            </a:extLst>
+          </p:cNvPr>
+          <p:cNvSpPr/>
+          <p:nvPr/>
+        </p:nvSpPr>
+        <p:spPr>
+          <a:xfrm>
+            <a:off x="4415165" y="1270079"/>
+            <a:ext cx="113211" cy="110837"/>
+          </a:xfrm>
+          <a:prstGeom prst="ellipse">
+            <a:avLst/>
+          </a:prstGeom>
+          <a:solidFill>
+            <a:schemeClr val="tx1"/>
+          </a:solidFill>
+          <a:ln>
+            <a:noFill/>
+          </a:ln>
+        </p:spPr>
+        <p:style>
+          <a:lnRef idx="2">
+            <a:schemeClr val="accent1">
+              <a:shade val="50000"/>
+            </a:schemeClr>
+          </a:lnRef>
+          <a:fillRef idx="1">
+            <a:schemeClr val="accent1"/>
+          </a:fillRef>
+          <a:effectRef idx="0">
+            <a:schemeClr val="accent1"/>
+          </a:effectRef>
+          <a:fontRef idx="minor">
+            <a:schemeClr val="lt1"/>
+          </a:fontRef>
+        </p:style>
+        <p:txBody>
+          <a:bodyPr rtlCol="0" anchor="ctr"/>
+          <a:lstStyle/>
+          <a:p>
+            <a:pPr algn="ctr"/>
+            <a:endParaRPr lang="ko-KR" altLang="en-US"/>
+          </a:p>
+        </p:txBody>
+      </p:sp>
+      <p:sp>
+        <p:nvSpPr>
+          <p:cNvPr id="39" name="타원 38">
+            <a:extLst>
+              <a:ext uri="{FF2B5EF4-FFF2-40B4-BE49-F238E27FC236}">
+                <a16:creationId xmlns:a16="http://schemas.microsoft.com/office/drawing/2014/main" id="{934F9826-0241-7AC8-1C86-F3CDE28B1BBA}"/>
+              </a:ext>
+            </a:extLst>
+          </p:cNvPr>
+          <p:cNvSpPr/>
+          <p:nvPr/>
+        </p:nvSpPr>
+        <p:spPr>
+          <a:xfrm>
+            <a:off x="4704269" y="1270079"/>
+            <a:ext cx="113211" cy="110837"/>
+          </a:xfrm>
+          <a:prstGeom prst="ellipse">
+            <a:avLst/>
+          </a:prstGeom>
+          <a:solidFill>
+            <a:schemeClr val="tx1"/>
+          </a:solidFill>
+          <a:ln>
+            <a:noFill/>
+          </a:ln>
+        </p:spPr>
+        <p:style>
+          <a:lnRef idx="2">
+            <a:schemeClr val="accent1">
+              <a:shade val="50000"/>
+            </a:schemeClr>
+          </a:lnRef>
+          <a:fillRef idx="1">
+            <a:schemeClr val="accent1"/>
+          </a:fillRef>
+          <a:effectRef idx="0">
+            <a:schemeClr val="accent1"/>
+          </a:effectRef>
+          <a:fontRef idx="minor">
+            <a:schemeClr val="lt1"/>
+          </a:fontRef>
+        </p:style>
+        <p:txBody>
+          <a:bodyPr rtlCol="0" anchor="ctr"/>
+          <a:lstStyle/>
+          <a:p>
+            <a:pPr algn="ctr"/>
+            <a:endParaRPr lang="ko-KR" altLang="en-US"/>
+          </a:p>
+        </p:txBody>
+      </p:sp>
+      <p:sp>
+        <p:nvSpPr>
+          <p:cNvPr id="40" name="타원 39">
+            <a:extLst>
+              <a:ext uri="{FF2B5EF4-FFF2-40B4-BE49-F238E27FC236}">
+                <a16:creationId xmlns:a16="http://schemas.microsoft.com/office/drawing/2014/main" id="{9548AF3C-6E3B-7E83-7ECC-33B81C1702C1}"/>
+              </a:ext>
+            </a:extLst>
+          </p:cNvPr>
+          <p:cNvSpPr/>
+          <p:nvPr/>
+        </p:nvSpPr>
+        <p:spPr>
+          <a:xfrm>
+            <a:off x="4993373" y="1270079"/>
+            <a:ext cx="113211" cy="110837"/>
+          </a:xfrm>
+          <a:prstGeom prst="ellipse">
+            <a:avLst/>
+          </a:prstGeom>
+          <a:solidFill>
+            <a:schemeClr val="tx1"/>
+          </a:solidFill>
+          <a:ln>
+            <a:noFill/>
+          </a:ln>
+        </p:spPr>
+        <p:style>
+          <a:lnRef idx="2">
+            <a:schemeClr val="accent1">
+              <a:shade val="50000"/>
+            </a:schemeClr>
+          </a:lnRef>
+          <a:fillRef idx="1">
+            <a:schemeClr val="accent1"/>
+          </a:fillRef>
+          <a:effectRef idx="0">
+            <a:schemeClr val="accent1"/>
+          </a:effectRef>
+          <a:fontRef idx="minor">
+            <a:schemeClr val="lt1"/>
+          </a:fontRef>
+        </p:style>
+        <p:txBody>
+          <a:bodyPr rtlCol="0" anchor="ctr"/>
+          <a:lstStyle/>
+          <a:p>
+            <a:pPr algn="ctr"/>
+            <a:endParaRPr lang="ko-KR" altLang="en-US"/>
+          </a:p>
+        </p:txBody>
+      </p:sp>
+      <p:sp>
+        <p:nvSpPr>
+          <p:cNvPr id="41" name="사각형: 둥근 모서리 40">
+            <a:extLst>
+              <a:ext uri="{FF2B5EF4-FFF2-40B4-BE49-F238E27FC236}">
+                <a16:creationId xmlns:a16="http://schemas.microsoft.com/office/drawing/2014/main" id="{2FAFBFCE-BF42-3A5D-292A-EF5F53A93F28}"/>
+              </a:ext>
+            </a:extLst>
+          </p:cNvPr>
+          <p:cNvSpPr/>
+          <p:nvPr/>
+        </p:nvSpPr>
+        <p:spPr>
+          <a:xfrm>
+            <a:off x="1959981" y="1797910"/>
+            <a:ext cx="1312837" cy="336855"/>
+          </a:xfrm>
+          <a:prstGeom prst="roundRect">
+            <a:avLst/>
+          </a:prstGeom>
+          <a:solidFill>
+            <a:srgbClr val="0070C0"/>
+          </a:solidFill>
+          <a:ln w="19050">
+            <a:solidFill>
+              <a:schemeClr val="tx1"/>
+            </a:solidFill>
+          </a:ln>
+        </p:spPr>
+        <p:style>
+          <a:lnRef idx="2">
+            <a:schemeClr val="accent1">
+              <a:shade val="50000"/>
+            </a:schemeClr>
+          </a:lnRef>
+          <a:fillRef idx="1">
+            <a:schemeClr val="accent1"/>
+          </a:fillRef>
+          <a:effectRef idx="0">
+            <a:schemeClr val="accent1"/>
+          </a:effectRef>
+          <a:fontRef idx="minor">
+            <a:schemeClr val="lt1"/>
+          </a:fontRef>
+        </p:style>
+        <p:txBody>
+          <a:bodyPr rtlCol="0" anchor="ctr"/>
+          <a:lstStyle/>
+          <a:p>
+            <a:pPr algn="ctr"/>
+            <a:endParaRPr lang="ko-KR" altLang="en-US"/>
+          </a:p>
+        </p:txBody>
+      </p:sp>
+      <p:sp>
+        <p:nvSpPr>
+          <p:cNvPr id="42" name="사각형: 둥근 모서리 41">
+            <a:extLst>
+              <a:ext uri="{FF2B5EF4-FFF2-40B4-BE49-F238E27FC236}">
+                <a16:creationId xmlns:a16="http://schemas.microsoft.com/office/drawing/2014/main" id="{C99B9A0E-AA9F-87BE-F7F0-1E2905C27C6D}"/>
+              </a:ext>
+            </a:extLst>
+          </p:cNvPr>
+          <p:cNvSpPr/>
+          <p:nvPr/>
+        </p:nvSpPr>
+        <p:spPr>
+          <a:xfrm>
+            <a:off x="1959981" y="2134764"/>
+            <a:ext cx="1312837" cy="336855"/>
+          </a:xfrm>
+          <a:prstGeom prst="roundRect">
+            <a:avLst/>
+          </a:prstGeom>
+          <a:solidFill>
+            <a:srgbClr val="0070C0"/>
+          </a:solidFill>
+          <a:ln w="19050">
+            <a:solidFill>
+              <a:schemeClr val="tx1"/>
+            </a:solidFill>
+          </a:ln>
+        </p:spPr>
+        <p:style>
+          <a:lnRef idx="2">
+            <a:schemeClr val="accent1">
+              <a:shade val="50000"/>
+            </a:schemeClr>
+          </a:lnRef>
+          <a:fillRef idx="1">
+            <a:schemeClr val="accent1"/>
+          </a:fillRef>
+          <a:effectRef idx="0">
+            <a:schemeClr val="accent1"/>
+          </a:effectRef>
+          <a:fontRef idx="minor">
+            <a:schemeClr val="lt1"/>
+          </a:fontRef>
+        </p:style>
+        <p:txBody>
+          <a:bodyPr rtlCol="0" anchor="ctr"/>
+          <a:lstStyle/>
+          <a:p>
+            <a:pPr algn="ctr"/>
+            <a:endParaRPr lang="ko-KR" altLang="en-US"/>
+          </a:p>
+        </p:txBody>
+      </p:sp>
+      <p:sp>
+        <p:nvSpPr>
+          <p:cNvPr id="43" name="사각형: 둥근 모서리 42">
+            <a:extLst>
+              <a:ext uri="{FF2B5EF4-FFF2-40B4-BE49-F238E27FC236}">
+                <a16:creationId xmlns:a16="http://schemas.microsoft.com/office/drawing/2014/main" id="{B4DFE8FB-4173-42C5-0822-619DAE6FE02D}"/>
+              </a:ext>
+            </a:extLst>
+          </p:cNvPr>
+          <p:cNvSpPr/>
+          <p:nvPr/>
+        </p:nvSpPr>
+        <p:spPr>
+          <a:xfrm>
+            <a:off x="1959981" y="1456118"/>
+            <a:ext cx="1312837" cy="336855"/>
+          </a:xfrm>
+          <a:prstGeom prst="roundRect">
+            <a:avLst/>
+          </a:prstGeom>
+          <a:solidFill>
+            <a:srgbClr val="FF0000"/>
+          </a:solidFill>
+          <a:ln w="19050">
+            <a:solidFill>
+              <a:schemeClr val="tx1"/>
+            </a:solidFill>
+          </a:ln>
+        </p:spPr>
+        <p:style>
+          <a:lnRef idx="2">
+            <a:schemeClr val="accent1">
+              <a:shade val="50000"/>
+            </a:schemeClr>
+          </a:lnRef>
+          <a:fillRef idx="1">
+            <a:schemeClr val="accent1"/>
+          </a:fillRef>
+          <a:effectRef idx="0">
+            <a:schemeClr val="accent1"/>
+          </a:effectRef>
+          <a:fontRef idx="minor">
+            <a:schemeClr val="lt1"/>
+          </a:fontRef>
+        </p:style>
+        <p:txBody>
+          <a:bodyPr rtlCol="0" anchor="ctr"/>
+          <a:lstStyle/>
+          <a:p>
+            <a:pPr algn="ctr"/>
+            <a:endParaRPr lang="ko-KR" altLang="en-US"/>
+          </a:p>
+        </p:txBody>
+      </p:sp>
+      <p:sp>
+        <p:nvSpPr>
+          <p:cNvPr id="44" name="TextBox 43">
+            <a:extLst>
+              <a:ext uri="{FF2B5EF4-FFF2-40B4-BE49-F238E27FC236}">
+                <a16:creationId xmlns:a16="http://schemas.microsoft.com/office/drawing/2014/main" id="{E8A1C672-FEF7-05EE-E814-1C29E905F869}"/>
+              </a:ext>
+            </a:extLst>
+          </p:cNvPr>
+          <p:cNvSpPr txBox="1"/>
+          <p:nvPr/>
+        </p:nvSpPr>
+        <p:spPr>
+          <a:xfrm>
+            <a:off x="2115872" y="1807601"/>
+            <a:ext cx="933269" cy="338554"/>
+          </a:xfrm>
+          <a:prstGeom prst="rect">
+            <a:avLst/>
+          </a:prstGeom>
+          <a:noFill/>
+        </p:spPr>
+        <p:txBody>
+          <a:bodyPr wrap="none" rtlCol="0">
+            <a:spAutoFit/>
+          </a:bodyPr>
+          <a:lstStyle/>
+          <a:p>
+            <a:r>
+              <a:rPr lang="en-US" altLang="ko-KR" sz="1600" b="1" dirty="0">
                 <a:solidFill>
-                  <a:schemeClr val="bg1"/>
+                  <a:srgbClr val="FFFFFF"/>
                 </a:solidFill>
               </a:rPr>
-              <a:t>SW1</a:t>
+              <a:t>USB DP</a:t>
             </a:r>
-          </a:p>
-          <a:p>
-            <a:pPr algn="ctr"/>
+            <a:endParaRPr lang="ko-KR" altLang="en-US" sz="1600" b="1" dirty="0">
+              <a:solidFill>
+                <a:srgbClr val="FFFFFF"/>
+              </a:solidFill>
+            </a:endParaRPr>
+          </a:p>
+        </p:txBody>
+      </p:sp>
+      <p:sp>
+        <p:nvSpPr>
+          <p:cNvPr id="45" name="TextBox 44">
+            <a:extLst>
+              <a:ext uri="{FF2B5EF4-FFF2-40B4-BE49-F238E27FC236}">
+                <a16:creationId xmlns:a16="http://schemas.microsoft.com/office/drawing/2014/main" id="{DE77ACF2-9829-3342-4AE2-3FAA98F97667}"/>
+              </a:ext>
+            </a:extLst>
+          </p:cNvPr>
+          <p:cNvSpPr txBox="1"/>
+          <p:nvPr/>
+        </p:nvSpPr>
+        <p:spPr>
+          <a:xfrm>
+            <a:off x="2122176" y="2144456"/>
+            <a:ext cx="1003801" cy="338554"/>
+          </a:xfrm>
+          <a:prstGeom prst="rect">
+            <a:avLst/>
+          </a:prstGeom>
+          <a:noFill/>
+        </p:spPr>
+        <p:txBody>
+          <a:bodyPr wrap="none" rtlCol="0">
+            <a:spAutoFit/>
+          </a:bodyPr>
+          <a:lstStyle/>
+          <a:p>
             <a:r>
-              <a:rPr lang="en-US" altLang="ko-KR" b="1" dirty="0">
+              <a:rPr lang="en-US" altLang="ko-KR" sz="1600" b="1" dirty="0">
                 <a:solidFill>
-                  <a:schemeClr val="bg1"/>
+                  <a:srgbClr val="FFFFFF"/>
                 </a:solidFill>
               </a:rPr>
-              <a:t>RESET</a:t>
+              <a:t>USB DM</a:t>
             </a:r>
+            <a:endParaRPr lang="ko-KR" altLang="en-US" sz="1600" b="1" dirty="0">
+              <a:solidFill>
+                <a:srgbClr val="FFFFFF"/>
+              </a:solidFill>
+            </a:endParaRPr>
+          </a:p>
+        </p:txBody>
+      </p:sp>
+      <p:sp>
+        <p:nvSpPr>
+          <p:cNvPr id="46" name="TextBox 45">
+            <a:extLst>
+              <a:ext uri="{FF2B5EF4-FFF2-40B4-BE49-F238E27FC236}">
+                <a16:creationId xmlns:a16="http://schemas.microsoft.com/office/drawing/2014/main" id="{8CF65760-CEA1-F213-9B6C-D399064E77A3}"/>
+              </a:ext>
+            </a:extLst>
+          </p:cNvPr>
+          <p:cNvSpPr txBox="1"/>
+          <p:nvPr/>
+        </p:nvSpPr>
+        <p:spPr>
+          <a:xfrm>
+            <a:off x="2337889" y="1444721"/>
+            <a:ext cx="559769" cy="338554"/>
+          </a:xfrm>
+          <a:prstGeom prst="rect">
+            <a:avLst/>
+          </a:prstGeom>
+          <a:noFill/>
+        </p:spPr>
+        <p:txBody>
+          <a:bodyPr wrap="none" rtlCol="0">
+            <a:spAutoFit/>
+          </a:bodyPr>
+          <a:lstStyle/>
+          <a:p>
+            <a:r>
+              <a:rPr lang="en-US" altLang="ko-KR" sz="1600" b="1" dirty="0">
+                <a:solidFill>
+                  <a:srgbClr val="FFFFFF"/>
+                </a:solidFill>
+              </a:rPr>
+              <a:t>3V3</a:t>
+            </a:r>
+            <a:endParaRPr lang="ko-KR" altLang="en-US" sz="1600" b="1" dirty="0">
+              <a:solidFill>
+                <a:srgbClr val="FFFFFF"/>
+              </a:solidFill>
+            </a:endParaRPr>
           </a:p>
         </p:txBody>
       </p:sp>
       <p:cxnSp>
         <p:nvCxnSpPr>
-          <p:cNvPr id="30" name="연결선: 꺾임 29">
-            <a:extLst>
-              <a:ext uri="{FF2B5EF4-FFF2-40B4-BE49-F238E27FC236}">
-                <a16:creationId xmlns:a16="http://schemas.microsoft.com/office/drawing/2014/main" id="{7BFA4657-04F8-F04F-4FC5-3F1357C8FDEF}"/>
+          <p:cNvPr id="47" name="연결선: 꺾임 46">
+            <a:extLst>
+              <a:ext uri="{FF2B5EF4-FFF2-40B4-BE49-F238E27FC236}">
+                <a16:creationId xmlns:a16="http://schemas.microsoft.com/office/drawing/2014/main" id="{E8F9D631-64E8-5900-EF54-346F1D746A6E}"/>
               </a:ext>
             </a:extLst>
           </p:cNvPr>
           <p:cNvCxnSpPr>
-            <a:cxnSpLocks/>
-            <a:stCxn id="27" idx="1"/>
+            <a:stCxn id="36" idx="4"/>
+            <a:endCxn id="22" idx="6"/>
           </p:cNvCxnSpPr>
           <p:nvPr/>
         </p:nvCxnSpPr>
         <p:spPr>
-          <a:xfrm rot="10800000">
-            <a:off x="3336370" y="5039791"/>
-            <a:ext cx="603170" cy="1"/>
-          </a:xfrm>
-          <a:prstGeom prst="bentConnector3">
-            <a:avLst>
-              <a:gd name="adj1" fmla="val 50000"/>
-            </a:avLst>
+          <a:xfrm rot="5400000">
+            <a:off x="3636965" y="1081609"/>
+            <a:ext cx="256928" cy="834477"/>
+          </a:xfrm>
+          <a:prstGeom prst="bentConnector2">
+            <a:avLst/>
           </a:prstGeom>
           <a:ln w="28575">
             <a:solidFill>
-              <a:srgbClr val="000000"/>
+              <a:schemeClr val="tx1"/>
             </a:solidFill>
-            <a:tailEnd type="triangle"/>
+          </a:ln>
+        </p:spPr>
+        <p:style>
+          <a:lnRef idx="1">
+            <a:schemeClr val="accent1"/>
+          </a:lnRef>
+          <a:fillRef idx="0">
+            <a:schemeClr val="accent1"/>
+          </a:fillRef>
+          <a:effectRef idx="0">
+            <a:schemeClr val="accent1"/>
+          </a:effectRef>
+          <a:fontRef idx="minor">
+            <a:schemeClr val="tx1"/>
+          </a:fontRef>
+        </p:style>
+      </p:cxnSp>
+      <p:cxnSp>
+        <p:nvCxnSpPr>
+          <p:cNvPr id="48" name="연결선: 꺾임 47">
+            <a:extLst>
+              <a:ext uri="{FF2B5EF4-FFF2-40B4-BE49-F238E27FC236}">
+                <a16:creationId xmlns:a16="http://schemas.microsoft.com/office/drawing/2014/main" id="{086157E9-F5DB-262D-EC45-645B07289544}"/>
+              </a:ext>
+            </a:extLst>
+          </p:cNvPr>
+          <p:cNvCxnSpPr>
+            <a:stCxn id="38" idx="4"/>
+            <a:endCxn id="21" idx="6"/>
+          </p:cNvCxnSpPr>
+          <p:nvPr/>
+        </p:nvCxnSpPr>
+        <p:spPr>
+          <a:xfrm rot="5400000">
+            <a:off x="3616726" y="1112379"/>
+            <a:ext cx="586508" cy="1123582"/>
+          </a:xfrm>
+          <a:prstGeom prst="bentConnector2">
+            <a:avLst/>
+          </a:prstGeom>
+          <a:ln w="28575">
+            <a:solidFill>
+              <a:schemeClr val="tx1"/>
+            </a:solidFill>
+          </a:ln>
+        </p:spPr>
+        <p:style>
+          <a:lnRef idx="1">
+            <a:schemeClr val="accent1"/>
+          </a:lnRef>
+          <a:fillRef idx="0">
+            <a:schemeClr val="accent1"/>
+          </a:fillRef>
+          <a:effectRef idx="0">
+            <a:schemeClr val="accent1"/>
+          </a:effectRef>
+          <a:fontRef idx="minor">
+            <a:schemeClr val="tx1"/>
+          </a:fontRef>
+        </p:style>
+      </p:cxnSp>
+      <p:cxnSp>
+        <p:nvCxnSpPr>
+          <p:cNvPr id="49" name="연결선: 꺾임 48">
+            <a:extLst>
+              <a:ext uri="{FF2B5EF4-FFF2-40B4-BE49-F238E27FC236}">
+                <a16:creationId xmlns:a16="http://schemas.microsoft.com/office/drawing/2014/main" id="{C63A03AA-8BF9-3D06-C739-64077DA6B18E}"/>
+              </a:ext>
+            </a:extLst>
+          </p:cNvPr>
+          <p:cNvCxnSpPr>
+            <a:stCxn id="39" idx="4"/>
+            <a:endCxn id="24" idx="6"/>
+          </p:cNvCxnSpPr>
+          <p:nvPr/>
+        </p:nvCxnSpPr>
+        <p:spPr>
+          <a:xfrm rot="5400000">
+            <a:off x="3591641" y="1133958"/>
+            <a:ext cx="922277" cy="1416192"/>
+          </a:xfrm>
+          <a:prstGeom prst="bentConnector2">
+            <a:avLst/>
+          </a:prstGeom>
+          <a:ln w="28575">
+            <a:solidFill>
+              <a:schemeClr val="tx1"/>
+            </a:solidFill>
+          </a:ln>
+        </p:spPr>
+        <p:style>
+          <a:lnRef idx="1">
+            <a:schemeClr val="accent1"/>
+          </a:lnRef>
+          <a:fillRef idx="0">
+            <a:schemeClr val="accent1"/>
+          </a:fillRef>
+          <a:effectRef idx="0">
+            <a:schemeClr val="accent1"/>
+          </a:effectRef>
+          <a:fontRef idx="minor">
+            <a:schemeClr val="tx1"/>
+          </a:fontRef>
+        </p:style>
+      </p:cxnSp>
+      <p:cxnSp>
+        <p:nvCxnSpPr>
+          <p:cNvPr id="50" name="연결선: 꺾임 49">
+            <a:extLst>
+              <a:ext uri="{FF2B5EF4-FFF2-40B4-BE49-F238E27FC236}">
+                <a16:creationId xmlns:a16="http://schemas.microsoft.com/office/drawing/2014/main" id="{DD41A0EE-5DE8-D717-1749-C3EA97A163EF}"/>
+              </a:ext>
+            </a:extLst>
+          </p:cNvPr>
+          <p:cNvCxnSpPr>
+            <a:stCxn id="40" idx="4"/>
+            <a:endCxn id="34" idx="5"/>
+          </p:cNvCxnSpPr>
+          <p:nvPr/>
+        </p:nvCxnSpPr>
+        <p:spPr>
+          <a:xfrm rot="5400000">
+            <a:off x="3569520" y="1159589"/>
+            <a:ext cx="1259133" cy="1701786"/>
+          </a:xfrm>
+          <a:prstGeom prst="bentConnector2">
+            <a:avLst/>
+          </a:prstGeom>
+          <a:ln w="28575">
+            <a:solidFill>
+              <a:schemeClr val="tx1"/>
+            </a:solidFill>
           </a:ln>
         </p:spPr>
         <p:style>
@@ -5762,7 +6156,7 @@
     </p:spTree>
     <p:extLst>
       <p:ext uri="{BB962C8B-B14F-4D97-AF65-F5344CB8AC3E}">
-        <p14:creationId xmlns:p14="http://schemas.microsoft.com/office/powerpoint/2010/main" val="3065583079"/>
+        <p14:creationId xmlns:p14="http://schemas.microsoft.com/office/powerpoint/2010/main" val="30245695"/>
       </p:ext>
     </p:extLst>
   </p:cSld>
@@ -5850,7 +6244,7 @@
         <p:spPr>
           <a:xfrm>
             <a:off x="8741359" y="6141595"/>
-            <a:ext cx="2653355" cy="369204"/>
+            <a:ext cx="2323521" cy="369204"/>
           </a:xfrm>
           <a:prstGeom prst="rect">
             <a:avLst/>
@@ -5865,7 +6259,7 @@
           <a:p>
             <a:r>
               <a:rPr lang="en-US" altLang="ko-KR" dirty="0"/>
-              <a:t>WIZ510SR-RP BOOTSEL</a:t>
+              <a:t>WIZ510SR-RP RESET</a:t>
             </a:r>
           </a:p>
         </p:txBody>
@@ -5884,7 +6278,7 @@
         </p:nvSpPr>
         <p:spPr>
           <a:xfrm>
-            <a:off x="5208502" y="4725491"/>
+            <a:off x="3939540" y="4768442"/>
             <a:ext cx="435610" cy="542698"/>
           </a:xfrm>
           <a:prstGeom prst="roundRect">
@@ -5935,7 +6329,7 @@
         </p:nvSpPr>
         <p:spPr>
           <a:xfrm>
-            <a:off x="3062854" y="4659458"/>
+            <a:off x="1793891" y="4743434"/>
             <a:ext cx="1542478" cy="608887"/>
           </a:xfrm>
           <a:prstGeom prst="roundRect">
@@ -5991,7 +6385,7 @@
         </p:nvSpPr>
         <p:spPr>
           <a:xfrm>
-            <a:off x="3150895" y="4655584"/>
+            <a:off x="1881932" y="4739560"/>
             <a:ext cx="1399526" cy="646074"/>
           </a:xfrm>
           <a:prstGeom prst="rect">
@@ -6012,7 +6406,7 @@
                   <a:schemeClr val="bg1"/>
                 </a:solidFill>
               </a:rPr>
-              <a:t>SW2</a:t>
+              <a:t>SW1</a:t>
             </a:r>
           </a:p>
           <a:p>
@@ -6023,7 +6417,7 @@
                   <a:schemeClr val="bg1"/>
                 </a:solidFill>
               </a:rPr>
-              <a:t>BOOTSEL</a:t>
+              <a:t>RESET</a:t>
             </a:r>
           </a:p>
         </p:txBody>
@@ -6045,7 +6439,7 @@
         </p:nvCxnSpPr>
         <p:spPr>
           <a:xfrm rot="10800000">
-            <a:off x="4605332" y="4996840"/>
+            <a:off x="3336370" y="5039791"/>
             <a:ext cx="603170" cy="1"/>
           </a:xfrm>
           <a:prstGeom prst="bentConnector3">
@@ -6078,7 +6472,7 @@
     </p:spTree>
     <p:extLst>
       <p:ext uri="{BB962C8B-B14F-4D97-AF65-F5344CB8AC3E}">
-        <p14:creationId xmlns:p14="http://schemas.microsoft.com/office/powerpoint/2010/main" val="1832989910"/>
+        <p14:creationId xmlns:p14="http://schemas.microsoft.com/office/powerpoint/2010/main" val="3065583079"/>
       </p:ext>
     </p:extLst>
   </p:cSld>
@@ -6165,6 +6559,322 @@
         </p:nvSpPr>
         <p:spPr>
           <a:xfrm>
+            <a:off x="8741359" y="6141595"/>
+            <a:ext cx="2653355" cy="369204"/>
+          </a:xfrm>
+          <a:prstGeom prst="rect">
+            <a:avLst/>
+          </a:prstGeom>
+          <a:noFill/>
+        </p:spPr>
+        <p:txBody>
+          <a:bodyPr wrap="none" rtlCol="0">
+            <a:spAutoFit/>
+          </a:bodyPr>
+          <a:lstStyle/>
+          <a:p>
+            <a:r>
+              <a:rPr lang="en-US" altLang="ko-KR" dirty="0"/>
+              <a:t>WIZ510SR-RP BOOTSEL</a:t>
+            </a:r>
+          </a:p>
+        </p:txBody>
+      </p:sp>
+      <p:sp useBgFill="1">
+        <p:nvSpPr>
+          <p:cNvPr id="27" name="사각형: 둥근 모서리 26">
+            <a:extLst>
+              <a:ext uri="{FF2B5EF4-FFF2-40B4-BE49-F238E27FC236}">
+                <a16:creationId xmlns:a16="http://schemas.microsoft.com/office/drawing/2014/main" id="{3D6B98EC-EDD2-17B8-6698-5B62E3F49F0B}"/>
+              </a:ext>
+            </a:extLst>
+          </p:cNvPr>
+          <p:cNvSpPr/>
+          <p:nvPr/>
+        </p:nvSpPr>
+        <p:spPr>
+          <a:xfrm>
+            <a:off x="5208502" y="4725491"/>
+            <a:ext cx="435610" cy="542698"/>
+          </a:xfrm>
+          <a:prstGeom prst="roundRect">
+            <a:avLst/>
+          </a:prstGeom>
+          <a:ln w="28575">
+            <a:solidFill>
+              <a:schemeClr val="tx1"/>
+            </a:solidFill>
+          </a:ln>
+        </p:spPr>
+        <p:style>
+          <a:lnRef idx="2">
+            <a:schemeClr val="accent1">
+              <a:shade val="50000"/>
+            </a:schemeClr>
+          </a:lnRef>
+          <a:fillRef idx="1">
+            <a:schemeClr val="accent1"/>
+          </a:fillRef>
+          <a:effectRef idx="0">
+            <a:schemeClr val="accent1"/>
+          </a:effectRef>
+          <a:fontRef idx="minor">
+            <a:schemeClr val="lt1"/>
+          </a:fontRef>
+        </p:style>
+        <p:txBody>
+          <a:bodyPr rtlCol="0" anchor="ctr"/>
+          <a:lstStyle/>
+          <a:p>
+            <a:pPr algn="ctr"/>
+            <a:endParaRPr lang="ko-KR" altLang="en-US"/>
+          </a:p>
+        </p:txBody>
+      </p:sp>
+      <p:sp>
+        <p:nvSpPr>
+          <p:cNvPr id="28" name="사각형: 둥근 모서리 27">
+            <a:extLst>
+              <a:ext uri="{FF2B5EF4-FFF2-40B4-BE49-F238E27FC236}">
+                <a16:creationId xmlns:a16="http://schemas.microsoft.com/office/drawing/2014/main" id="{A6D539B2-A744-41D3-3CBF-243892BD6607}"/>
+              </a:ext>
+            </a:extLst>
+          </p:cNvPr>
+          <p:cNvSpPr/>
+          <p:nvPr/>
+        </p:nvSpPr>
+        <p:spPr>
+          <a:xfrm>
+            <a:off x="3062854" y="4659458"/>
+            <a:ext cx="1542478" cy="608887"/>
+          </a:xfrm>
+          <a:prstGeom prst="roundRect">
+            <a:avLst/>
+          </a:prstGeom>
+          <a:solidFill>
+            <a:schemeClr val="bg2">
+              <a:lumMod val="50000"/>
+            </a:schemeClr>
+          </a:solidFill>
+          <a:ln>
+            <a:solidFill>
+              <a:schemeClr val="tx1"/>
+            </a:solidFill>
+          </a:ln>
+        </p:spPr>
+        <p:style>
+          <a:lnRef idx="2">
+            <a:schemeClr val="accent1">
+              <a:shade val="50000"/>
+            </a:schemeClr>
+          </a:lnRef>
+          <a:fillRef idx="1">
+            <a:schemeClr val="accent1"/>
+          </a:fillRef>
+          <a:effectRef idx="0">
+            <a:schemeClr val="accent1"/>
+          </a:effectRef>
+          <a:fontRef idx="minor">
+            <a:schemeClr val="lt1"/>
+          </a:fontRef>
+        </p:style>
+        <p:txBody>
+          <a:bodyPr rtlCol="0" anchor="ctr"/>
+          <a:lstStyle/>
+          <a:p>
+            <a:pPr algn="ctr"/>
+            <a:endParaRPr lang="ko-KR" altLang="en-US"/>
+          </a:p>
+        </p:txBody>
+      </p:sp>
+      <p:sp>
+        <p:nvSpPr>
+          <p:cNvPr id="29" name="TextBox 28">
+            <a:extLst>
+              <a:ext uri="{FF2B5EF4-FFF2-40B4-BE49-F238E27FC236}">
+                <a16:creationId xmlns:a16="http://schemas.microsoft.com/office/drawing/2014/main" id="{CB7820D9-7680-121B-0F62-5703D46A0377}"/>
+              </a:ext>
+            </a:extLst>
+          </p:cNvPr>
+          <p:cNvSpPr txBox="1"/>
+          <p:nvPr/>
+        </p:nvSpPr>
+        <p:spPr>
+          <a:xfrm>
+            <a:off x="3150895" y="4655584"/>
+            <a:ext cx="1399526" cy="646074"/>
+          </a:xfrm>
+          <a:prstGeom prst="rect">
+            <a:avLst/>
+          </a:prstGeom>
+          <a:noFill/>
+        </p:spPr>
+        <p:txBody>
+          <a:bodyPr wrap="square" rtlCol="0">
+            <a:spAutoFit/>
+          </a:bodyPr>
+          <a:lstStyle/>
+          <a:p>
+            <a:pPr algn="ctr"/>
+            <a:r>
+              <a:rPr lang="en-US" altLang="ko-KR" b="1" dirty="0">
+                <a:solidFill>
+                  <a:schemeClr val="bg1"/>
+                </a:solidFill>
+              </a:rPr>
+              <a:t>SW2</a:t>
+            </a:r>
+          </a:p>
+          <a:p>
+            <a:pPr algn="ctr"/>
+            <a:r>
+              <a:rPr lang="en-US" altLang="ko-KR" b="1" dirty="0">
+                <a:solidFill>
+                  <a:schemeClr val="bg1"/>
+                </a:solidFill>
+              </a:rPr>
+              <a:t>BOOTSEL</a:t>
+            </a:r>
+          </a:p>
+        </p:txBody>
+      </p:sp>
+      <p:cxnSp>
+        <p:nvCxnSpPr>
+          <p:cNvPr id="30" name="연결선: 꺾임 29">
+            <a:extLst>
+              <a:ext uri="{FF2B5EF4-FFF2-40B4-BE49-F238E27FC236}">
+                <a16:creationId xmlns:a16="http://schemas.microsoft.com/office/drawing/2014/main" id="{7BFA4657-04F8-F04F-4FC5-3F1357C8FDEF}"/>
+              </a:ext>
+            </a:extLst>
+          </p:cNvPr>
+          <p:cNvCxnSpPr>
+            <a:cxnSpLocks/>
+            <a:stCxn id="27" idx="1"/>
+          </p:cNvCxnSpPr>
+          <p:nvPr/>
+        </p:nvCxnSpPr>
+        <p:spPr>
+          <a:xfrm rot="10800000">
+            <a:off x="4605332" y="4996840"/>
+            <a:ext cx="603170" cy="1"/>
+          </a:xfrm>
+          <a:prstGeom prst="bentConnector3">
+            <a:avLst>
+              <a:gd name="adj1" fmla="val 50000"/>
+            </a:avLst>
+          </a:prstGeom>
+          <a:ln w="28575">
+            <a:solidFill>
+              <a:srgbClr val="000000"/>
+            </a:solidFill>
+            <a:tailEnd type="triangle"/>
+          </a:ln>
+        </p:spPr>
+        <p:style>
+          <a:lnRef idx="1">
+            <a:schemeClr val="accent1"/>
+          </a:lnRef>
+          <a:fillRef idx="0">
+            <a:schemeClr val="accent1"/>
+          </a:fillRef>
+          <a:effectRef idx="0">
+            <a:schemeClr val="accent1"/>
+          </a:effectRef>
+          <a:fontRef idx="minor">
+            <a:schemeClr val="tx1"/>
+          </a:fontRef>
+        </p:style>
+      </p:cxnSp>
+    </p:spTree>
+    <p:extLst>
+      <p:ext uri="{BB962C8B-B14F-4D97-AF65-F5344CB8AC3E}">
+        <p14:creationId xmlns:p14="http://schemas.microsoft.com/office/powerpoint/2010/main" val="1832989910"/>
+      </p:ext>
+    </p:extLst>
+  </p:cSld>
+  <p:clrMapOvr>
+    <a:masterClrMapping/>
+  </p:clrMapOvr>
+</p:sld>
+</file>
+
+<file path=ppt/slides/slide15.xml><?xml version="1.0" encoding="utf-8"?>
+<p:sld xmlns:a="http://schemas.openxmlformats.org/drawingml/2006/main" xmlns:r="http://schemas.openxmlformats.org/officeDocument/2006/relationships" xmlns:p="http://schemas.openxmlformats.org/presentationml/2006/main">
+  <p:cSld>
+    <p:bg>
+      <p:bgPr>
+        <a:blipFill dpi="0" rotWithShape="1">
+          <a:blip r:embed="rId2">
+            <a:lum/>
+          </a:blip>
+          <a:srcRect/>
+          <a:stretch>
+            <a:fillRect l="8000" t="3000" r="6000" b="22000"/>
+          </a:stretch>
+        </a:blipFill>
+        <a:effectLst/>
+      </p:bgPr>
+    </p:bg>
+    <p:spTree>
+      <p:nvGrpSpPr>
+        <p:cNvPr id="1" name=""/>
+        <p:cNvGrpSpPr/>
+        <p:nvPr/>
+      </p:nvGrpSpPr>
+      <p:grpSpPr>
+        <a:xfrm>
+          <a:off x="0" y="0"/>
+          <a:ext cx="0" cy="0"/>
+          <a:chOff x="0" y="0"/>
+          <a:chExt cx="0" cy="0"/>
+        </a:xfrm>
+      </p:grpSpPr>
+      <p:pic>
+        <p:nvPicPr>
+          <p:cNvPr id="7" name="그림 6">
+            <a:extLst>
+              <a:ext uri="{FF2B5EF4-FFF2-40B4-BE49-F238E27FC236}">
+                <a16:creationId xmlns:a16="http://schemas.microsoft.com/office/drawing/2014/main" id="{5E461D92-F02F-8875-E4B2-C7C2C0031654}"/>
+              </a:ext>
+            </a:extLst>
+          </p:cNvPr>
+          <p:cNvPicPr>
+            <a:picLocks noGrp="1" noRot="1" noChangeAspect="1" noMove="1" noResize="1" noEditPoints="1" noAdjustHandles="1" noChangeArrowheads="1" noChangeShapeType="1" noCrop="1"/>
+          </p:cNvPicPr>
+          <p:nvPr/>
+        </p:nvPicPr>
+        <p:blipFill>
+          <a:blip r:embed="rId3">
+            <a:alphaModFix/>
+          </a:blip>
+          <a:stretch>
+            <a:fillRect/>
+          </a:stretch>
+        </p:blipFill>
+        <p:spPr>
+          <a:xfrm>
+            <a:off x="1015737" y="182583"/>
+            <a:ext cx="10352304" cy="5203051"/>
+          </a:xfrm>
+          <a:prstGeom prst="rect">
+            <a:avLst/>
+          </a:prstGeom>
+        </p:spPr>
+      </p:pic>
+      <p:sp>
+        <p:nvSpPr>
+          <p:cNvPr id="53" name="TextBox 52">
+            <a:extLst>
+              <a:ext uri="{FF2B5EF4-FFF2-40B4-BE49-F238E27FC236}">
+                <a16:creationId xmlns:a16="http://schemas.microsoft.com/office/drawing/2014/main" id="{BF39DDFE-69FD-5C72-076C-0EC3A59998D0}"/>
+              </a:ext>
+            </a:extLst>
+          </p:cNvPr>
+          <p:cNvSpPr txBox="1"/>
+          <p:nvPr/>
+        </p:nvSpPr>
+        <p:spPr>
+          <a:xfrm>
             <a:off x="8714751" y="6160068"/>
             <a:ext cx="2653290" cy="369204"/>
           </a:xfrm>
@@ -6404,7 +7114,7 @@
 </p:sld>
 </file>
 
-<file path=ppt/slides/slide15.xml><?xml version="1.0" encoding="utf-8"?>
+<file path=ppt/slides/slide16.xml><?xml version="1.0" encoding="utf-8"?>
 <p:sld xmlns:a="http://schemas.openxmlformats.org/drawingml/2006/main" xmlns:r="http://schemas.openxmlformats.org/officeDocument/2006/relationships" xmlns:p="http://schemas.openxmlformats.org/presentationml/2006/main">
   <p:cSld>
     <p:spTree>
@@ -6499,7 +7209,7 @@
 </p:sld>
 </file>
 
-<file path=ppt/slides/slide16.xml><?xml version="1.0" encoding="utf-8"?>
+<file path=ppt/slides/slide17.xml><?xml version="1.0" encoding="utf-8"?>
 <p:sld xmlns:a="http://schemas.openxmlformats.org/drawingml/2006/main" xmlns:r="http://schemas.openxmlformats.org/officeDocument/2006/relationships" xmlns:p="http://schemas.openxmlformats.org/presentationml/2006/main">
   <p:cSld>
     <p:spTree>
@@ -16440,57 +17150,6 @@
           </a:prstGeom>
         </p:spPr>
       </p:pic>
-      <p:sp useBgFill="1">
-        <p:nvSpPr>
-          <p:cNvPr id="11" name="사각형: 둥근 모서리 10">
-            <a:extLst>
-              <a:ext uri="{FF2B5EF4-FFF2-40B4-BE49-F238E27FC236}">
-                <a16:creationId xmlns:a16="http://schemas.microsoft.com/office/drawing/2014/main" id="{DF3DC2AB-BA2B-AA87-10F4-86E0D4BE221B}"/>
-              </a:ext>
-            </a:extLst>
-          </p:cNvPr>
-          <p:cNvSpPr/>
-          <p:nvPr/>
-        </p:nvSpPr>
-        <p:spPr>
-          <a:xfrm>
-            <a:off x="1015737" y="653939"/>
-            <a:ext cx="2951169" cy="4252380"/>
-          </a:xfrm>
-          <a:prstGeom prst="roundRect">
-            <a:avLst/>
-          </a:prstGeom>
-          <a:ln w="28575">
-            <a:solidFill>
-              <a:schemeClr val="tx1"/>
-            </a:solidFill>
-          </a:ln>
-        </p:spPr>
-        <p:style>
-          <a:lnRef idx="2">
-            <a:schemeClr val="accent1">
-              <a:shade val="50000"/>
-            </a:schemeClr>
-          </a:lnRef>
-          <a:fillRef idx="1">
-            <a:schemeClr val="accent1"/>
-          </a:fillRef>
-          <a:effectRef idx="0">
-            <a:schemeClr val="accent1"/>
-          </a:effectRef>
-          <a:fontRef idx="minor">
-            <a:schemeClr val="lt1"/>
-          </a:fontRef>
-        </p:style>
-        <p:txBody>
-          <a:bodyPr rtlCol="0" anchor="ctr"/>
-          <a:lstStyle/>
-          <a:p>
-            <a:pPr algn="ctr"/>
-            <a:endParaRPr lang="ko-KR" altLang="en-US"/>
-          </a:p>
-        </p:txBody>
-      </p:sp>
       <p:sp>
         <p:nvSpPr>
           <p:cNvPr id="53" name="TextBox 52">
@@ -16506,7 +17165,7 @@
         <p:spPr>
           <a:xfrm>
             <a:off x="8741359" y="6141595"/>
-            <a:ext cx="2924198" cy="369204"/>
+            <a:ext cx="2095445" cy="369204"/>
           </a:xfrm>
           <a:prstGeom prst="rect">
             <a:avLst/>
@@ -16521,7 +17180,7 @@
           <a:p>
             <a:r>
               <a:rPr lang="en-US" altLang="ko-KR" dirty="0"/>
-              <a:t>WIZ510SR-RP (J2-Pinmap)</a:t>
+              <a:t>WIZ510SR-RP (P1)</a:t>
             </a:r>
             <a:endParaRPr lang="ko-KR" altLang="en-US" dirty="0"/>
           </a:p>
@@ -16541,7 +17200,7 @@
         </p:nvSpPr>
         <p:spPr>
           <a:xfrm>
-            <a:off x="4957387" y="2330041"/>
+            <a:off x="5338177" y="1578681"/>
             <a:ext cx="1707424" cy="900176"/>
           </a:xfrm>
           <a:prstGeom prst="roundRect">
@@ -16597,8 +17256,8 @@
         </p:nvSpPr>
         <p:spPr>
           <a:xfrm>
-            <a:off x="5224341" y="2457092"/>
-            <a:ext cx="1173515" cy="646074"/>
+            <a:off x="5471654" y="1705732"/>
+            <a:ext cx="1440470" cy="646074"/>
           </a:xfrm>
           <a:prstGeom prst="rect">
             <a:avLst/>
@@ -16618,7 +17277,7 @@
                   <a:schemeClr val="bg1"/>
                 </a:solidFill>
               </a:rPr>
-              <a:t>J2</a:t>
+              <a:t>P1</a:t>
             </a:r>
           </a:p>
           <a:p>
@@ -16629,7 +17288,7 @@
                   <a:schemeClr val="bg1"/>
                 </a:solidFill>
               </a:rPr>
-              <a:t>DB9M</a:t>
+              <a:t>RJ45 Jack</a:t>
             </a:r>
           </a:p>
         </p:txBody>
@@ -16645,15 +17304,14 @@
           </p:cNvPr>
           <p:cNvCxnSpPr>
             <a:cxnSpLocks/>
-            <a:stCxn id="38" idx="1"/>
-            <a:endCxn id="11" idx="3"/>
+            <a:stCxn id="38" idx="3"/>
           </p:cNvCxnSpPr>
           <p:nvPr/>
         </p:nvCxnSpPr>
         <p:spPr>
-          <a:xfrm flipH="1">
-            <a:off x="3966906" y="2780129"/>
-            <a:ext cx="990481" cy="0"/>
+          <a:xfrm>
+            <a:off x="7045601" y="2028769"/>
+            <a:ext cx="862955" cy="0"/>
           </a:xfrm>
           <a:prstGeom prst="straightConnector1">
             <a:avLst/>
@@ -16680,10 +17338,61 @@
           </a:fontRef>
         </p:style>
       </p:cxnSp>
+      <p:sp useBgFill="1">
+        <p:nvSpPr>
+          <p:cNvPr id="8" name="사각형: 둥근 모서리 7">
+            <a:extLst>
+              <a:ext uri="{FF2B5EF4-FFF2-40B4-BE49-F238E27FC236}">
+                <a16:creationId xmlns:a16="http://schemas.microsoft.com/office/drawing/2014/main" id="{8F873039-73E7-F746-0939-A33566A85D7F}"/>
+              </a:ext>
+            </a:extLst>
+          </p:cNvPr>
+          <p:cNvSpPr/>
+          <p:nvPr/>
+        </p:nvSpPr>
+        <p:spPr>
+          <a:xfrm>
+            <a:off x="7908556" y="628540"/>
+            <a:ext cx="3726439" cy="2594951"/>
+          </a:xfrm>
+          <a:prstGeom prst="roundRect">
+            <a:avLst/>
+          </a:prstGeom>
+          <a:ln w="28575">
+            <a:solidFill>
+              <a:schemeClr val="tx1"/>
+            </a:solidFill>
+          </a:ln>
+        </p:spPr>
+        <p:style>
+          <a:lnRef idx="2">
+            <a:schemeClr val="accent1">
+              <a:shade val="50000"/>
+            </a:schemeClr>
+          </a:lnRef>
+          <a:fillRef idx="1">
+            <a:schemeClr val="accent1"/>
+          </a:fillRef>
+          <a:effectRef idx="0">
+            <a:schemeClr val="accent1"/>
+          </a:effectRef>
+          <a:fontRef idx="minor">
+            <a:schemeClr val="lt1"/>
+          </a:fontRef>
+        </p:style>
+        <p:txBody>
+          <a:bodyPr rtlCol="0" anchor="ctr"/>
+          <a:lstStyle/>
+          <a:p>
+            <a:pPr algn="ctr"/>
+            <a:endParaRPr lang="ko-KR" altLang="en-US"/>
+          </a:p>
+        </p:txBody>
+      </p:sp>
     </p:spTree>
     <p:extLst>
       <p:ext uri="{BB962C8B-B14F-4D97-AF65-F5344CB8AC3E}">
-        <p14:creationId xmlns:p14="http://schemas.microsoft.com/office/powerpoint/2010/main" val="3435720594"/>
+        <p14:creationId xmlns:p14="http://schemas.microsoft.com/office/powerpoint/2010/main" val="3787437493"/>
       </p:ext>
     </p:extLst>
   </p:cSld>
@@ -16756,48 +17465,12 @@
           </a:prstGeom>
         </p:spPr>
       </p:pic>
-      <p:sp>
-        <p:nvSpPr>
-          <p:cNvPr id="53" name="TextBox 52">
-            <a:extLst>
-              <a:ext uri="{FF2B5EF4-FFF2-40B4-BE49-F238E27FC236}">
-                <a16:creationId xmlns:a16="http://schemas.microsoft.com/office/drawing/2014/main" id="{BF39DDFE-69FD-5C72-076C-0EC3A59998D0}"/>
-              </a:ext>
-            </a:extLst>
-          </p:cNvPr>
-          <p:cNvSpPr txBox="1"/>
-          <p:nvPr/>
-        </p:nvSpPr>
-        <p:spPr>
-          <a:xfrm>
-            <a:off x="8741359" y="6141595"/>
-            <a:ext cx="2924198" cy="369204"/>
-          </a:xfrm>
-          <a:prstGeom prst="rect">
-            <a:avLst/>
-          </a:prstGeom>
-          <a:noFill/>
-        </p:spPr>
-        <p:txBody>
-          <a:bodyPr wrap="none" rtlCol="0">
-            <a:spAutoFit/>
-          </a:bodyPr>
-          <a:lstStyle/>
-          <a:p>
-            <a:r>
-              <a:rPr lang="en-US" altLang="ko-KR" dirty="0"/>
-              <a:t>WIZ510SR-RP (J3-Pinmap)</a:t>
-            </a:r>
-            <a:endParaRPr lang="ko-KR" altLang="en-US" dirty="0"/>
-          </a:p>
-        </p:txBody>
-      </p:sp>
       <p:sp useBgFill="1">
         <p:nvSpPr>
-          <p:cNvPr id="36" name="사각형: 둥근 모서리 35">
-            <a:extLst>
-              <a:ext uri="{FF2B5EF4-FFF2-40B4-BE49-F238E27FC236}">
-                <a16:creationId xmlns:a16="http://schemas.microsoft.com/office/drawing/2014/main" id="{3A3EC4F5-22D8-1A1A-8B24-C87BCED8E94E}"/>
+          <p:cNvPr id="11" name="사각형: 둥근 모서리 10">
+            <a:extLst>
+              <a:ext uri="{FF2B5EF4-FFF2-40B4-BE49-F238E27FC236}">
+                <a16:creationId xmlns:a16="http://schemas.microsoft.com/office/drawing/2014/main" id="{DF3DC2AB-BA2B-AA87-10F4-86E0D4BE221B}"/>
               </a:ext>
             </a:extLst>
           </p:cNvPr>
@@ -16806,8 +17479,8 @@
         </p:nvSpPr>
         <p:spPr>
           <a:xfrm>
-            <a:off x="6321212" y="4675655"/>
-            <a:ext cx="723617" cy="358342"/>
+            <a:off x="1015737" y="653939"/>
+            <a:ext cx="2951169" cy="4252380"/>
           </a:xfrm>
           <a:prstGeom prst="roundRect">
             <a:avLst/>
@@ -16845,10 +17518,46 @@
       </p:sp>
       <p:sp>
         <p:nvSpPr>
+          <p:cNvPr id="53" name="TextBox 52">
+            <a:extLst>
+              <a:ext uri="{FF2B5EF4-FFF2-40B4-BE49-F238E27FC236}">
+                <a16:creationId xmlns:a16="http://schemas.microsoft.com/office/drawing/2014/main" id="{BF39DDFE-69FD-5C72-076C-0EC3A59998D0}"/>
+              </a:ext>
+            </a:extLst>
+          </p:cNvPr>
+          <p:cNvSpPr txBox="1"/>
+          <p:nvPr/>
+        </p:nvSpPr>
+        <p:spPr>
+          <a:xfrm>
+            <a:off x="8741359" y="6141595"/>
+            <a:ext cx="2924198" cy="369204"/>
+          </a:xfrm>
+          <a:prstGeom prst="rect">
+            <a:avLst/>
+          </a:prstGeom>
+          <a:noFill/>
+        </p:spPr>
+        <p:txBody>
+          <a:bodyPr wrap="none" rtlCol="0">
+            <a:spAutoFit/>
+          </a:bodyPr>
+          <a:lstStyle/>
+          <a:p>
+            <a:r>
+              <a:rPr lang="en-US" altLang="ko-KR" dirty="0"/>
+              <a:t>WIZ510SR-RP (J2-Pinmap)</a:t>
+            </a:r>
+            <a:endParaRPr lang="ko-KR" altLang="en-US" dirty="0"/>
+          </a:p>
+        </p:txBody>
+      </p:sp>
+      <p:sp>
+        <p:nvSpPr>
           <p:cNvPr id="38" name="사각형: 둥근 모서리 37">
             <a:extLst>
               <a:ext uri="{FF2B5EF4-FFF2-40B4-BE49-F238E27FC236}">
-                <a16:creationId xmlns:a16="http://schemas.microsoft.com/office/drawing/2014/main" id="{06DFAE69-637C-B585-BF7C-63D97974F7A2}"/>
+                <a16:creationId xmlns:a16="http://schemas.microsoft.com/office/drawing/2014/main" id="{AA6A6172-5DA5-7E05-5AA7-2C648B83B1CE}"/>
               </a:ext>
             </a:extLst>
           </p:cNvPr>
@@ -16857,23 +17566,21 @@
         </p:nvSpPr>
         <p:spPr>
           <a:xfrm>
-            <a:off x="7476283" y="3167139"/>
-            <a:ext cx="1584960" cy="1161133"/>
+            <a:off x="4957387" y="2330041"/>
+            <a:ext cx="1707424" cy="900176"/>
           </a:xfrm>
           <a:prstGeom prst="roundRect">
             <a:avLst/>
           </a:prstGeom>
           <a:solidFill>
-            <a:schemeClr val="bg1">
-              <a:lumMod val="85000"/>
-              <a:alpha val="63000"/>
+            <a:schemeClr val="bg2">
+              <a:lumMod val="50000"/>
             </a:schemeClr>
           </a:solidFill>
-          <a:ln w="19050">
+          <a:ln>
             <a:solidFill>
               <a:schemeClr val="tx1"/>
             </a:solidFill>
-            <a:prstDash val="sysDash"/>
           </a:ln>
         </p:spPr>
         <p:style>
@@ -16897,74 +17604,16 @@
           <a:lstStyle/>
           <a:p>
             <a:pPr algn="ctr"/>
-            <a:endParaRPr lang="ko-KR" altLang="en-US" dirty="0"/>
-          </a:p>
-        </p:txBody>
-      </p:sp>
-      <p:sp>
-        <p:nvSpPr>
-          <p:cNvPr id="39" name="사각형: 둥근 모서리 38">
-            <a:extLst>
-              <a:ext uri="{FF2B5EF4-FFF2-40B4-BE49-F238E27FC236}">
-                <a16:creationId xmlns:a16="http://schemas.microsoft.com/office/drawing/2014/main" id="{53B1341B-0CCA-C5E8-E706-525ABBA8C966}"/>
-              </a:ext>
-            </a:extLst>
-          </p:cNvPr>
-          <p:cNvSpPr/>
-          <p:nvPr/>
-        </p:nvSpPr>
-        <p:spPr>
-          <a:xfrm>
-            <a:off x="7604780" y="3832241"/>
-            <a:ext cx="1312837" cy="336855"/>
-          </a:xfrm>
-          <a:prstGeom prst="roundRect">
-            <a:avLst/>
-          </a:prstGeom>
-          <a:solidFill>
-            <a:schemeClr val="tx1"/>
-          </a:solidFill>
-          <a:ln w="19050">
-            <a:solidFill>
-              <a:schemeClr val="tx1"/>
-            </a:solidFill>
-          </a:ln>
-        </p:spPr>
-        <p:style>
-          <a:lnRef idx="2">
-            <a:schemeClr val="accent1">
-              <a:shade val="50000"/>
-            </a:schemeClr>
-          </a:lnRef>
-          <a:fillRef idx="1">
-            <a:schemeClr val="accent1"/>
-          </a:fillRef>
-          <a:effectRef idx="0">
-            <a:schemeClr val="accent1"/>
-          </a:effectRef>
-          <a:fontRef idx="minor">
-            <a:schemeClr val="lt1"/>
-          </a:fontRef>
-        </p:style>
-        <p:txBody>
-          <a:bodyPr rtlCol="0" anchor="ctr"/>
-          <a:lstStyle/>
-          <a:p>
-            <a:pPr algn="ctr"/>
-            <a:r>
-              <a:rPr lang="en-US" altLang="ko-KR" sz="1600" b="1" dirty="0"/>
-              <a:t>GND</a:t>
-            </a:r>
-            <a:endParaRPr lang="ko-KR" altLang="en-US" sz="1600" b="1" dirty="0"/>
-          </a:p>
-        </p:txBody>
-      </p:sp>
-      <p:sp>
-        <p:nvSpPr>
-          <p:cNvPr id="42" name="TextBox 41">
-            <a:extLst>
-              <a:ext uri="{FF2B5EF4-FFF2-40B4-BE49-F238E27FC236}">
-                <a16:creationId xmlns:a16="http://schemas.microsoft.com/office/drawing/2014/main" id="{439052E4-3921-C7CB-B62B-290349385DB9}"/>
+            <a:endParaRPr lang="ko-KR" altLang="en-US"/>
+          </a:p>
+        </p:txBody>
+      </p:sp>
+      <p:sp>
+        <p:nvSpPr>
+          <p:cNvPr id="39" name="TextBox 38">
+            <a:extLst>
+              <a:ext uri="{FF2B5EF4-FFF2-40B4-BE49-F238E27FC236}">
+                <a16:creationId xmlns:a16="http://schemas.microsoft.com/office/drawing/2014/main" id="{EA3D2F79-8F17-FCE1-E825-1E77484800A6}"/>
               </a:ext>
             </a:extLst>
           </p:cNvPr>
@@ -16973,8 +17622,8 @@
         </p:nvSpPr>
         <p:spPr>
           <a:xfrm>
-            <a:off x="8051666" y="3118807"/>
-            <a:ext cx="419063" cy="369204"/>
+            <a:off x="5224341" y="2457092"/>
+            <a:ext cx="1173515" cy="646074"/>
           </a:xfrm>
           <a:prstGeom prst="rect">
             <a:avLst/>
@@ -16987,390 +17636,58 @@
           </a:bodyPr>
           <a:lstStyle/>
           <a:p>
+            <a:pPr algn="ctr"/>
             <a:r>
-              <a:rPr lang="en-US" altLang="ko-KR" b="1" dirty="0"/>
-              <a:t>J3</a:t>
-            </a:r>
-          </a:p>
-        </p:txBody>
-      </p:sp>
-      <p:sp>
-        <p:nvSpPr>
-          <p:cNvPr id="44" name="타원 43">
-            <a:extLst>
-              <a:ext uri="{FF2B5EF4-FFF2-40B4-BE49-F238E27FC236}">
-                <a16:creationId xmlns:a16="http://schemas.microsoft.com/office/drawing/2014/main" id="{A26381C6-DD03-14D7-76AC-48B1EDD55563}"/>
-              </a:ext>
-            </a:extLst>
-          </p:cNvPr>
-          <p:cNvSpPr/>
-          <p:nvPr/>
-        </p:nvSpPr>
-        <p:spPr>
-          <a:xfrm>
-            <a:off x="7555742" y="3604625"/>
-            <a:ext cx="113211" cy="110837"/>
-          </a:xfrm>
-          <a:prstGeom prst="ellipse">
-            <a:avLst/>
-          </a:prstGeom>
-          <a:solidFill>
-            <a:schemeClr val="tx1"/>
-          </a:solidFill>
-          <a:ln>
-            <a:noFill/>
-          </a:ln>
-        </p:spPr>
-        <p:style>
-          <a:lnRef idx="2">
-            <a:schemeClr val="accent1">
-              <a:shade val="50000"/>
-            </a:schemeClr>
-          </a:lnRef>
-          <a:fillRef idx="1">
-            <a:schemeClr val="accent1"/>
-          </a:fillRef>
-          <a:effectRef idx="0">
-            <a:schemeClr val="accent1"/>
-          </a:effectRef>
-          <a:fontRef idx="minor">
-            <a:schemeClr val="lt1"/>
-          </a:fontRef>
-        </p:style>
-        <p:txBody>
-          <a:bodyPr rtlCol="0" anchor="ctr"/>
-          <a:lstStyle/>
-          <a:p>
-            <a:pPr algn="ctr"/>
-            <a:endParaRPr lang="ko-KR" altLang="en-US"/>
-          </a:p>
-        </p:txBody>
-      </p:sp>
-      <p:sp>
-        <p:nvSpPr>
-          <p:cNvPr id="43" name="타원 42">
-            <a:extLst>
-              <a:ext uri="{FF2B5EF4-FFF2-40B4-BE49-F238E27FC236}">
-                <a16:creationId xmlns:a16="http://schemas.microsoft.com/office/drawing/2014/main" id="{C9E32706-7B05-E106-8ADA-45106F9BE202}"/>
-              </a:ext>
-            </a:extLst>
-          </p:cNvPr>
-          <p:cNvSpPr/>
-          <p:nvPr/>
-        </p:nvSpPr>
-        <p:spPr>
-          <a:xfrm>
-            <a:off x="7548173" y="3942193"/>
-            <a:ext cx="113211" cy="110837"/>
-          </a:xfrm>
-          <a:prstGeom prst="ellipse">
-            <a:avLst/>
-          </a:prstGeom>
-          <a:solidFill>
-            <a:schemeClr val="tx1"/>
-          </a:solidFill>
-          <a:ln>
-            <a:noFill/>
-          </a:ln>
-        </p:spPr>
-        <p:style>
-          <a:lnRef idx="2">
-            <a:schemeClr val="accent1">
-              <a:shade val="50000"/>
-            </a:schemeClr>
-          </a:lnRef>
-          <a:fillRef idx="1">
-            <a:schemeClr val="accent1"/>
-          </a:fillRef>
-          <a:effectRef idx="0">
-            <a:schemeClr val="accent1"/>
-          </a:effectRef>
-          <a:fontRef idx="minor">
-            <a:schemeClr val="lt1"/>
-          </a:fontRef>
-        </p:style>
-        <p:txBody>
-          <a:bodyPr rtlCol="0" anchor="ctr"/>
-          <a:lstStyle/>
-          <a:p>
-            <a:pPr algn="ctr"/>
-            <a:endParaRPr lang="ko-KR" altLang="en-US"/>
-          </a:p>
-        </p:txBody>
-      </p:sp>
-      <p:sp>
-        <p:nvSpPr>
-          <p:cNvPr id="40" name="사각형: 둥근 모서리 39">
-            <a:extLst>
-              <a:ext uri="{FF2B5EF4-FFF2-40B4-BE49-F238E27FC236}">
-                <a16:creationId xmlns:a16="http://schemas.microsoft.com/office/drawing/2014/main" id="{E92273FC-6447-B0F5-0689-D54321D274AD}"/>
-              </a:ext>
-            </a:extLst>
-          </p:cNvPr>
-          <p:cNvSpPr/>
-          <p:nvPr/>
-        </p:nvSpPr>
-        <p:spPr>
-          <a:xfrm>
-            <a:off x="7612348" y="3491498"/>
-            <a:ext cx="1312837" cy="336855"/>
-          </a:xfrm>
-          <a:prstGeom prst="roundRect">
-            <a:avLst/>
-          </a:prstGeom>
-          <a:solidFill>
-            <a:srgbClr val="0070C0"/>
-          </a:solidFill>
-          <a:ln w="19050">
-            <a:solidFill>
-              <a:schemeClr val="tx1"/>
-            </a:solidFill>
-          </a:ln>
-        </p:spPr>
-        <p:style>
-          <a:lnRef idx="2">
-            <a:schemeClr val="accent1">
-              <a:shade val="50000"/>
-            </a:schemeClr>
-          </a:lnRef>
-          <a:fillRef idx="1">
-            <a:schemeClr val="accent1"/>
-          </a:fillRef>
-          <a:effectRef idx="0">
-            <a:schemeClr val="accent1"/>
-          </a:effectRef>
-          <a:fontRef idx="minor">
-            <a:schemeClr val="lt1"/>
-          </a:fontRef>
-        </p:style>
-        <p:txBody>
-          <a:bodyPr rtlCol="0" anchor="ctr"/>
-          <a:lstStyle/>
-          <a:p>
-            <a:pPr algn="ctr"/>
-            <a:endParaRPr lang="ko-KR" altLang="en-US"/>
-          </a:p>
-        </p:txBody>
-      </p:sp>
-      <p:sp>
-        <p:nvSpPr>
-          <p:cNvPr id="41" name="TextBox 40">
-            <a:extLst>
-              <a:ext uri="{FF2B5EF4-FFF2-40B4-BE49-F238E27FC236}">
-                <a16:creationId xmlns:a16="http://schemas.microsoft.com/office/drawing/2014/main" id="{F5593B4C-8777-C6EF-6EA4-C7E96C89EB48}"/>
-              </a:ext>
-            </a:extLst>
-          </p:cNvPr>
-          <p:cNvSpPr txBox="1"/>
-          <p:nvPr/>
-        </p:nvSpPr>
-        <p:spPr>
-          <a:xfrm>
-            <a:off x="7561990" y="3487610"/>
-            <a:ext cx="1462590" cy="338554"/>
-          </a:xfrm>
-          <a:prstGeom prst="rect">
-            <a:avLst/>
-          </a:prstGeom>
-          <a:noFill/>
-        </p:spPr>
-        <p:txBody>
-          <a:bodyPr wrap="square" rtlCol="0">
-            <a:spAutoFit/>
-          </a:bodyPr>
-          <a:lstStyle/>
-          <a:p>
-            <a:r>
-              <a:rPr lang="en-US" altLang="ko-KR" sz="1600" b="1" dirty="0">
+              <a:rPr lang="en-US" altLang="ko-KR" b="1" dirty="0">
                 <a:solidFill>
-                  <a:srgbClr val="FFFFFF"/>
+                  <a:schemeClr val="bg1"/>
                 </a:solidFill>
               </a:rPr>
-              <a:t>BOOT MODE</a:t>
+              <a:t>J2</a:t>
             </a:r>
-            <a:endParaRPr lang="ko-KR" altLang="en-US" sz="1600" b="1" dirty="0">
-              <a:solidFill>
-                <a:srgbClr val="FFFFFF"/>
-              </a:solidFill>
-            </a:endParaRPr>
-          </a:p>
-        </p:txBody>
-      </p:sp>
-      <p:sp>
-        <p:nvSpPr>
-          <p:cNvPr id="45" name="타원 44">
-            <a:extLst>
-              <a:ext uri="{FF2B5EF4-FFF2-40B4-BE49-F238E27FC236}">
-                <a16:creationId xmlns:a16="http://schemas.microsoft.com/office/drawing/2014/main" id="{DFCEA845-8600-98C0-EC94-43EB0F26A404}"/>
-              </a:ext>
-            </a:extLst>
-          </p:cNvPr>
-          <p:cNvSpPr/>
-          <p:nvPr/>
-        </p:nvSpPr>
-        <p:spPr>
-          <a:xfrm>
-            <a:off x="6760773" y="4774043"/>
-            <a:ext cx="113211" cy="110837"/>
-          </a:xfrm>
-          <a:prstGeom prst="ellipse">
-            <a:avLst/>
-          </a:prstGeom>
-          <a:solidFill>
-            <a:schemeClr val="tx1"/>
-          </a:solidFill>
-          <a:ln>
-            <a:noFill/>
-          </a:ln>
-        </p:spPr>
-        <p:style>
-          <a:lnRef idx="2">
-            <a:schemeClr val="accent1">
-              <a:shade val="50000"/>
-            </a:schemeClr>
-          </a:lnRef>
-          <a:fillRef idx="1">
-            <a:schemeClr val="accent1"/>
-          </a:fillRef>
-          <a:effectRef idx="0">
-            <a:schemeClr val="accent1"/>
-          </a:effectRef>
-          <a:fontRef idx="minor">
-            <a:schemeClr val="lt1"/>
-          </a:fontRef>
-        </p:style>
-        <p:txBody>
-          <a:bodyPr rtlCol="0" anchor="ctr"/>
-          <a:lstStyle/>
-          <a:p>
-            <a:pPr algn="ctr"/>
-            <a:endParaRPr lang="ko-KR" altLang="en-US"/>
-          </a:p>
-        </p:txBody>
-      </p:sp>
-      <p:sp>
-        <p:nvSpPr>
-          <p:cNvPr id="46" name="타원 45">
-            <a:extLst>
-              <a:ext uri="{FF2B5EF4-FFF2-40B4-BE49-F238E27FC236}">
-                <a16:creationId xmlns:a16="http://schemas.microsoft.com/office/drawing/2014/main" id="{EA9A3E1E-061E-DED1-54AC-49693236E0BE}"/>
-              </a:ext>
-            </a:extLst>
-          </p:cNvPr>
-          <p:cNvSpPr/>
-          <p:nvPr/>
-        </p:nvSpPr>
-        <p:spPr>
-          <a:xfrm>
-            <a:off x="6476717" y="4774042"/>
-            <a:ext cx="113211" cy="110837"/>
-          </a:xfrm>
-          <a:prstGeom prst="ellipse">
-            <a:avLst/>
-          </a:prstGeom>
-          <a:solidFill>
-            <a:schemeClr val="tx1"/>
-          </a:solidFill>
-          <a:ln>
-            <a:noFill/>
-          </a:ln>
-        </p:spPr>
-        <p:style>
-          <a:lnRef idx="2">
-            <a:schemeClr val="accent1">
-              <a:shade val="50000"/>
-            </a:schemeClr>
-          </a:lnRef>
-          <a:fillRef idx="1">
-            <a:schemeClr val="accent1"/>
-          </a:fillRef>
-          <a:effectRef idx="0">
-            <a:schemeClr val="accent1"/>
-          </a:effectRef>
-          <a:fontRef idx="minor">
-            <a:schemeClr val="lt1"/>
-          </a:fontRef>
-        </p:style>
-        <p:txBody>
-          <a:bodyPr rtlCol="0" anchor="ctr"/>
-          <a:lstStyle/>
-          <a:p>
-            <a:pPr algn="ctr"/>
-            <a:endParaRPr lang="ko-KR" altLang="en-US"/>
+          </a:p>
+          <a:p>
+            <a:pPr algn="ctr"/>
+            <a:r>
+              <a:rPr lang="en-US" altLang="ko-KR" b="1" dirty="0">
+                <a:solidFill>
+                  <a:schemeClr val="bg1"/>
+                </a:solidFill>
+              </a:rPr>
+              <a:t>DB9M</a:t>
+            </a:r>
           </a:p>
         </p:txBody>
       </p:sp>
       <p:cxnSp>
         <p:nvCxnSpPr>
-          <p:cNvPr id="6" name="연결선: 꺾임 5">
-            <a:extLst>
-              <a:ext uri="{FF2B5EF4-FFF2-40B4-BE49-F238E27FC236}">
-                <a16:creationId xmlns:a16="http://schemas.microsoft.com/office/drawing/2014/main" id="{9C6CE40F-58E6-9046-1AFA-64026D0FB8A3}"/>
+          <p:cNvPr id="3" name="직선 화살표 연결선 2">
+            <a:extLst>
+              <a:ext uri="{FF2B5EF4-FFF2-40B4-BE49-F238E27FC236}">
+                <a16:creationId xmlns:a16="http://schemas.microsoft.com/office/drawing/2014/main" id="{8D71ADE7-6C75-857F-84B5-905D1BC2632E}"/>
               </a:ext>
             </a:extLst>
           </p:cNvPr>
           <p:cNvCxnSpPr>
-            <a:stCxn id="43" idx="2"/>
-            <a:endCxn id="45" idx="0"/>
+            <a:cxnSpLocks/>
+            <a:stCxn id="38" idx="1"/>
+            <a:endCxn id="11" idx="3"/>
           </p:cNvCxnSpPr>
           <p:nvPr/>
         </p:nvCxnSpPr>
         <p:spPr>
-          <a:xfrm rot="10800000" flipV="1">
-            <a:off x="6817379" y="3997611"/>
-            <a:ext cx="730794" cy="776431"/>
-          </a:xfrm>
-          <a:prstGeom prst="bentConnector2">
+          <a:xfrm flipH="1">
+            <a:off x="3966906" y="2780129"/>
+            <a:ext cx="990481" cy="0"/>
+          </a:xfrm>
+          <a:prstGeom prst="straightConnector1">
             <a:avLst/>
           </a:prstGeom>
           <a:ln w="28575">
             <a:solidFill>
-              <a:schemeClr val="tx1"/>
+              <a:srgbClr val="000000"/>
             </a:solidFill>
-          </a:ln>
-        </p:spPr>
-        <p:style>
-          <a:lnRef idx="1">
-            <a:schemeClr val="accent1"/>
-          </a:lnRef>
-          <a:fillRef idx="0">
-            <a:schemeClr val="accent1"/>
-          </a:fillRef>
-          <a:effectRef idx="0">
-            <a:schemeClr val="accent1"/>
-          </a:effectRef>
-          <a:fontRef idx="minor">
-            <a:schemeClr val="tx1"/>
-          </a:fontRef>
-        </p:style>
-      </p:cxnSp>
-      <p:cxnSp>
-        <p:nvCxnSpPr>
-          <p:cNvPr id="9" name="연결선: 꺾임 8">
-            <a:extLst>
-              <a:ext uri="{FF2B5EF4-FFF2-40B4-BE49-F238E27FC236}">
-                <a16:creationId xmlns:a16="http://schemas.microsoft.com/office/drawing/2014/main" id="{1524C78B-A189-2865-2C38-F48541359D50}"/>
-              </a:ext>
-            </a:extLst>
-          </p:cNvPr>
-          <p:cNvCxnSpPr>
-            <a:stCxn id="44" idx="2"/>
-            <a:endCxn id="46" idx="0"/>
-          </p:cNvCxnSpPr>
-          <p:nvPr/>
-        </p:nvCxnSpPr>
-        <p:spPr>
-          <a:xfrm rot="10800000" flipV="1">
-            <a:off x="6533324" y="3660044"/>
-            <a:ext cx="1022419" cy="1113998"/>
-          </a:xfrm>
-          <a:prstGeom prst="bentConnector2">
-            <a:avLst/>
-          </a:prstGeom>
-          <a:ln w="28575">
-            <a:solidFill>
-              <a:schemeClr val="tx1"/>
-            </a:solidFill>
+            <a:tailEnd type="triangle"/>
           </a:ln>
         </p:spPr>
         <p:style>
@@ -17391,7 +17708,7 @@
     </p:spTree>
     <p:extLst>
       <p:ext uri="{BB962C8B-B14F-4D97-AF65-F5344CB8AC3E}">
-        <p14:creationId xmlns:p14="http://schemas.microsoft.com/office/powerpoint/2010/main" val="3992388690"/>
+        <p14:creationId xmlns:p14="http://schemas.microsoft.com/office/powerpoint/2010/main" val="3435720594"/>
       </p:ext>
     </p:extLst>
   </p:cSld>

--- a/img/products/s2e_module/WIZ510SR-RP/HW/Document/WIZ510SR-RP Photo.pptx
+++ b/img/products/s2e_module/WIZ510SR-RP/HW/Document/WIZ510SR-RP Photo.pptx
@@ -14,14 +14,15 @@
     <p:sldId id="280" r:id="rId8"/>
     <p:sldId id="290" r:id="rId9"/>
     <p:sldId id="281" r:id="rId10"/>
-    <p:sldId id="282" r:id="rId11"/>
-    <p:sldId id="283" r:id="rId12"/>
-    <p:sldId id="284" r:id="rId13"/>
-    <p:sldId id="285" r:id="rId14"/>
-    <p:sldId id="286" r:id="rId15"/>
-    <p:sldId id="287" r:id="rId16"/>
-    <p:sldId id="288" r:id="rId17"/>
-    <p:sldId id="289" r:id="rId18"/>
+    <p:sldId id="291" r:id="rId11"/>
+    <p:sldId id="282" r:id="rId12"/>
+    <p:sldId id="283" r:id="rId13"/>
+    <p:sldId id="284" r:id="rId14"/>
+    <p:sldId id="285" r:id="rId15"/>
+    <p:sldId id="286" r:id="rId16"/>
+    <p:sldId id="287" r:id="rId17"/>
+    <p:sldId id="288" r:id="rId18"/>
+    <p:sldId id="289" r:id="rId19"/>
   </p:sldIdLst>
   <p:sldSz cx="12192000" cy="6858000"/>
   <p:notesSz cx="6858000" cy="9144000"/>
@@ -137,6 +138,7 @@
             <p14:sldId id="280"/>
             <p14:sldId id="290"/>
             <p14:sldId id="281"/>
+            <p14:sldId id="291"/>
             <p14:sldId id="282"/>
             <p14:sldId id="283"/>
             <p14:sldId id="284"/>
@@ -3518,48 +3520,12 @@
           </a:prstGeom>
         </p:spPr>
       </p:pic>
-      <p:sp>
-        <p:nvSpPr>
-          <p:cNvPr id="53" name="TextBox 52">
-            <a:extLst>
-              <a:ext uri="{FF2B5EF4-FFF2-40B4-BE49-F238E27FC236}">
-                <a16:creationId xmlns:a16="http://schemas.microsoft.com/office/drawing/2014/main" id="{BF39DDFE-69FD-5C72-076C-0EC3A59998D0}"/>
-              </a:ext>
-            </a:extLst>
-          </p:cNvPr>
-          <p:cNvSpPr txBox="1"/>
-          <p:nvPr/>
-        </p:nvSpPr>
-        <p:spPr>
-          <a:xfrm>
-            <a:off x="8741359" y="6141595"/>
-            <a:ext cx="2924198" cy="369204"/>
-          </a:xfrm>
-          <a:prstGeom prst="rect">
-            <a:avLst/>
-          </a:prstGeom>
-          <a:noFill/>
-        </p:spPr>
-        <p:txBody>
-          <a:bodyPr wrap="none" rtlCol="0">
-            <a:spAutoFit/>
-          </a:bodyPr>
-          <a:lstStyle/>
-          <a:p>
-            <a:r>
-              <a:rPr lang="en-US" altLang="ko-KR" dirty="0"/>
-              <a:t>WIZ510SR-RP (J3-Pinmap)</a:t>
-            </a:r>
-            <a:endParaRPr lang="ko-KR" altLang="en-US" dirty="0"/>
-          </a:p>
-        </p:txBody>
-      </p:sp>
       <p:sp useBgFill="1">
         <p:nvSpPr>
-          <p:cNvPr id="36" name="사각형: 둥근 모서리 35">
-            <a:extLst>
-              <a:ext uri="{FF2B5EF4-FFF2-40B4-BE49-F238E27FC236}">
-                <a16:creationId xmlns:a16="http://schemas.microsoft.com/office/drawing/2014/main" id="{3A3EC4F5-22D8-1A1A-8B24-C87BCED8E94E}"/>
+          <p:cNvPr id="11" name="사각형: 둥근 모서리 10">
+            <a:extLst>
+              <a:ext uri="{FF2B5EF4-FFF2-40B4-BE49-F238E27FC236}">
+                <a16:creationId xmlns:a16="http://schemas.microsoft.com/office/drawing/2014/main" id="{DF3DC2AB-BA2B-AA87-10F4-86E0D4BE221B}"/>
               </a:ext>
             </a:extLst>
           </p:cNvPr>
@@ -3568,8 +3534,8 @@
         </p:nvSpPr>
         <p:spPr>
           <a:xfrm>
-            <a:off x="6321212" y="4675655"/>
-            <a:ext cx="723617" cy="358342"/>
+            <a:off x="8668384" y="3230218"/>
+            <a:ext cx="2699657" cy="1820754"/>
           </a:xfrm>
           <a:prstGeom prst="roundRect">
             <a:avLst/>
@@ -3607,10 +3573,46 @@
       </p:sp>
       <p:sp>
         <p:nvSpPr>
+          <p:cNvPr id="53" name="TextBox 52">
+            <a:extLst>
+              <a:ext uri="{FF2B5EF4-FFF2-40B4-BE49-F238E27FC236}">
+                <a16:creationId xmlns:a16="http://schemas.microsoft.com/office/drawing/2014/main" id="{BF39DDFE-69FD-5C72-076C-0EC3A59998D0}"/>
+              </a:ext>
+            </a:extLst>
+          </p:cNvPr>
+          <p:cNvSpPr txBox="1"/>
+          <p:nvPr/>
+        </p:nvSpPr>
+        <p:spPr>
+          <a:xfrm>
+            <a:off x="8741359" y="6141595"/>
+            <a:ext cx="2924198" cy="369204"/>
+          </a:xfrm>
+          <a:prstGeom prst="rect">
+            <a:avLst/>
+          </a:prstGeom>
+          <a:noFill/>
+        </p:spPr>
+        <p:txBody>
+          <a:bodyPr wrap="none" rtlCol="0">
+            <a:spAutoFit/>
+          </a:bodyPr>
+          <a:lstStyle/>
+          <a:p>
+            <a:r>
+              <a:rPr lang="en-US" altLang="ko-KR" dirty="0"/>
+              <a:t>WIZ510SR-RP (J2-Pinmap)</a:t>
+            </a:r>
+            <a:endParaRPr lang="ko-KR" altLang="en-US" dirty="0"/>
+          </a:p>
+        </p:txBody>
+      </p:sp>
+      <p:sp>
+        <p:nvSpPr>
           <p:cNvPr id="38" name="사각형: 둥근 모서리 37">
             <a:extLst>
               <a:ext uri="{FF2B5EF4-FFF2-40B4-BE49-F238E27FC236}">
-                <a16:creationId xmlns:a16="http://schemas.microsoft.com/office/drawing/2014/main" id="{06DFAE69-637C-B585-BF7C-63D97974F7A2}"/>
+                <a16:creationId xmlns:a16="http://schemas.microsoft.com/office/drawing/2014/main" id="{AA6A6172-5DA5-7E05-5AA7-2C648B83B1CE}"/>
               </a:ext>
             </a:extLst>
           </p:cNvPr>
@@ -3619,23 +3621,21 @@
         </p:nvSpPr>
         <p:spPr>
           <a:xfrm>
-            <a:off x="7476283" y="3167139"/>
-            <a:ext cx="1584960" cy="1161133"/>
+            <a:off x="5544144" y="3690507"/>
+            <a:ext cx="1707424" cy="900176"/>
           </a:xfrm>
           <a:prstGeom prst="roundRect">
             <a:avLst/>
           </a:prstGeom>
           <a:solidFill>
-            <a:schemeClr val="bg1">
-              <a:lumMod val="85000"/>
-              <a:alpha val="63000"/>
+            <a:schemeClr val="bg2">
+              <a:lumMod val="50000"/>
             </a:schemeClr>
           </a:solidFill>
-          <a:ln w="19050">
+          <a:ln>
             <a:solidFill>
               <a:schemeClr val="tx1"/>
             </a:solidFill>
-            <a:prstDash val="sysDash"/>
           </a:ln>
         </p:spPr>
         <p:style>
@@ -3659,74 +3659,16 @@
           <a:lstStyle/>
           <a:p>
             <a:pPr algn="ctr"/>
-            <a:endParaRPr lang="ko-KR" altLang="en-US" dirty="0"/>
-          </a:p>
-        </p:txBody>
-      </p:sp>
-      <p:sp>
-        <p:nvSpPr>
-          <p:cNvPr id="39" name="사각형: 둥근 모서리 38">
-            <a:extLst>
-              <a:ext uri="{FF2B5EF4-FFF2-40B4-BE49-F238E27FC236}">
-                <a16:creationId xmlns:a16="http://schemas.microsoft.com/office/drawing/2014/main" id="{53B1341B-0CCA-C5E8-E706-525ABBA8C966}"/>
-              </a:ext>
-            </a:extLst>
-          </p:cNvPr>
-          <p:cNvSpPr/>
-          <p:nvPr/>
-        </p:nvSpPr>
-        <p:spPr>
-          <a:xfrm>
-            <a:off x="7604780" y="3832241"/>
-            <a:ext cx="1312837" cy="336855"/>
-          </a:xfrm>
-          <a:prstGeom prst="roundRect">
-            <a:avLst/>
-          </a:prstGeom>
-          <a:solidFill>
-            <a:schemeClr val="tx1"/>
-          </a:solidFill>
-          <a:ln w="19050">
-            <a:solidFill>
-              <a:schemeClr val="tx1"/>
-            </a:solidFill>
-          </a:ln>
-        </p:spPr>
-        <p:style>
-          <a:lnRef idx="2">
-            <a:schemeClr val="accent1">
-              <a:shade val="50000"/>
-            </a:schemeClr>
-          </a:lnRef>
-          <a:fillRef idx="1">
-            <a:schemeClr val="accent1"/>
-          </a:fillRef>
-          <a:effectRef idx="0">
-            <a:schemeClr val="accent1"/>
-          </a:effectRef>
-          <a:fontRef idx="minor">
-            <a:schemeClr val="lt1"/>
-          </a:fontRef>
-        </p:style>
-        <p:txBody>
-          <a:bodyPr rtlCol="0" anchor="ctr"/>
-          <a:lstStyle/>
-          <a:p>
-            <a:pPr algn="ctr"/>
-            <a:r>
-              <a:rPr lang="en-US" altLang="ko-KR" sz="1600" b="1" dirty="0"/>
-              <a:t>GND</a:t>
-            </a:r>
-            <a:endParaRPr lang="ko-KR" altLang="en-US" sz="1600" b="1" dirty="0"/>
-          </a:p>
-        </p:txBody>
-      </p:sp>
-      <p:sp>
-        <p:nvSpPr>
-          <p:cNvPr id="42" name="TextBox 41">
-            <a:extLst>
-              <a:ext uri="{FF2B5EF4-FFF2-40B4-BE49-F238E27FC236}">
-                <a16:creationId xmlns:a16="http://schemas.microsoft.com/office/drawing/2014/main" id="{439052E4-3921-C7CB-B62B-290349385DB9}"/>
+            <a:endParaRPr lang="ko-KR" altLang="en-US"/>
+          </a:p>
+        </p:txBody>
+      </p:sp>
+      <p:sp>
+        <p:nvSpPr>
+          <p:cNvPr id="39" name="TextBox 38">
+            <a:extLst>
+              <a:ext uri="{FF2B5EF4-FFF2-40B4-BE49-F238E27FC236}">
+                <a16:creationId xmlns:a16="http://schemas.microsoft.com/office/drawing/2014/main" id="{EA3D2F79-8F17-FCE1-E825-1E77484800A6}"/>
               </a:ext>
             </a:extLst>
           </p:cNvPr>
@@ -3735,8 +3677,8 @@
         </p:nvSpPr>
         <p:spPr>
           <a:xfrm>
-            <a:off x="8051666" y="3118807"/>
-            <a:ext cx="419063" cy="369204"/>
+            <a:off x="5811098" y="3817558"/>
+            <a:ext cx="1173515" cy="646074"/>
           </a:xfrm>
           <a:prstGeom prst="rect">
             <a:avLst/>
@@ -3749,390 +3691,58 @@
           </a:bodyPr>
           <a:lstStyle/>
           <a:p>
+            <a:pPr algn="ctr"/>
             <a:r>
-              <a:rPr lang="en-US" altLang="ko-KR" b="1" dirty="0"/>
-              <a:t>J3</a:t>
-            </a:r>
-          </a:p>
-        </p:txBody>
-      </p:sp>
-      <p:sp>
-        <p:nvSpPr>
-          <p:cNvPr id="44" name="타원 43">
-            <a:extLst>
-              <a:ext uri="{FF2B5EF4-FFF2-40B4-BE49-F238E27FC236}">
-                <a16:creationId xmlns:a16="http://schemas.microsoft.com/office/drawing/2014/main" id="{A26381C6-DD03-14D7-76AC-48B1EDD55563}"/>
-              </a:ext>
-            </a:extLst>
-          </p:cNvPr>
-          <p:cNvSpPr/>
-          <p:nvPr/>
-        </p:nvSpPr>
-        <p:spPr>
-          <a:xfrm>
-            <a:off x="7555742" y="3604625"/>
-            <a:ext cx="113211" cy="110837"/>
-          </a:xfrm>
-          <a:prstGeom prst="ellipse">
-            <a:avLst/>
-          </a:prstGeom>
-          <a:solidFill>
-            <a:schemeClr val="tx1"/>
-          </a:solidFill>
-          <a:ln>
-            <a:noFill/>
-          </a:ln>
-        </p:spPr>
-        <p:style>
-          <a:lnRef idx="2">
-            <a:schemeClr val="accent1">
-              <a:shade val="50000"/>
-            </a:schemeClr>
-          </a:lnRef>
-          <a:fillRef idx="1">
-            <a:schemeClr val="accent1"/>
-          </a:fillRef>
-          <a:effectRef idx="0">
-            <a:schemeClr val="accent1"/>
-          </a:effectRef>
-          <a:fontRef idx="minor">
-            <a:schemeClr val="lt1"/>
-          </a:fontRef>
-        </p:style>
-        <p:txBody>
-          <a:bodyPr rtlCol="0" anchor="ctr"/>
-          <a:lstStyle/>
-          <a:p>
-            <a:pPr algn="ctr"/>
-            <a:endParaRPr lang="ko-KR" altLang="en-US"/>
-          </a:p>
-        </p:txBody>
-      </p:sp>
-      <p:sp>
-        <p:nvSpPr>
-          <p:cNvPr id="43" name="타원 42">
-            <a:extLst>
-              <a:ext uri="{FF2B5EF4-FFF2-40B4-BE49-F238E27FC236}">
-                <a16:creationId xmlns:a16="http://schemas.microsoft.com/office/drawing/2014/main" id="{C9E32706-7B05-E106-8ADA-45106F9BE202}"/>
-              </a:ext>
-            </a:extLst>
-          </p:cNvPr>
-          <p:cNvSpPr/>
-          <p:nvPr/>
-        </p:nvSpPr>
-        <p:spPr>
-          <a:xfrm>
-            <a:off x="7548173" y="3942193"/>
-            <a:ext cx="113211" cy="110837"/>
-          </a:xfrm>
-          <a:prstGeom prst="ellipse">
-            <a:avLst/>
-          </a:prstGeom>
-          <a:solidFill>
-            <a:schemeClr val="tx1"/>
-          </a:solidFill>
-          <a:ln>
-            <a:noFill/>
-          </a:ln>
-        </p:spPr>
-        <p:style>
-          <a:lnRef idx="2">
-            <a:schemeClr val="accent1">
-              <a:shade val="50000"/>
-            </a:schemeClr>
-          </a:lnRef>
-          <a:fillRef idx="1">
-            <a:schemeClr val="accent1"/>
-          </a:fillRef>
-          <a:effectRef idx="0">
-            <a:schemeClr val="accent1"/>
-          </a:effectRef>
-          <a:fontRef idx="minor">
-            <a:schemeClr val="lt1"/>
-          </a:fontRef>
-        </p:style>
-        <p:txBody>
-          <a:bodyPr rtlCol="0" anchor="ctr"/>
-          <a:lstStyle/>
-          <a:p>
-            <a:pPr algn="ctr"/>
-            <a:endParaRPr lang="ko-KR" altLang="en-US"/>
-          </a:p>
-        </p:txBody>
-      </p:sp>
-      <p:sp>
-        <p:nvSpPr>
-          <p:cNvPr id="40" name="사각형: 둥근 모서리 39">
-            <a:extLst>
-              <a:ext uri="{FF2B5EF4-FFF2-40B4-BE49-F238E27FC236}">
-                <a16:creationId xmlns:a16="http://schemas.microsoft.com/office/drawing/2014/main" id="{E92273FC-6447-B0F5-0689-D54321D274AD}"/>
-              </a:ext>
-            </a:extLst>
-          </p:cNvPr>
-          <p:cNvSpPr/>
-          <p:nvPr/>
-        </p:nvSpPr>
-        <p:spPr>
-          <a:xfrm>
-            <a:off x="7612348" y="3491498"/>
-            <a:ext cx="1312837" cy="336855"/>
-          </a:xfrm>
-          <a:prstGeom prst="roundRect">
-            <a:avLst/>
-          </a:prstGeom>
-          <a:solidFill>
-            <a:srgbClr val="0070C0"/>
-          </a:solidFill>
-          <a:ln w="19050">
-            <a:solidFill>
-              <a:schemeClr val="tx1"/>
-            </a:solidFill>
-          </a:ln>
-        </p:spPr>
-        <p:style>
-          <a:lnRef idx="2">
-            <a:schemeClr val="accent1">
-              <a:shade val="50000"/>
-            </a:schemeClr>
-          </a:lnRef>
-          <a:fillRef idx="1">
-            <a:schemeClr val="accent1"/>
-          </a:fillRef>
-          <a:effectRef idx="0">
-            <a:schemeClr val="accent1"/>
-          </a:effectRef>
-          <a:fontRef idx="minor">
-            <a:schemeClr val="lt1"/>
-          </a:fontRef>
-        </p:style>
-        <p:txBody>
-          <a:bodyPr rtlCol="0" anchor="ctr"/>
-          <a:lstStyle/>
-          <a:p>
-            <a:pPr algn="ctr"/>
-            <a:endParaRPr lang="ko-KR" altLang="en-US"/>
-          </a:p>
-        </p:txBody>
-      </p:sp>
-      <p:sp>
-        <p:nvSpPr>
-          <p:cNvPr id="41" name="TextBox 40">
-            <a:extLst>
-              <a:ext uri="{FF2B5EF4-FFF2-40B4-BE49-F238E27FC236}">
-                <a16:creationId xmlns:a16="http://schemas.microsoft.com/office/drawing/2014/main" id="{F5593B4C-8777-C6EF-6EA4-C7E96C89EB48}"/>
-              </a:ext>
-            </a:extLst>
-          </p:cNvPr>
-          <p:cNvSpPr txBox="1"/>
-          <p:nvPr/>
-        </p:nvSpPr>
-        <p:spPr>
-          <a:xfrm>
-            <a:off x="7561990" y="3487610"/>
-            <a:ext cx="1462590" cy="338554"/>
-          </a:xfrm>
-          <a:prstGeom prst="rect">
-            <a:avLst/>
-          </a:prstGeom>
-          <a:noFill/>
-        </p:spPr>
-        <p:txBody>
-          <a:bodyPr wrap="square" rtlCol="0">
-            <a:spAutoFit/>
-          </a:bodyPr>
-          <a:lstStyle/>
-          <a:p>
-            <a:r>
-              <a:rPr lang="en-US" altLang="ko-KR" sz="1600" b="1" dirty="0">
+              <a:rPr lang="en-US" altLang="ko-KR" b="1" dirty="0">
                 <a:solidFill>
-                  <a:srgbClr val="FFFFFF"/>
+                  <a:schemeClr val="bg1"/>
                 </a:solidFill>
               </a:rPr>
-              <a:t>BOOT MODE</a:t>
+              <a:t>P2</a:t>
             </a:r>
-            <a:endParaRPr lang="ko-KR" altLang="en-US" sz="1600" b="1" dirty="0">
-              <a:solidFill>
-                <a:srgbClr val="FFFFFF"/>
-              </a:solidFill>
-            </a:endParaRPr>
-          </a:p>
-        </p:txBody>
-      </p:sp>
-      <p:sp>
-        <p:nvSpPr>
-          <p:cNvPr id="45" name="타원 44">
-            <a:extLst>
-              <a:ext uri="{FF2B5EF4-FFF2-40B4-BE49-F238E27FC236}">
-                <a16:creationId xmlns:a16="http://schemas.microsoft.com/office/drawing/2014/main" id="{DFCEA845-8600-98C0-EC94-43EB0F26A404}"/>
-              </a:ext>
-            </a:extLst>
-          </p:cNvPr>
-          <p:cNvSpPr/>
-          <p:nvPr/>
-        </p:nvSpPr>
-        <p:spPr>
-          <a:xfrm>
-            <a:off x="6760773" y="4774043"/>
-            <a:ext cx="113211" cy="110837"/>
-          </a:xfrm>
-          <a:prstGeom prst="ellipse">
-            <a:avLst/>
-          </a:prstGeom>
-          <a:solidFill>
-            <a:schemeClr val="tx1"/>
-          </a:solidFill>
-          <a:ln>
-            <a:noFill/>
-          </a:ln>
-        </p:spPr>
-        <p:style>
-          <a:lnRef idx="2">
-            <a:schemeClr val="accent1">
-              <a:shade val="50000"/>
-            </a:schemeClr>
-          </a:lnRef>
-          <a:fillRef idx="1">
-            <a:schemeClr val="accent1"/>
-          </a:fillRef>
-          <a:effectRef idx="0">
-            <a:schemeClr val="accent1"/>
-          </a:effectRef>
-          <a:fontRef idx="minor">
-            <a:schemeClr val="lt1"/>
-          </a:fontRef>
-        </p:style>
-        <p:txBody>
-          <a:bodyPr rtlCol="0" anchor="ctr"/>
-          <a:lstStyle/>
-          <a:p>
-            <a:pPr algn="ctr"/>
-            <a:endParaRPr lang="ko-KR" altLang="en-US"/>
-          </a:p>
-        </p:txBody>
-      </p:sp>
-      <p:sp>
-        <p:nvSpPr>
-          <p:cNvPr id="46" name="타원 45">
-            <a:extLst>
-              <a:ext uri="{FF2B5EF4-FFF2-40B4-BE49-F238E27FC236}">
-                <a16:creationId xmlns:a16="http://schemas.microsoft.com/office/drawing/2014/main" id="{EA9A3E1E-061E-DED1-54AC-49693236E0BE}"/>
-              </a:ext>
-            </a:extLst>
-          </p:cNvPr>
-          <p:cNvSpPr/>
-          <p:nvPr/>
-        </p:nvSpPr>
-        <p:spPr>
-          <a:xfrm>
-            <a:off x="6476717" y="4774042"/>
-            <a:ext cx="113211" cy="110837"/>
-          </a:xfrm>
-          <a:prstGeom prst="ellipse">
-            <a:avLst/>
-          </a:prstGeom>
-          <a:solidFill>
-            <a:schemeClr val="tx1"/>
-          </a:solidFill>
-          <a:ln>
-            <a:noFill/>
-          </a:ln>
-        </p:spPr>
-        <p:style>
-          <a:lnRef idx="2">
-            <a:schemeClr val="accent1">
-              <a:shade val="50000"/>
-            </a:schemeClr>
-          </a:lnRef>
-          <a:fillRef idx="1">
-            <a:schemeClr val="accent1"/>
-          </a:fillRef>
-          <a:effectRef idx="0">
-            <a:schemeClr val="accent1"/>
-          </a:effectRef>
-          <a:fontRef idx="minor">
-            <a:schemeClr val="lt1"/>
-          </a:fontRef>
-        </p:style>
-        <p:txBody>
-          <a:bodyPr rtlCol="0" anchor="ctr"/>
-          <a:lstStyle/>
-          <a:p>
-            <a:pPr algn="ctr"/>
-            <a:endParaRPr lang="ko-KR" altLang="en-US"/>
+          </a:p>
+          <a:p>
+            <a:pPr algn="ctr"/>
+            <a:r>
+              <a:rPr lang="en-US" altLang="ko-KR" b="1" dirty="0">
+                <a:solidFill>
+                  <a:schemeClr val="bg1"/>
+                </a:solidFill>
+              </a:rPr>
+              <a:t>DC Jack</a:t>
+            </a:r>
           </a:p>
         </p:txBody>
       </p:sp>
       <p:cxnSp>
         <p:nvCxnSpPr>
-          <p:cNvPr id="6" name="연결선: 꺾임 5">
-            <a:extLst>
-              <a:ext uri="{FF2B5EF4-FFF2-40B4-BE49-F238E27FC236}">
-                <a16:creationId xmlns:a16="http://schemas.microsoft.com/office/drawing/2014/main" id="{9C6CE40F-58E6-9046-1AFA-64026D0FB8A3}"/>
+          <p:cNvPr id="3" name="직선 화살표 연결선 2">
+            <a:extLst>
+              <a:ext uri="{FF2B5EF4-FFF2-40B4-BE49-F238E27FC236}">
+                <a16:creationId xmlns:a16="http://schemas.microsoft.com/office/drawing/2014/main" id="{8D71ADE7-6C75-857F-84B5-905D1BC2632E}"/>
               </a:ext>
             </a:extLst>
           </p:cNvPr>
           <p:cNvCxnSpPr>
-            <a:stCxn id="43" idx="2"/>
-            <a:endCxn id="45" idx="0"/>
+            <a:cxnSpLocks/>
+            <a:stCxn id="38" idx="3"/>
+            <a:endCxn id="11" idx="1"/>
           </p:cNvCxnSpPr>
           <p:nvPr/>
         </p:nvCxnSpPr>
         <p:spPr>
-          <a:xfrm rot="10800000" flipV="1">
-            <a:off x="6817379" y="3997611"/>
-            <a:ext cx="730794" cy="776431"/>
-          </a:xfrm>
-          <a:prstGeom prst="bentConnector2">
+          <a:xfrm>
+            <a:off x="7251568" y="4140595"/>
+            <a:ext cx="1416816" cy="0"/>
+          </a:xfrm>
+          <a:prstGeom prst="straightConnector1">
             <a:avLst/>
           </a:prstGeom>
           <a:ln w="28575">
             <a:solidFill>
-              <a:schemeClr val="tx1"/>
+              <a:srgbClr val="000000"/>
             </a:solidFill>
-          </a:ln>
-        </p:spPr>
-        <p:style>
-          <a:lnRef idx="1">
-            <a:schemeClr val="accent1"/>
-          </a:lnRef>
-          <a:fillRef idx="0">
-            <a:schemeClr val="accent1"/>
-          </a:fillRef>
-          <a:effectRef idx="0">
-            <a:schemeClr val="accent1"/>
-          </a:effectRef>
-          <a:fontRef idx="minor">
-            <a:schemeClr val="tx1"/>
-          </a:fontRef>
-        </p:style>
-      </p:cxnSp>
-      <p:cxnSp>
-        <p:nvCxnSpPr>
-          <p:cNvPr id="9" name="연결선: 꺾임 8">
-            <a:extLst>
-              <a:ext uri="{FF2B5EF4-FFF2-40B4-BE49-F238E27FC236}">
-                <a16:creationId xmlns:a16="http://schemas.microsoft.com/office/drawing/2014/main" id="{1524C78B-A189-2865-2C38-F48541359D50}"/>
-              </a:ext>
-            </a:extLst>
-          </p:cNvPr>
-          <p:cNvCxnSpPr>
-            <a:stCxn id="44" idx="2"/>
-            <a:endCxn id="46" idx="0"/>
-          </p:cNvCxnSpPr>
-          <p:nvPr/>
-        </p:nvCxnSpPr>
-        <p:spPr>
-          <a:xfrm rot="10800000" flipV="1">
-            <a:off x="6533324" y="3660044"/>
-            <a:ext cx="1022419" cy="1113998"/>
-          </a:xfrm>
-          <a:prstGeom prst="bentConnector2">
-            <a:avLst/>
-          </a:prstGeom>
-          <a:ln w="28575">
-            <a:solidFill>
-              <a:schemeClr val="tx1"/>
-            </a:solidFill>
+            <a:tailEnd type="triangle"/>
           </a:ln>
         </p:spPr>
         <p:style>
@@ -4153,7 +3763,7 @@
     </p:spTree>
     <p:extLst>
       <p:ext uri="{BB962C8B-B14F-4D97-AF65-F5344CB8AC3E}">
-        <p14:creationId xmlns:p14="http://schemas.microsoft.com/office/powerpoint/2010/main" val="3992388690"/>
+        <p14:creationId xmlns:p14="http://schemas.microsoft.com/office/powerpoint/2010/main" val="295729940"/>
       </p:ext>
     </p:extLst>
   </p:cSld>
@@ -4256,18 +3866,18 @@
           <a:p>
             <a:r>
               <a:rPr lang="en-US" altLang="ko-KR" dirty="0"/>
-              <a:t>WIZ510SR-RP (J4-Pinmap)</a:t>
+              <a:t>WIZ510SR-RP (J3-Pinmap)</a:t>
             </a:r>
             <a:endParaRPr lang="ko-KR" altLang="en-US" dirty="0"/>
           </a:p>
         </p:txBody>
       </p:sp>
-      <p:sp>
-        <p:nvSpPr>
-          <p:cNvPr id="25" name="사각형: 둥근 모서리 24">
-            <a:extLst>
-              <a:ext uri="{FF2B5EF4-FFF2-40B4-BE49-F238E27FC236}">
-                <a16:creationId xmlns:a16="http://schemas.microsoft.com/office/drawing/2014/main" id="{A2951857-BB48-36DD-9C67-69733BFF2192}"/>
+      <p:sp useBgFill="1">
+        <p:nvSpPr>
+          <p:cNvPr id="36" name="사각형: 둥근 모서리 35">
+            <a:extLst>
+              <a:ext uri="{FF2B5EF4-FFF2-40B4-BE49-F238E27FC236}">
+                <a16:creationId xmlns:a16="http://schemas.microsoft.com/office/drawing/2014/main" id="{3A3EC4F5-22D8-1A1A-8B24-C87BCED8E94E}"/>
               </a:ext>
             </a:extLst>
           </p:cNvPr>
@@ -4276,7 +3886,58 @@
         </p:nvSpPr>
         <p:spPr>
           <a:xfrm>
-            <a:off x="7156399" y="2692173"/>
+            <a:off x="6321212" y="4675655"/>
+            <a:ext cx="723617" cy="358342"/>
+          </a:xfrm>
+          <a:prstGeom prst="roundRect">
+            <a:avLst/>
+          </a:prstGeom>
+          <a:ln w="28575">
+            <a:solidFill>
+              <a:schemeClr val="tx1"/>
+            </a:solidFill>
+          </a:ln>
+        </p:spPr>
+        <p:style>
+          <a:lnRef idx="2">
+            <a:schemeClr val="accent1">
+              <a:shade val="50000"/>
+            </a:schemeClr>
+          </a:lnRef>
+          <a:fillRef idx="1">
+            <a:schemeClr val="accent1"/>
+          </a:fillRef>
+          <a:effectRef idx="0">
+            <a:schemeClr val="accent1"/>
+          </a:effectRef>
+          <a:fontRef idx="minor">
+            <a:schemeClr val="lt1"/>
+          </a:fontRef>
+        </p:style>
+        <p:txBody>
+          <a:bodyPr rtlCol="0" anchor="ctr"/>
+          <a:lstStyle/>
+          <a:p>
+            <a:pPr algn="ctr"/>
+            <a:endParaRPr lang="ko-KR" altLang="en-US"/>
+          </a:p>
+        </p:txBody>
+      </p:sp>
+      <p:sp>
+        <p:nvSpPr>
+          <p:cNvPr id="38" name="사각형: 둥근 모서리 37">
+            <a:extLst>
+              <a:ext uri="{FF2B5EF4-FFF2-40B4-BE49-F238E27FC236}">
+                <a16:creationId xmlns:a16="http://schemas.microsoft.com/office/drawing/2014/main" id="{06DFAE69-637C-B585-BF7C-63D97974F7A2}"/>
+              </a:ext>
+            </a:extLst>
+          </p:cNvPr>
+          <p:cNvSpPr/>
+          <p:nvPr/>
+        </p:nvSpPr>
+        <p:spPr>
+          <a:xfrm>
+            <a:off x="7476283" y="3167139"/>
             <a:ext cx="1584960" cy="1161133"/>
           </a:xfrm>
           <a:prstGeom prst="roundRect">
@@ -4322,10 +3983,10 @@
       </p:sp>
       <p:sp>
         <p:nvSpPr>
-          <p:cNvPr id="26" name="타원 25">
-            <a:extLst>
-              <a:ext uri="{FF2B5EF4-FFF2-40B4-BE49-F238E27FC236}">
-                <a16:creationId xmlns:a16="http://schemas.microsoft.com/office/drawing/2014/main" id="{3FC35C82-D842-3C16-3005-2BA109DD0E61}"/>
+          <p:cNvPr id="39" name="사각형: 둥근 모서리 38">
+            <a:extLst>
+              <a:ext uri="{FF2B5EF4-FFF2-40B4-BE49-F238E27FC236}">
+                <a16:creationId xmlns:a16="http://schemas.microsoft.com/office/drawing/2014/main" id="{53B1341B-0CCA-C5E8-E706-525ABBA8C966}"/>
               </a:ext>
             </a:extLst>
           </p:cNvPr>
@@ -4334,7 +3995,100 @@
         </p:nvSpPr>
         <p:spPr>
           <a:xfrm>
-            <a:off x="7230427" y="3509839"/>
+            <a:off x="7604780" y="3832241"/>
+            <a:ext cx="1312837" cy="336855"/>
+          </a:xfrm>
+          <a:prstGeom prst="roundRect">
+            <a:avLst/>
+          </a:prstGeom>
+          <a:solidFill>
+            <a:schemeClr val="tx1"/>
+          </a:solidFill>
+          <a:ln w="19050">
+            <a:solidFill>
+              <a:schemeClr val="tx1"/>
+            </a:solidFill>
+          </a:ln>
+        </p:spPr>
+        <p:style>
+          <a:lnRef idx="2">
+            <a:schemeClr val="accent1">
+              <a:shade val="50000"/>
+            </a:schemeClr>
+          </a:lnRef>
+          <a:fillRef idx="1">
+            <a:schemeClr val="accent1"/>
+          </a:fillRef>
+          <a:effectRef idx="0">
+            <a:schemeClr val="accent1"/>
+          </a:effectRef>
+          <a:fontRef idx="minor">
+            <a:schemeClr val="lt1"/>
+          </a:fontRef>
+        </p:style>
+        <p:txBody>
+          <a:bodyPr rtlCol="0" anchor="ctr"/>
+          <a:lstStyle/>
+          <a:p>
+            <a:pPr algn="ctr"/>
+            <a:r>
+              <a:rPr lang="en-US" altLang="ko-KR" sz="1600" b="1" dirty="0"/>
+              <a:t>GND</a:t>
+            </a:r>
+            <a:endParaRPr lang="ko-KR" altLang="en-US" sz="1600" b="1" dirty="0"/>
+          </a:p>
+        </p:txBody>
+      </p:sp>
+      <p:sp>
+        <p:nvSpPr>
+          <p:cNvPr id="42" name="TextBox 41">
+            <a:extLst>
+              <a:ext uri="{FF2B5EF4-FFF2-40B4-BE49-F238E27FC236}">
+                <a16:creationId xmlns:a16="http://schemas.microsoft.com/office/drawing/2014/main" id="{439052E4-3921-C7CB-B62B-290349385DB9}"/>
+              </a:ext>
+            </a:extLst>
+          </p:cNvPr>
+          <p:cNvSpPr txBox="1"/>
+          <p:nvPr/>
+        </p:nvSpPr>
+        <p:spPr>
+          <a:xfrm>
+            <a:off x="8051666" y="3118807"/>
+            <a:ext cx="419063" cy="369204"/>
+          </a:xfrm>
+          <a:prstGeom prst="rect">
+            <a:avLst/>
+          </a:prstGeom>
+          <a:noFill/>
+        </p:spPr>
+        <p:txBody>
+          <a:bodyPr wrap="square" rtlCol="0">
+            <a:spAutoFit/>
+          </a:bodyPr>
+          <a:lstStyle/>
+          <a:p>
+            <a:r>
+              <a:rPr lang="en-US" altLang="ko-KR" b="1" dirty="0"/>
+              <a:t>J3</a:t>
+            </a:r>
+          </a:p>
+        </p:txBody>
+      </p:sp>
+      <p:sp>
+        <p:nvSpPr>
+          <p:cNvPr id="44" name="타원 43">
+            <a:extLst>
+              <a:ext uri="{FF2B5EF4-FFF2-40B4-BE49-F238E27FC236}">
+                <a16:creationId xmlns:a16="http://schemas.microsoft.com/office/drawing/2014/main" id="{A26381C6-DD03-14D7-76AC-48B1EDD55563}"/>
+              </a:ext>
+            </a:extLst>
+          </p:cNvPr>
+          <p:cNvSpPr/>
+          <p:nvPr/>
+        </p:nvSpPr>
+        <p:spPr>
+          <a:xfrm>
+            <a:off x="7555742" y="3604625"/>
             <a:ext cx="113211" cy="110837"/>
           </a:xfrm>
           <a:prstGeom prst="ellipse">
@@ -4374,10 +4128,10 @@
       </p:sp>
       <p:sp>
         <p:nvSpPr>
-          <p:cNvPr id="27" name="사각형: 둥근 모서리 26">
-            <a:extLst>
-              <a:ext uri="{FF2B5EF4-FFF2-40B4-BE49-F238E27FC236}">
-                <a16:creationId xmlns:a16="http://schemas.microsoft.com/office/drawing/2014/main" id="{9CFAF972-E0A6-E487-79D2-D296D42C067C}"/>
+          <p:cNvPr id="43" name="타원 42">
+            <a:extLst>
+              <a:ext uri="{FF2B5EF4-FFF2-40B4-BE49-F238E27FC236}">
+                <a16:creationId xmlns:a16="http://schemas.microsoft.com/office/drawing/2014/main" id="{C9E32706-7B05-E106-8ADA-45106F9BE202}"/>
               </a:ext>
             </a:extLst>
           </p:cNvPr>
@@ -4386,140 +4140,7 @@
         </p:nvSpPr>
         <p:spPr>
           <a:xfrm>
-            <a:off x="7292466" y="3395645"/>
-            <a:ext cx="1312837" cy="336855"/>
-          </a:xfrm>
-          <a:prstGeom prst="roundRect">
-            <a:avLst/>
-          </a:prstGeom>
-          <a:solidFill>
-            <a:srgbClr val="000000"/>
-          </a:solidFill>
-          <a:ln w="19050">
-            <a:solidFill>
-              <a:schemeClr val="tx1"/>
-            </a:solidFill>
-          </a:ln>
-        </p:spPr>
-        <p:style>
-          <a:lnRef idx="2">
-            <a:schemeClr val="accent1">
-              <a:shade val="50000"/>
-            </a:schemeClr>
-          </a:lnRef>
-          <a:fillRef idx="1">
-            <a:schemeClr val="accent1"/>
-          </a:fillRef>
-          <a:effectRef idx="0">
-            <a:schemeClr val="accent1"/>
-          </a:effectRef>
-          <a:fontRef idx="minor">
-            <a:schemeClr val="lt1"/>
-          </a:fontRef>
-        </p:style>
-        <p:txBody>
-          <a:bodyPr rtlCol="0" anchor="ctr"/>
-          <a:lstStyle/>
-          <a:p>
-            <a:pPr algn="ctr"/>
-            <a:endParaRPr lang="ko-KR" altLang="en-US"/>
-          </a:p>
-        </p:txBody>
-      </p:sp>
-      <p:sp>
-        <p:nvSpPr>
-          <p:cNvPr id="28" name="TextBox 27">
-            <a:extLst>
-              <a:ext uri="{FF2B5EF4-FFF2-40B4-BE49-F238E27FC236}">
-                <a16:creationId xmlns:a16="http://schemas.microsoft.com/office/drawing/2014/main" id="{E9AAFCE8-7683-91D4-A222-37D1A1BD3126}"/>
-              </a:ext>
-            </a:extLst>
-          </p:cNvPr>
-          <p:cNvSpPr txBox="1"/>
-          <p:nvPr/>
-        </p:nvSpPr>
-        <p:spPr>
-          <a:xfrm>
-            <a:off x="7629948" y="3371154"/>
-            <a:ext cx="647934" cy="338554"/>
-          </a:xfrm>
-          <a:prstGeom prst="rect">
-            <a:avLst/>
-          </a:prstGeom>
-          <a:noFill/>
-        </p:spPr>
-        <p:txBody>
-          <a:bodyPr wrap="none" rtlCol="0">
-            <a:spAutoFit/>
-          </a:bodyPr>
-          <a:lstStyle/>
-          <a:p>
-            <a:r>
-              <a:rPr lang="en-US" altLang="ko-KR" sz="1600" b="1" dirty="0">
-                <a:solidFill>
-                  <a:srgbClr val="FFFFFF"/>
-                </a:solidFill>
-              </a:rPr>
-              <a:t>GND</a:t>
-            </a:r>
-            <a:endParaRPr lang="ko-KR" altLang="en-US" sz="1600" b="1" dirty="0">
-              <a:solidFill>
-                <a:srgbClr val="FFFFFF"/>
-              </a:solidFill>
-            </a:endParaRPr>
-          </a:p>
-        </p:txBody>
-      </p:sp>
-      <p:sp>
-        <p:nvSpPr>
-          <p:cNvPr id="29" name="TextBox 28">
-            <a:extLst>
-              <a:ext uri="{FF2B5EF4-FFF2-40B4-BE49-F238E27FC236}">
-                <a16:creationId xmlns:a16="http://schemas.microsoft.com/office/drawing/2014/main" id="{A0F27950-60C5-8223-C197-3C9525254CC5}"/>
-              </a:ext>
-            </a:extLst>
-          </p:cNvPr>
-          <p:cNvSpPr txBox="1"/>
-          <p:nvPr/>
-        </p:nvSpPr>
-        <p:spPr>
-          <a:xfrm>
-            <a:off x="7746665" y="2676446"/>
-            <a:ext cx="531223" cy="369204"/>
-          </a:xfrm>
-          <a:prstGeom prst="rect">
-            <a:avLst/>
-          </a:prstGeom>
-          <a:noFill/>
-        </p:spPr>
-        <p:txBody>
-          <a:bodyPr wrap="square" rtlCol="0">
-            <a:spAutoFit/>
-          </a:bodyPr>
-          <a:lstStyle/>
-          <a:p>
-            <a:r>
-              <a:rPr lang="en-US" altLang="ko-KR" b="1" dirty="0"/>
-              <a:t>J4</a:t>
-            </a:r>
-          </a:p>
-        </p:txBody>
-      </p:sp>
-      <p:sp>
-        <p:nvSpPr>
-          <p:cNvPr id="30" name="타원 29">
-            <a:extLst>
-              <a:ext uri="{FF2B5EF4-FFF2-40B4-BE49-F238E27FC236}">
-                <a16:creationId xmlns:a16="http://schemas.microsoft.com/office/drawing/2014/main" id="{F0880C41-596A-5395-5DB7-E6626D6D20EC}"/>
-              </a:ext>
-            </a:extLst>
-          </p:cNvPr>
-          <p:cNvSpPr/>
-          <p:nvPr/>
-        </p:nvSpPr>
-        <p:spPr>
-          <a:xfrm>
-            <a:off x="7230426" y="3169964"/>
+            <a:off x="7548173" y="3942193"/>
             <a:ext cx="113211" cy="110837"/>
           </a:xfrm>
           <a:prstGeom prst="ellipse">
@@ -4559,10 +4180,10 @@
       </p:sp>
       <p:sp>
         <p:nvSpPr>
-          <p:cNvPr id="31" name="사각형: 둥근 모서리 30">
-            <a:extLst>
-              <a:ext uri="{FF2B5EF4-FFF2-40B4-BE49-F238E27FC236}">
-                <a16:creationId xmlns:a16="http://schemas.microsoft.com/office/drawing/2014/main" id="{90E58D9F-0416-4F88-3C51-1DC1C03EEFF0}"/>
+          <p:cNvPr id="40" name="사각형: 둥근 모서리 39">
+            <a:extLst>
+              <a:ext uri="{FF2B5EF4-FFF2-40B4-BE49-F238E27FC236}">
+                <a16:creationId xmlns:a16="http://schemas.microsoft.com/office/drawing/2014/main" id="{E92273FC-6447-B0F5-0689-D54321D274AD}"/>
               </a:ext>
             </a:extLst>
           </p:cNvPr>
@@ -4571,8 +4192,8 @@
         </p:nvSpPr>
         <p:spPr>
           <a:xfrm>
-            <a:off x="7292461" y="3051522"/>
-            <a:ext cx="1312836" cy="336855"/>
+            <a:off x="7612348" y="3491498"/>
+            <a:ext cx="1312837" cy="336855"/>
           </a:xfrm>
           <a:prstGeom prst="roundRect">
             <a:avLst/>
@@ -4607,16 +4228,16 @@
           <a:lstStyle/>
           <a:p>
             <a:pPr algn="ctr"/>
-            <a:endParaRPr lang="ko-KR" altLang="en-US" sz="1600" b="1" dirty="0"/>
-          </a:p>
-        </p:txBody>
-      </p:sp>
-      <p:sp>
-        <p:nvSpPr>
-          <p:cNvPr id="32" name="TextBox 31">
-            <a:extLst>
-              <a:ext uri="{FF2B5EF4-FFF2-40B4-BE49-F238E27FC236}">
-                <a16:creationId xmlns:a16="http://schemas.microsoft.com/office/drawing/2014/main" id="{8B59D8B9-D4DB-8F46-D83C-A3E9463A9F35}"/>
+            <a:endParaRPr lang="ko-KR" altLang="en-US"/>
+          </a:p>
+        </p:txBody>
+      </p:sp>
+      <p:sp>
+        <p:nvSpPr>
+          <p:cNvPr id="41" name="TextBox 40">
+            <a:extLst>
+              <a:ext uri="{FF2B5EF4-FFF2-40B4-BE49-F238E27FC236}">
+                <a16:creationId xmlns:a16="http://schemas.microsoft.com/office/drawing/2014/main" id="{F5593B4C-8777-C6EF-6EA4-C7E96C89EB48}"/>
               </a:ext>
             </a:extLst>
           </p:cNvPr>
@@ -4625,8 +4246,8 @@
         </p:nvSpPr>
         <p:spPr>
           <a:xfrm>
-            <a:off x="7408505" y="3051923"/>
-            <a:ext cx="1114792" cy="338554"/>
+            <a:off x="7561990" y="3487610"/>
+            <a:ext cx="1462590" cy="338554"/>
           </a:xfrm>
           <a:prstGeom prst="rect">
             <a:avLst/>
@@ -4634,7 +4255,7 @@
           <a:noFill/>
         </p:spPr>
         <p:txBody>
-          <a:bodyPr wrap="none" rtlCol="0">
+          <a:bodyPr wrap="square" rtlCol="0">
             <a:spAutoFit/>
           </a:bodyPr>
           <a:lstStyle/>
@@ -4645,7 +4266,7 @@
                   <a:srgbClr val="FFFFFF"/>
                 </a:solidFill>
               </a:rPr>
-              <a:t>FACT RST</a:t>
+              <a:t>BOOT MODE</a:t>
             </a:r>
             <a:endParaRPr lang="ko-KR" altLang="en-US" sz="1600" b="1" dirty="0">
               <a:solidFill>
@@ -4655,12 +4276,12 @@
           </a:p>
         </p:txBody>
       </p:sp>
-      <p:sp useBgFill="1">
-        <p:nvSpPr>
-          <p:cNvPr id="33" name="사각형: 둥근 모서리 32">
-            <a:extLst>
-              <a:ext uri="{FF2B5EF4-FFF2-40B4-BE49-F238E27FC236}">
-                <a16:creationId xmlns:a16="http://schemas.microsoft.com/office/drawing/2014/main" id="{28BF1FC3-C57B-9BCD-4B94-9C641E71525D}"/>
+      <p:sp>
+        <p:nvSpPr>
+          <p:cNvPr id="45" name="타원 44">
+            <a:extLst>
+              <a:ext uri="{FF2B5EF4-FFF2-40B4-BE49-F238E27FC236}">
+                <a16:creationId xmlns:a16="http://schemas.microsoft.com/office/drawing/2014/main" id="{DFCEA845-8600-98C0-EC94-43EB0F26A404}"/>
               </a:ext>
             </a:extLst>
           </p:cNvPr>
@@ -4669,58 +4290,7 @@
         </p:nvSpPr>
         <p:spPr>
           <a:xfrm>
-            <a:off x="6313592" y="4332755"/>
-            <a:ext cx="723617" cy="358342"/>
-          </a:xfrm>
-          <a:prstGeom prst="roundRect">
-            <a:avLst/>
-          </a:prstGeom>
-          <a:ln w="28575">
-            <a:solidFill>
-              <a:schemeClr val="tx1"/>
-            </a:solidFill>
-          </a:ln>
-        </p:spPr>
-        <p:style>
-          <a:lnRef idx="2">
-            <a:schemeClr val="accent1">
-              <a:shade val="50000"/>
-            </a:schemeClr>
-          </a:lnRef>
-          <a:fillRef idx="1">
-            <a:schemeClr val="accent1"/>
-          </a:fillRef>
-          <a:effectRef idx="0">
-            <a:schemeClr val="accent1"/>
-          </a:effectRef>
-          <a:fontRef idx="minor">
-            <a:schemeClr val="lt1"/>
-          </a:fontRef>
-        </p:style>
-        <p:txBody>
-          <a:bodyPr rtlCol="0" anchor="ctr"/>
-          <a:lstStyle/>
-          <a:p>
-            <a:pPr algn="ctr"/>
-            <a:endParaRPr lang="ko-KR" altLang="en-US"/>
-          </a:p>
-        </p:txBody>
-      </p:sp>
-      <p:sp>
-        <p:nvSpPr>
-          <p:cNvPr id="35" name="타원 34">
-            <a:extLst>
-              <a:ext uri="{FF2B5EF4-FFF2-40B4-BE49-F238E27FC236}">
-                <a16:creationId xmlns:a16="http://schemas.microsoft.com/office/drawing/2014/main" id="{74BB3254-1941-8351-FE72-131645AEEF58}"/>
-              </a:ext>
-            </a:extLst>
-          </p:cNvPr>
-          <p:cNvSpPr/>
-          <p:nvPr/>
-        </p:nvSpPr>
-        <p:spPr>
-          <a:xfrm>
-            <a:off x="6758939" y="4439838"/>
+            <a:off x="6760773" y="4774043"/>
             <a:ext cx="113211" cy="110837"/>
           </a:xfrm>
           <a:prstGeom prst="ellipse">
@@ -4760,10 +4330,10 @@
       </p:sp>
       <p:sp>
         <p:nvSpPr>
-          <p:cNvPr id="37" name="타원 36">
-            <a:extLst>
-              <a:ext uri="{FF2B5EF4-FFF2-40B4-BE49-F238E27FC236}">
-                <a16:creationId xmlns:a16="http://schemas.microsoft.com/office/drawing/2014/main" id="{794AB586-5F72-DA02-CC1E-C3190A8709F7}"/>
+          <p:cNvPr id="46" name="타원 45">
+            <a:extLst>
+              <a:ext uri="{FF2B5EF4-FFF2-40B4-BE49-F238E27FC236}">
+                <a16:creationId xmlns:a16="http://schemas.microsoft.com/office/drawing/2014/main" id="{EA9A3E1E-061E-DED1-54AC-49693236E0BE}"/>
               </a:ext>
             </a:extLst>
           </p:cNvPr>
@@ -4772,7 +4342,7 @@
         </p:nvSpPr>
         <p:spPr>
           <a:xfrm>
-            <a:off x="6461284" y="4439838"/>
+            <a:off x="6476717" y="4774042"/>
             <a:ext cx="113211" cy="110837"/>
           </a:xfrm>
           <a:prstGeom prst="ellipse">
@@ -4812,30 +4382,30 @@
       </p:sp>
       <p:cxnSp>
         <p:nvCxnSpPr>
-          <p:cNvPr id="3" name="연결선: 꺾임 2">
-            <a:extLst>
-              <a:ext uri="{FF2B5EF4-FFF2-40B4-BE49-F238E27FC236}">
-                <a16:creationId xmlns:a16="http://schemas.microsoft.com/office/drawing/2014/main" id="{A61408B4-F21F-6246-48FF-788C1550CF55}"/>
+          <p:cNvPr id="6" name="연결선: 꺾임 5">
+            <a:extLst>
+              <a:ext uri="{FF2B5EF4-FFF2-40B4-BE49-F238E27FC236}">
+                <a16:creationId xmlns:a16="http://schemas.microsoft.com/office/drawing/2014/main" id="{9C6CE40F-58E6-9046-1AFA-64026D0FB8A3}"/>
               </a:ext>
             </a:extLst>
           </p:cNvPr>
           <p:cNvCxnSpPr>
-            <a:stCxn id="26" idx="2"/>
-            <a:endCxn id="35" idx="0"/>
+            <a:stCxn id="43" idx="2"/>
+            <a:endCxn id="45" idx="0"/>
           </p:cNvCxnSpPr>
           <p:nvPr/>
         </p:nvCxnSpPr>
         <p:spPr>
           <a:xfrm rot="10800000" flipV="1">
-            <a:off x="6815545" y="3565258"/>
-            <a:ext cx="414882" cy="874580"/>
+            <a:off x="6817379" y="3997611"/>
+            <a:ext cx="730794" cy="776431"/>
           </a:xfrm>
           <a:prstGeom prst="bentConnector2">
             <a:avLst/>
           </a:prstGeom>
           <a:ln w="28575">
             <a:solidFill>
-              <a:srgbClr val="000000"/>
+              <a:schemeClr val="tx1"/>
             </a:solidFill>
           </a:ln>
         </p:spPr>
@@ -4856,30 +4426,30 @@
       </p:cxnSp>
       <p:cxnSp>
         <p:nvCxnSpPr>
-          <p:cNvPr id="5" name="연결선: 꺾임 4">
-            <a:extLst>
-              <a:ext uri="{FF2B5EF4-FFF2-40B4-BE49-F238E27FC236}">
-                <a16:creationId xmlns:a16="http://schemas.microsoft.com/office/drawing/2014/main" id="{98B43EAA-9E99-781F-60DF-7011A4CCA2D8}"/>
+          <p:cNvPr id="9" name="연결선: 꺾임 8">
+            <a:extLst>
+              <a:ext uri="{FF2B5EF4-FFF2-40B4-BE49-F238E27FC236}">
+                <a16:creationId xmlns:a16="http://schemas.microsoft.com/office/drawing/2014/main" id="{1524C78B-A189-2865-2C38-F48541359D50}"/>
               </a:ext>
             </a:extLst>
           </p:cNvPr>
           <p:cNvCxnSpPr>
-            <a:stCxn id="30" idx="2"/>
-            <a:endCxn id="37" idx="0"/>
+            <a:stCxn id="44" idx="2"/>
+            <a:endCxn id="46" idx="0"/>
           </p:cNvCxnSpPr>
           <p:nvPr/>
         </p:nvCxnSpPr>
         <p:spPr>
           <a:xfrm rot="10800000" flipV="1">
-            <a:off x="6517890" y="3225382"/>
-            <a:ext cx="712536" cy="1214455"/>
+            <a:off x="6533324" y="3660044"/>
+            <a:ext cx="1022419" cy="1113998"/>
           </a:xfrm>
           <a:prstGeom prst="bentConnector2">
             <a:avLst/>
           </a:prstGeom>
           <a:ln w="28575">
             <a:solidFill>
-              <a:srgbClr val="000000"/>
+              <a:schemeClr val="tx1"/>
             </a:solidFill>
           </a:ln>
         </p:spPr>
@@ -4901,7 +4471,7 @@
     </p:spTree>
     <p:extLst>
       <p:ext uri="{BB962C8B-B14F-4D97-AF65-F5344CB8AC3E}">
-        <p14:creationId xmlns:p14="http://schemas.microsoft.com/office/powerpoint/2010/main" val="3886351633"/>
+        <p14:creationId xmlns:p14="http://schemas.microsoft.com/office/powerpoint/2010/main" val="3992388690"/>
       </p:ext>
     </p:extLst>
   </p:cSld>
@@ -5004,18 +4574,18 @@
           <a:p>
             <a:r>
               <a:rPr lang="en-US" altLang="ko-KR" dirty="0"/>
-              <a:t>WIZ510SR-RP (J5-Pinmap)</a:t>
+              <a:t>WIZ510SR-RP (J4-Pinmap)</a:t>
             </a:r>
             <a:endParaRPr lang="ko-KR" altLang="en-US" dirty="0"/>
           </a:p>
         </p:txBody>
       </p:sp>
-      <p:sp useBgFill="1">
-        <p:nvSpPr>
-          <p:cNvPr id="17" name="사각형: 둥근 모서리 16">
-            <a:extLst>
-              <a:ext uri="{FF2B5EF4-FFF2-40B4-BE49-F238E27FC236}">
-                <a16:creationId xmlns:a16="http://schemas.microsoft.com/office/drawing/2014/main" id="{70C8F0EF-AC4C-045A-0506-F6B5952F4A1C}"/>
+      <p:sp>
+        <p:nvSpPr>
+          <p:cNvPr id="25" name="사각형: 둥근 모서리 24">
+            <a:extLst>
+              <a:ext uri="{FF2B5EF4-FFF2-40B4-BE49-F238E27FC236}">
+                <a16:creationId xmlns:a16="http://schemas.microsoft.com/office/drawing/2014/main" id="{A2951857-BB48-36DD-9C67-69733BFF2192}"/>
               </a:ext>
             </a:extLst>
           </p:cNvPr>
@@ -5024,110 +4594,8 @@
         </p:nvSpPr>
         <p:spPr>
           <a:xfrm>
-            <a:off x="3922817" y="1114024"/>
-            <a:ext cx="1306408" cy="358342"/>
-          </a:xfrm>
-          <a:prstGeom prst="roundRect">
-            <a:avLst/>
-          </a:prstGeom>
-          <a:ln w="28575">
-            <a:solidFill>
-              <a:schemeClr val="tx1"/>
-            </a:solidFill>
-          </a:ln>
-        </p:spPr>
-        <p:style>
-          <a:lnRef idx="2">
-            <a:schemeClr val="accent1">
-              <a:shade val="50000"/>
-            </a:schemeClr>
-          </a:lnRef>
-          <a:fillRef idx="1">
-            <a:schemeClr val="accent1"/>
-          </a:fillRef>
-          <a:effectRef idx="0">
-            <a:schemeClr val="accent1"/>
-          </a:effectRef>
-          <a:fontRef idx="minor">
-            <a:schemeClr val="lt1"/>
-          </a:fontRef>
-        </p:style>
-        <p:txBody>
-          <a:bodyPr rtlCol="0" anchor="ctr"/>
-          <a:lstStyle/>
-          <a:p>
-            <a:pPr algn="ctr"/>
-            <a:endParaRPr lang="ko-KR" altLang="en-US"/>
-          </a:p>
-        </p:txBody>
-      </p:sp>
-      <p:sp useBgFill="1">
-        <p:nvSpPr>
-          <p:cNvPr id="18" name="사각형: 둥근 모서리 17">
-            <a:extLst>
-              <a:ext uri="{FF2B5EF4-FFF2-40B4-BE49-F238E27FC236}">
-                <a16:creationId xmlns:a16="http://schemas.microsoft.com/office/drawing/2014/main" id="{B5724221-334B-3167-9B8D-826A14606412}"/>
-              </a:ext>
-            </a:extLst>
-          </p:cNvPr>
-          <p:cNvSpPr/>
-          <p:nvPr/>
-        </p:nvSpPr>
-        <p:spPr>
-          <a:xfrm>
-            <a:off x="3904989" y="1099886"/>
-            <a:ext cx="1381114" cy="423657"/>
-          </a:xfrm>
-          <a:prstGeom prst="roundRect">
-            <a:avLst/>
-          </a:prstGeom>
-          <a:ln w="28575">
-            <a:solidFill>
-              <a:schemeClr val="tx1"/>
-            </a:solidFill>
-          </a:ln>
-        </p:spPr>
-        <p:style>
-          <a:lnRef idx="2">
-            <a:schemeClr val="accent1">
-              <a:shade val="50000"/>
-            </a:schemeClr>
-          </a:lnRef>
-          <a:fillRef idx="1">
-            <a:schemeClr val="accent1"/>
-          </a:fillRef>
-          <a:effectRef idx="0">
-            <a:schemeClr val="accent1"/>
-          </a:effectRef>
-          <a:fontRef idx="minor">
-            <a:schemeClr val="lt1"/>
-          </a:fontRef>
-        </p:style>
-        <p:txBody>
-          <a:bodyPr rtlCol="0" anchor="ctr"/>
-          <a:lstStyle/>
-          <a:p>
-            <a:pPr algn="ctr"/>
-            <a:endParaRPr lang="ko-KR" altLang="en-US"/>
-          </a:p>
-        </p:txBody>
-      </p:sp>
-      <p:sp>
-        <p:nvSpPr>
-          <p:cNvPr id="19" name="사각형: 둥근 모서리 18">
-            <a:extLst>
-              <a:ext uri="{FF2B5EF4-FFF2-40B4-BE49-F238E27FC236}">
-                <a16:creationId xmlns:a16="http://schemas.microsoft.com/office/drawing/2014/main" id="{03B96EF3-1A9D-FDE6-4673-D095ED14BB66}"/>
-              </a:ext>
-            </a:extLst>
-          </p:cNvPr>
-          <p:cNvSpPr/>
-          <p:nvPr/>
-        </p:nvSpPr>
-        <p:spPr>
-          <a:xfrm>
-            <a:off x="1823914" y="1091408"/>
-            <a:ext cx="1584960" cy="1848987"/>
+            <a:off x="7156399" y="2692173"/>
+            <a:ext cx="1584960" cy="1161133"/>
           </a:xfrm>
           <a:prstGeom prst="roundRect">
             <a:avLst/>
@@ -5166,20 +4634,16 @@
           <a:lstStyle/>
           <a:p>
             <a:pPr algn="ctr"/>
-            <a:r>
-              <a:rPr lang="en-US" altLang="ko-KR" dirty="0"/>
-              <a:t>J5</a:t>
-            </a:r>
             <a:endParaRPr lang="ko-KR" altLang="en-US" dirty="0"/>
           </a:p>
         </p:txBody>
       </p:sp>
       <p:sp>
         <p:nvSpPr>
-          <p:cNvPr id="20" name="사각형: 둥근 모서리 19">
-            <a:extLst>
-              <a:ext uri="{FF2B5EF4-FFF2-40B4-BE49-F238E27FC236}">
-                <a16:creationId xmlns:a16="http://schemas.microsoft.com/office/drawing/2014/main" id="{6084A3E5-3369-B4D3-4659-C08C65B00842}"/>
+          <p:cNvPr id="26" name="타원 25">
+            <a:extLst>
+              <a:ext uri="{FF2B5EF4-FFF2-40B4-BE49-F238E27FC236}">
+                <a16:creationId xmlns:a16="http://schemas.microsoft.com/office/drawing/2014/main" id="{3FC35C82-D842-3C16-3005-2BA109DD0E61}"/>
               </a:ext>
             </a:extLst>
           </p:cNvPr>
@@ -5188,14 +4652,66 @@
         </p:nvSpPr>
         <p:spPr>
           <a:xfrm>
-            <a:off x="1958418" y="2465553"/>
-            <a:ext cx="1312837" cy="336855"/>
-          </a:xfrm>
-          <a:prstGeom prst="roundRect">
+            <a:off x="7230427" y="3509839"/>
+            <a:ext cx="113211" cy="110837"/>
+          </a:xfrm>
+          <a:prstGeom prst="ellipse">
             <a:avLst/>
           </a:prstGeom>
           <a:solidFill>
             <a:schemeClr val="tx1"/>
+          </a:solidFill>
+          <a:ln>
+            <a:noFill/>
+          </a:ln>
+        </p:spPr>
+        <p:style>
+          <a:lnRef idx="2">
+            <a:schemeClr val="accent1">
+              <a:shade val="50000"/>
+            </a:schemeClr>
+          </a:lnRef>
+          <a:fillRef idx="1">
+            <a:schemeClr val="accent1"/>
+          </a:fillRef>
+          <a:effectRef idx="0">
+            <a:schemeClr val="accent1"/>
+          </a:effectRef>
+          <a:fontRef idx="minor">
+            <a:schemeClr val="lt1"/>
+          </a:fontRef>
+        </p:style>
+        <p:txBody>
+          <a:bodyPr rtlCol="0" anchor="ctr"/>
+          <a:lstStyle/>
+          <a:p>
+            <a:pPr algn="ctr"/>
+            <a:endParaRPr lang="ko-KR" altLang="en-US"/>
+          </a:p>
+        </p:txBody>
+      </p:sp>
+      <p:sp>
+        <p:nvSpPr>
+          <p:cNvPr id="27" name="사각형: 둥근 모서리 26">
+            <a:extLst>
+              <a:ext uri="{FF2B5EF4-FFF2-40B4-BE49-F238E27FC236}">
+                <a16:creationId xmlns:a16="http://schemas.microsoft.com/office/drawing/2014/main" id="{9CFAF972-E0A6-E487-79D2-D296D42C067C}"/>
+              </a:ext>
+            </a:extLst>
+          </p:cNvPr>
+          <p:cNvSpPr/>
+          <p:nvPr/>
+        </p:nvSpPr>
+        <p:spPr>
+          <a:xfrm>
+            <a:off x="7292466" y="3395645"/>
+            <a:ext cx="1312837" cy="336855"/>
+          </a:xfrm>
+          <a:prstGeom prst="roundRect">
+            <a:avLst/>
+          </a:prstGeom>
+          <a:solidFill>
+            <a:srgbClr val="000000"/>
           </a:solidFill>
           <a:ln w="19050">
             <a:solidFill>
@@ -5224,20 +4740,95 @@
           <a:lstStyle/>
           <a:p>
             <a:pPr algn="ctr"/>
+            <a:endParaRPr lang="ko-KR" altLang="en-US"/>
+          </a:p>
+        </p:txBody>
+      </p:sp>
+      <p:sp>
+        <p:nvSpPr>
+          <p:cNvPr id="28" name="TextBox 27">
+            <a:extLst>
+              <a:ext uri="{FF2B5EF4-FFF2-40B4-BE49-F238E27FC236}">
+                <a16:creationId xmlns:a16="http://schemas.microsoft.com/office/drawing/2014/main" id="{E9AAFCE8-7683-91D4-A222-37D1A1BD3126}"/>
+              </a:ext>
+            </a:extLst>
+          </p:cNvPr>
+          <p:cNvSpPr txBox="1"/>
+          <p:nvPr/>
+        </p:nvSpPr>
+        <p:spPr>
+          <a:xfrm>
+            <a:off x="7629948" y="3371154"/>
+            <a:ext cx="647934" cy="338554"/>
+          </a:xfrm>
+          <a:prstGeom prst="rect">
+            <a:avLst/>
+          </a:prstGeom>
+          <a:noFill/>
+        </p:spPr>
+        <p:txBody>
+          <a:bodyPr wrap="none" rtlCol="0">
+            <a:spAutoFit/>
+          </a:bodyPr>
+          <a:lstStyle/>
+          <a:p>
             <a:r>
-              <a:rPr lang="en-US" altLang="ko-KR" sz="1600" b="1" dirty="0"/>
+              <a:rPr lang="en-US" altLang="ko-KR" sz="1600" b="1" dirty="0">
+                <a:solidFill>
+                  <a:srgbClr val="FFFFFF"/>
+                </a:solidFill>
+              </a:rPr>
               <a:t>GND</a:t>
             </a:r>
-            <a:endParaRPr lang="ko-KR" altLang="en-US" sz="1600" b="1" dirty="0"/>
-          </a:p>
-        </p:txBody>
-      </p:sp>
-      <p:sp>
-        <p:nvSpPr>
-          <p:cNvPr id="21" name="타원 20">
-            <a:extLst>
-              <a:ext uri="{FF2B5EF4-FFF2-40B4-BE49-F238E27FC236}">
-                <a16:creationId xmlns:a16="http://schemas.microsoft.com/office/drawing/2014/main" id="{4CD84400-688D-F549-AE4C-7348E874AC5C}"/>
+            <a:endParaRPr lang="ko-KR" altLang="en-US" sz="1600" b="1" dirty="0">
+              <a:solidFill>
+                <a:srgbClr val="FFFFFF"/>
+              </a:solidFill>
+            </a:endParaRPr>
+          </a:p>
+        </p:txBody>
+      </p:sp>
+      <p:sp>
+        <p:nvSpPr>
+          <p:cNvPr id="29" name="TextBox 28">
+            <a:extLst>
+              <a:ext uri="{FF2B5EF4-FFF2-40B4-BE49-F238E27FC236}">
+                <a16:creationId xmlns:a16="http://schemas.microsoft.com/office/drawing/2014/main" id="{A0F27950-60C5-8223-C197-3C9525254CC5}"/>
+              </a:ext>
+            </a:extLst>
+          </p:cNvPr>
+          <p:cNvSpPr txBox="1"/>
+          <p:nvPr/>
+        </p:nvSpPr>
+        <p:spPr>
+          <a:xfrm>
+            <a:off x="7746665" y="2676446"/>
+            <a:ext cx="531223" cy="369204"/>
+          </a:xfrm>
+          <a:prstGeom prst="rect">
+            <a:avLst/>
+          </a:prstGeom>
+          <a:noFill/>
+        </p:spPr>
+        <p:txBody>
+          <a:bodyPr wrap="square" rtlCol="0">
+            <a:spAutoFit/>
+          </a:bodyPr>
+          <a:lstStyle/>
+          <a:p>
+            <a:r>
+              <a:rPr lang="en-US" altLang="ko-KR" b="1" dirty="0"/>
+              <a:t>J4</a:t>
+            </a:r>
+          </a:p>
+        </p:txBody>
+      </p:sp>
+      <p:sp>
+        <p:nvSpPr>
+          <p:cNvPr id="30" name="타원 29">
+            <a:extLst>
+              <a:ext uri="{FF2B5EF4-FFF2-40B4-BE49-F238E27FC236}">
+                <a16:creationId xmlns:a16="http://schemas.microsoft.com/office/drawing/2014/main" id="{F0880C41-596A-5395-5DB7-E6626D6D20EC}"/>
               </a:ext>
             </a:extLst>
           </p:cNvPr>
@@ -5246,7 +4837,7 @@
         </p:nvSpPr>
         <p:spPr>
           <a:xfrm>
-            <a:off x="3234978" y="1912005"/>
+            <a:off x="7230426" y="3169964"/>
             <a:ext cx="113211" cy="110837"/>
           </a:xfrm>
           <a:prstGeom prst="ellipse">
@@ -5286,10 +4877,10 @@
       </p:sp>
       <p:sp>
         <p:nvSpPr>
-          <p:cNvPr id="22" name="타원 21">
-            <a:extLst>
-              <a:ext uri="{FF2B5EF4-FFF2-40B4-BE49-F238E27FC236}">
-                <a16:creationId xmlns:a16="http://schemas.microsoft.com/office/drawing/2014/main" id="{2AD1643D-1C85-99E7-73FE-3B9B4D30D649}"/>
+          <p:cNvPr id="31" name="사각형: 둥근 모서리 30">
+            <a:extLst>
+              <a:ext uri="{FF2B5EF4-FFF2-40B4-BE49-F238E27FC236}">
+                <a16:creationId xmlns:a16="http://schemas.microsoft.com/office/drawing/2014/main" id="{90E58D9F-0416-4F88-3C51-1DC1C03EEFF0}"/>
               </a:ext>
             </a:extLst>
           </p:cNvPr>
@@ -5298,407 +4889,8 @@
         </p:nvSpPr>
         <p:spPr>
           <a:xfrm>
-            <a:off x="3234979" y="1571892"/>
-            <a:ext cx="113211" cy="110837"/>
-          </a:xfrm>
-          <a:prstGeom prst="ellipse">
-            <a:avLst/>
-          </a:prstGeom>
-          <a:solidFill>
-            <a:schemeClr val="tx1"/>
-          </a:solidFill>
-          <a:ln>
-            <a:noFill/>
-          </a:ln>
-        </p:spPr>
-        <p:style>
-          <a:lnRef idx="2">
-            <a:schemeClr val="accent1">
-              <a:shade val="50000"/>
-            </a:schemeClr>
-          </a:lnRef>
-          <a:fillRef idx="1">
-            <a:schemeClr val="accent1"/>
-          </a:fillRef>
-          <a:effectRef idx="0">
-            <a:schemeClr val="accent1"/>
-          </a:effectRef>
-          <a:fontRef idx="minor">
-            <a:schemeClr val="lt1"/>
-          </a:fontRef>
-        </p:style>
-        <p:txBody>
-          <a:bodyPr rtlCol="0" anchor="ctr"/>
-          <a:lstStyle/>
-          <a:p>
-            <a:pPr algn="ctr"/>
-            <a:endParaRPr lang="ko-KR" altLang="en-US"/>
-          </a:p>
-        </p:txBody>
-      </p:sp>
-      <p:sp>
-        <p:nvSpPr>
-          <p:cNvPr id="23" name="TextBox 22">
-            <a:extLst>
-              <a:ext uri="{FF2B5EF4-FFF2-40B4-BE49-F238E27FC236}">
-                <a16:creationId xmlns:a16="http://schemas.microsoft.com/office/drawing/2014/main" id="{D1BF6761-1A89-9C95-AEFC-AB9BBC9533BB}"/>
-              </a:ext>
-            </a:extLst>
-          </p:cNvPr>
-          <p:cNvSpPr txBox="1"/>
-          <p:nvPr/>
-        </p:nvSpPr>
-        <p:spPr>
-          <a:xfrm>
-            <a:off x="2447388" y="1096668"/>
-            <a:ext cx="531223" cy="369204"/>
-          </a:xfrm>
-          <a:prstGeom prst="rect">
-            <a:avLst/>
-          </a:prstGeom>
-          <a:noFill/>
-        </p:spPr>
-        <p:txBody>
-          <a:bodyPr wrap="square" rtlCol="0">
-            <a:spAutoFit/>
-          </a:bodyPr>
-          <a:lstStyle/>
-          <a:p>
-            <a:r>
-              <a:rPr lang="en-US" altLang="ko-KR" b="1" dirty="0"/>
-              <a:t>J5</a:t>
-            </a:r>
-          </a:p>
-        </p:txBody>
-      </p:sp>
-      <p:sp>
-        <p:nvSpPr>
-          <p:cNvPr id="24" name="타원 23">
-            <a:extLst>
-              <a:ext uri="{FF2B5EF4-FFF2-40B4-BE49-F238E27FC236}">
-                <a16:creationId xmlns:a16="http://schemas.microsoft.com/office/drawing/2014/main" id="{CAE95611-D8BF-2992-EF9B-923C8FA666CA}"/>
-              </a:ext>
-            </a:extLst>
-          </p:cNvPr>
-          <p:cNvSpPr/>
-          <p:nvPr/>
-        </p:nvSpPr>
-        <p:spPr>
-          <a:xfrm>
-            <a:off x="3231472" y="2247774"/>
-            <a:ext cx="113211" cy="110837"/>
-          </a:xfrm>
-          <a:prstGeom prst="ellipse">
-            <a:avLst/>
-          </a:prstGeom>
-          <a:solidFill>
-            <a:schemeClr val="tx1"/>
-          </a:solidFill>
-          <a:ln>
-            <a:noFill/>
-          </a:ln>
-        </p:spPr>
-        <p:style>
-          <a:lnRef idx="2">
-            <a:schemeClr val="accent1">
-              <a:shade val="50000"/>
-            </a:schemeClr>
-          </a:lnRef>
-          <a:fillRef idx="1">
-            <a:schemeClr val="accent1"/>
-          </a:fillRef>
-          <a:effectRef idx="0">
-            <a:schemeClr val="accent1"/>
-          </a:effectRef>
-          <a:fontRef idx="minor">
-            <a:schemeClr val="lt1"/>
-          </a:fontRef>
-        </p:style>
-        <p:txBody>
-          <a:bodyPr rtlCol="0" anchor="ctr"/>
-          <a:lstStyle/>
-          <a:p>
-            <a:pPr algn="ctr"/>
-            <a:endParaRPr lang="ko-KR" altLang="en-US"/>
-          </a:p>
-        </p:txBody>
-      </p:sp>
-      <p:sp>
-        <p:nvSpPr>
-          <p:cNvPr id="34" name="타원 33">
-            <a:extLst>
-              <a:ext uri="{FF2B5EF4-FFF2-40B4-BE49-F238E27FC236}">
-                <a16:creationId xmlns:a16="http://schemas.microsoft.com/office/drawing/2014/main" id="{9024467D-6948-85B8-738E-53A4F615F94D}"/>
-              </a:ext>
-            </a:extLst>
-          </p:cNvPr>
-          <p:cNvSpPr/>
-          <p:nvPr/>
-        </p:nvSpPr>
-        <p:spPr>
-          <a:xfrm>
-            <a:off x="3234982" y="2584630"/>
-            <a:ext cx="113211" cy="110837"/>
-          </a:xfrm>
-          <a:prstGeom prst="ellipse">
-            <a:avLst/>
-          </a:prstGeom>
-          <a:solidFill>
-            <a:schemeClr val="tx1"/>
-          </a:solidFill>
-          <a:ln>
-            <a:noFill/>
-          </a:ln>
-        </p:spPr>
-        <p:style>
-          <a:lnRef idx="2">
-            <a:schemeClr val="accent1">
-              <a:shade val="50000"/>
-            </a:schemeClr>
-          </a:lnRef>
-          <a:fillRef idx="1">
-            <a:schemeClr val="accent1"/>
-          </a:fillRef>
-          <a:effectRef idx="0">
-            <a:schemeClr val="accent1"/>
-          </a:effectRef>
-          <a:fontRef idx="minor">
-            <a:schemeClr val="lt1"/>
-          </a:fontRef>
-        </p:style>
-        <p:txBody>
-          <a:bodyPr rtlCol="0" anchor="ctr"/>
-          <a:lstStyle/>
-          <a:p>
-            <a:pPr algn="ctr"/>
-            <a:endParaRPr lang="ko-KR" altLang="en-US"/>
-          </a:p>
-        </p:txBody>
-      </p:sp>
-      <p:sp>
-        <p:nvSpPr>
-          <p:cNvPr id="36" name="타원 35">
-            <a:extLst>
-              <a:ext uri="{FF2B5EF4-FFF2-40B4-BE49-F238E27FC236}">
-                <a16:creationId xmlns:a16="http://schemas.microsoft.com/office/drawing/2014/main" id="{0885EC6C-D0AE-CAFE-CE85-6A85118EE687}"/>
-              </a:ext>
-            </a:extLst>
-          </p:cNvPr>
-          <p:cNvSpPr/>
-          <p:nvPr/>
-        </p:nvSpPr>
-        <p:spPr>
-          <a:xfrm>
-            <a:off x="4126061" y="1259546"/>
-            <a:ext cx="113211" cy="110837"/>
-          </a:xfrm>
-          <a:prstGeom prst="ellipse">
-            <a:avLst/>
-          </a:prstGeom>
-          <a:solidFill>
-            <a:schemeClr val="tx1"/>
-          </a:solidFill>
-          <a:ln>
-            <a:noFill/>
-          </a:ln>
-        </p:spPr>
-        <p:style>
-          <a:lnRef idx="2">
-            <a:schemeClr val="accent1">
-              <a:shade val="50000"/>
-            </a:schemeClr>
-          </a:lnRef>
-          <a:fillRef idx="1">
-            <a:schemeClr val="accent1"/>
-          </a:fillRef>
-          <a:effectRef idx="0">
-            <a:schemeClr val="accent1"/>
-          </a:effectRef>
-          <a:fontRef idx="minor">
-            <a:schemeClr val="lt1"/>
-          </a:fontRef>
-        </p:style>
-        <p:txBody>
-          <a:bodyPr rtlCol="0" anchor="ctr"/>
-          <a:lstStyle/>
-          <a:p>
-            <a:pPr algn="ctr"/>
-            <a:endParaRPr lang="ko-KR" altLang="en-US"/>
-          </a:p>
-        </p:txBody>
-      </p:sp>
-      <p:sp>
-        <p:nvSpPr>
-          <p:cNvPr id="38" name="타원 37">
-            <a:extLst>
-              <a:ext uri="{FF2B5EF4-FFF2-40B4-BE49-F238E27FC236}">
-                <a16:creationId xmlns:a16="http://schemas.microsoft.com/office/drawing/2014/main" id="{E4BA3C61-A48F-AE83-AD92-E19A713ED73B}"/>
-              </a:ext>
-            </a:extLst>
-          </p:cNvPr>
-          <p:cNvSpPr/>
-          <p:nvPr/>
-        </p:nvSpPr>
-        <p:spPr>
-          <a:xfrm>
-            <a:off x="4415165" y="1270079"/>
-            <a:ext cx="113211" cy="110837"/>
-          </a:xfrm>
-          <a:prstGeom prst="ellipse">
-            <a:avLst/>
-          </a:prstGeom>
-          <a:solidFill>
-            <a:schemeClr val="tx1"/>
-          </a:solidFill>
-          <a:ln>
-            <a:noFill/>
-          </a:ln>
-        </p:spPr>
-        <p:style>
-          <a:lnRef idx="2">
-            <a:schemeClr val="accent1">
-              <a:shade val="50000"/>
-            </a:schemeClr>
-          </a:lnRef>
-          <a:fillRef idx="1">
-            <a:schemeClr val="accent1"/>
-          </a:fillRef>
-          <a:effectRef idx="0">
-            <a:schemeClr val="accent1"/>
-          </a:effectRef>
-          <a:fontRef idx="minor">
-            <a:schemeClr val="lt1"/>
-          </a:fontRef>
-        </p:style>
-        <p:txBody>
-          <a:bodyPr rtlCol="0" anchor="ctr"/>
-          <a:lstStyle/>
-          <a:p>
-            <a:pPr algn="ctr"/>
-            <a:endParaRPr lang="ko-KR" altLang="en-US"/>
-          </a:p>
-        </p:txBody>
-      </p:sp>
-      <p:sp>
-        <p:nvSpPr>
-          <p:cNvPr id="39" name="타원 38">
-            <a:extLst>
-              <a:ext uri="{FF2B5EF4-FFF2-40B4-BE49-F238E27FC236}">
-                <a16:creationId xmlns:a16="http://schemas.microsoft.com/office/drawing/2014/main" id="{934F9826-0241-7AC8-1C86-F3CDE28B1BBA}"/>
-              </a:ext>
-            </a:extLst>
-          </p:cNvPr>
-          <p:cNvSpPr/>
-          <p:nvPr/>
-        </p:nvSpPr>
-        <p:spPr>
-          <a:xfrm>
-            <a:off x="4704269" y="1270079"/>
-            <a:ext cx="113211" cy="110837"/>
-          </a:xfrm>
-          <a:prstGeom prst="ellipse">
-            <a:avLst/>
-          </a:prstGeom>
-          <a:solidFill>
-            <a:schemeClr val="tx1"/>
-          </a:solidFill>
-          <a:ln>
-            <a:noFill/>
-          </a:ln>
-        </p:spPr>
-        <p:style>
-          <a:lnRef idx="2">
-            <a:schemeClr val="accent1">
-              <a:shade val="50000"/>
-            </a:schemeClr>
-          </a:lnRef>
-          <a:fillRef idx="1">
-            <a:schemeClr val="accent1"/>
-          </a:fillRef>
-          <a:effectRef idx="0">
-            <a:schemeClr val="accent1"/>
-          </a:effectRef>
-          <a:fontRef idx="minor">
-            <a:schemeClr val="lt1"/>
-          </a:fontRef>
-        </p:style>
-        <p:txBody>
-          <a:bodyPr rtlCol="0" anchor="ctr"/>
-          <a:lstStyle/>
-          <a:p>
-            <a:pPr algn="ctr"/>
-            <a:endParaRPr lang="ko-KR" altLang="en-US"/>
-          </a:p>
-        </p:txBody>
-      </p:sp>
-      <p:sp>
-        <p:nvSpPr>
-          <p:cNvPr id="40" name="타원 39">
-            <a:extLst>
-              <a:ext uri="{FF2B5EF4-FFF2-40B4-BE49-F238E27FC236}">
-                <a16:creationId xmlns:a16="http://schemas.microsoft.com/office/drawing/2014/main" id="{9548AF3C-6E3B-7E83-7ECC-33B81C1702C1}"/>
-              </a:ext>
-            </a:extLst>
-          </p:cNvPr>
-          <p:cNvSpPr/>
-          <p:nvPr/>
-        </p:nvSpPr>
-        <p:spPr>
-          <a:xfrm>
-            <a:off x="4993373" y="1270079"/>
-            <a:ext cx="113211" cy="110837"/>
-          </a:xfrm>
-          <a:prstGeom prst="ellipse">
-            <a:avLst/>
-          </a:prstGeom>
-          <a:solidFill>
-            <a:schemeClr val="tx1"/>
-          </a:solidFill>
-          <a:ln>
-            <a:noFill/>
-          </a:ln>
-        </p:spPr>
-        <p:style>
-          <a:lnRef idx="2">
-            <a:schemeClr val="accent1">
-              <a:shade val="50000"/>
-            </a:schemeClr>
-          </a:lnRef>
-          <a:fillRef idx="1">
-            <a:schemeClr val="accent1"/>
-          </a:fillRef>
-          <a:effectRef idx="0">
-            <a:schemeClr val="accent1"/>
-          </a:effectRef>
-          <a:fontRef idx="minor">
-            <a:schemeClr val="lt1"/>
-          </a:fontRef>
-        </p:style>
-        <p:txBody>
-          <a:bodyPr rtlCol="0" anchor="ctr"/>
-          <a:lstStyle/>
-          <a:p>
-            <a:pPr algn="ctr"/>
-            <a:endParaRPr lang="ko-KR" altLang="en-US"/>
-          </a:p>
-        </p:txBody>
-      </p:sp>
-      <p:sp>
-        <p:nvSpPr>
-          <p:cNvPr id="41" name="사각형: 둥근 모서리 40">
-            <a:extLst>
-              <a:ext uri="{FF2B5EF4-FFF2-40B4-BE49-F238E27FC236}">
-                <a16:creationId xmlns:a16="http://schemas.microsoft.com/office/drawing/2014/main" id="{2FAFBFCE-BF42-3A5D-292A-EF5F53A93F28}"/>
-              </a:ext>
-            </a:extLst>
-          </p:cNvPr>
-          <p:cNvSpPr/>
-          <p:nvPr/>
-        </p:nvSpPr>
-        <p:spPr>
-          <a:xfrm>
-            <a:off x="1959981" y="1797910"/>
-            <a:ext cx="1312837" cy="336855"/>
+            <a:off x="7292461" y="3051522"/>
+            <a:ext cx="1312836" cy="336855"/>
           </a:xfrm>
           <a:prstGeom prst="roundRect">
             <a:avLst/>
@@ -5733,124 +4925,16 @@
           <a:lstStyle/>
           <a:p>
             <a:pPr algn="ctr"/>
-            <a:endParaRPr lang="ko-KR" altLang="en-US"/>
-          </a:p>
-        </p:txBody>
-      </p:sp>
-      <p:sp>
-        <p:nvSpPr>
-          <p:cNvPr id="42" name="사각형: 둥근 모서리 41">
-            <a:extLst>
-              <a:ext uri="{FF2B5EF4-FFF2-40B4-BE49-F238E27FC236}">
-                <a16:creationId xmlns:a16="http://schemas.microsoft.com/office/drawing/2014/main" id="{C99B9A0E-AA9F-87BE-F7F0-1E2905C27C6D}"/>
-              </a:ext>
-            </a:extLst>
-          </p:cNvPr>
-          <p:cNvSpPr/>
-          <p:nvPr/>
-        </p:nvSpPr>
-        <p:spPr>
-          <a:xfrm>
-            <a:off x="1959981" y="2134764"/>
-            <a:ext cx="1312837" cy="336855"/>
-          </a:xfrm>
-          <a:prstGeom prst="roundRect">
-            <a:avLst/>
-          </a:prstGeom>
-          <a:solidFill>
-            <a:srgbClr val="0070C0"/>
-          </a:solidFill>
-          <a:ln w="19050">
-            <a:solidFill>
-              <a:schemeClr val="tx1"/>
-            </a:solidFill>
-          </a:ln>
-        </p:spPr>
-        <p:style>
-          <a:lnRef idx="2">
-            <a:schemeClr val="accent1">
-              <a:shade val="50000"/>
-            </a:schemeClr>
-          </a:lnRef>
-          <a:fillRef idx="1">
-            <a:schemeClr val="accent1"/>
-          </a:fillRef>
-          <a:effectRef idx="0">
-            <a:schemeClr val="accent1"/>
-          </a:effectRef>
-          <a:fontRef idx="minor">
-            <a:schemeClr val="lt1"/>
-          </a:fontRef>
-        </p:style>
-        <p:txBody>
-          <a:bodyPr rtlCol="0" anchor="ctr"/>
-          <a:lstStyle/>
-          <a:p>
-            <a:pPr algn="ctr"/>
-            <a:endParaRPr lang="ko-KR" altLang="en-US"/>
-          </a:p>
-        </p:txBody>
-      </p:sp>
-      <p:sp>
-        <p:nvSpPr>
-          <p:cNvPr id="43" name="사각형: 둥근 모서리 42">
-            <a:extLst>
-              <a:ext uri="{FF2B5EF4-FFF2-40B4-BE49-F238E27FC236}">
-                <a16:creationId xmlns:a16="http://schemas.microsoft.com/office/drawing/2014/main" id="{B4DFE8FB-4173-42C5-0822-619DAE6FE02D}"/>
-              </a:ext>
-            </a:extLst>
-          </p:cNvPr>
-          <p:cNvSpPr/>
-          <p:nvPr/>
-        </p:nvSpPr>
-        <p:spPr>
-          <a:xfrm>
-            <a:off x="1959981" y="1456118"/>
-            <a:ext cx="1312837" cy="336855"/>
-          </a:xfrm>
-          <a:prstGeom prst="roundRect">
-            <a:avLst/>
-          </a:prstGeom>
-          <a:solidFill>
-            <a:srgbClr val="FF0000"/>
-          </a:solidFill>
-          <a:ln w="19050">
-            <a:solidFill>
-              <a:schemeClr val="tx1"/>
-            </a:solidFill>
-          </a:ln>
-        </p:spPr>
-        <p:style>
-          <a:lnRef idx="2">
-            <a:schemeClr val="accent1">
-              <a:shade val="50000"/>
-            </a:schemeClr>
-          </a:lnRef>
-          <a:fillRef idx="1">
-            <a:schemeClr val="accent1"/>
-          </a:fillRef>
-          <a:effectRef idx="0">
-            <a:schemeClr val="accent1"/>
-          </a:effectRef>
-          <a:fontRef idx="minor">
-            <a:schemeClr val="lt1"/>
-          </a:fontRef>
-        </p:style>
-        <p:txBody>
-          <a:bodyPr rtlCol="0" anchor="ctr"/>
-          <a:lstStyle/>
-          <a:p>
-            <a:pPr algn="ctr"/>
-            <a:endParaRPr lang="ko-KR" altLang="en-US"/>
-          </a:p>
-        </p:txBody>
-      </p:sp>
-      <p:sp>
-        <p:nvSpPr>
-          <p:cNvPr id="44" name="TextBox 43">
-            <a:extLst>
-              <a:ext uri="{FF2B5EF4-FFF2-40B4-BE49-F238E27FC236}">
-                <a16:creationId xmlns:a16="http://schemas.microsoft.com/office/drawing/2014/main" id="{E8A1C672-FEF7-05EE-E814-1C29E905F869}"/>
+            <a:endParaRPr lang="ko-KR" altLang="en-US" sz="1600" b="1" dirty="0"/>
+          </a:p>
+        </p:txBody>
+      </p:sp>
+      <p:sp>
+        <p:nvSpPr>
+          <p:cNvPr id="32" name="TextBox 31">
+            <a:extLst>
+              <a:ext uri="{FF2B5EF4-FFF2-40B4-BE49-F238E27FC236}">
+                <a16:creationId xmlns:a16="http://schemas.microsoft.com/office/drawing/2014/main" id="{8B59D8B9-D4DB-8F46-D83C-A3E9463A9F35}"/>
               </a:ext>
             </a:extLst>
           </p:cNvPr>
@@ -5859,8 +4943,8 @@
         </p:nvSpPr>
         <p:spPr>
           <a:xfrm>
-            <a:off x="2115872" y="1807601"/>
-            <a:ext cx="933269" cy="338554"/>
+            <a:off x="7408505" y="3051923"/>
+            <a:ext cx="1114792" cy="338554"/>
           </a:xfrm>
           <a:prstGeom prst="rect">
             <a:avLst/>
@@ -5879,7 +4963,7 @@
                   <a:srgbClr val="FFFFFF"/>
                 </a:solidFill>
               </a:rPr>
-              <a:t>USB DP</a:t>
+              <a:t>FACT RST</a:t>
             </a:r>
             <a:endParaRPr lang="ko-KR" altLang="en-US" sz="1600" b="1" dirty="0">
               <a:solidFill>
@@ -5889,115 +4973,24 @@
           </a:p>
         </p:txBody>
       </p:sp>
-      <p:sp>
-        <p:nvSpPr>
-          <p:cNvPr id="45" name="TextBox 44">
-            <a:extLst>
-              <a:ext uri="{FF2B5EF4-FFF2-40B4-BE49-F238E27FC236}">
-                <a16:creationId xmlns:a16="http://schemas.microsoft.com/office/drawing/2014/main" id="{DE77ACF2-9829-3342-4AE2-3FAA98F97667}"/>
-              </a:ext>
-            </a:extLst>
-          </p:cNvPr>
-          <p:cNvSpPr txBox="1"/>
-          <p:nvPr/>
-        </p:nvSpPr>
-        <p:spPr>
-          <a:xfrm>
-            <a:off x="2122176" y="2144456"/>
-            <a:ext cx="1003801" cy="338554"/>
-          </a:xfrm>
-          <a:prstGeom prst="rect">
-            <a:avLst/>
-          </a:prstGeom>
-          <a:noFill/>
-        </p:spPr>
-        <p:txBody>
-          <a:bodyPr wrap="none" rtlCol="0">
-            <a:spAutoFit/>
-          </a:bodyPr>
-          <a:lstStyle/>
-          <a:p>
-            <a:r>
-              <a:rPr lang="en-US" altLang="ko-KR" sz="1600" b="1" dirty="0">
-                <a:solidFill>
-                  <a:srgbClr val="FFFFFF"/>
-                </a:solidFill>
-              </a:rPr>
-              <a:t>USB DM</a:t>
-            </a:r>
-            <a:endParaRPr lang="ko-KR" altLang="en-US" sz="1600" b="1" dirty="0">
-              <a:solidFill>
-                <a:srgbClr val="FFFFFF"/>
-              </a:solidFill>
-            </a:endParaRPr>
-          </a:p>
-        </p:txBody>
-      </p:sp>
-      <p:sp>
-        <p:nvSpPr>
-          <p:cNvPr id="46" name="TextBox 45">
-            <a:extLst>
-              <a:ext uri="{FF2B5EF4-FFF2-40B4-BE49-F238E27FC236}">
-                <a16:creationId xmlns:a16="http://schemas.microsoft.com/office/drawing/2014/main" id="{8CF65760-CEA1-F213-9B6C-D399064E77A3}"/>
-              </a:ext>
-            </a:extLst>
-          </p:cNvPr>
-          <p:cNvSpPr txBox="1"/>
-          <p:nvPr/>
-        </p:nvSpPr>
-        <p:spPr>
-          <a:xfrm>
-            <a:off x="2337889" y="1444721"/>
-            <a:ext cx="559769" cy="338554"/>
-          </a:xfrm>
-          <a:prstGeom prst="rect">
-            <a:avLst/>
-          </a:prstGeom>
-          <a:noFill/>
-        </p:spPr>
-        <p:txBody>
-          <a:bodyPr wrap="none" rtlCol="0">
-            <a:spAutoFit/>
-          </a:bodyPr>
-          <a:lstStyle/>
-          <a:p>
-            <a:r>
-              <a:rPr lang="en-US" altLang="ko-KR" sz="1600" b="1" dirty="0">
-                <a:solidFill>
-                  <a:srgbClr val="FFFFFF"/>
-                </a:solidFill>
-              </a:rPr>
-              <a:t>3V3</a:t>
-            </a:r>
-            <a:endParaRPr lang="ko-KR" altLang="en-US" sz="1600" b="1" dirty="0">
-              <a:solidFill>
-                <a:srgbClr val="FFFFFF"/>
-              </a:solidFill>
-            </a:endParaRPr>
-          </a:p>
-        </p:txBody>
-      </p:sp>
-      <p:cxnSp>
-        <p:nvCxnSpPr>
-          <p:cNvPr id="47" name="연결선: 꺾임 46">
-            <a:extLst>
-              <a:ext uri="{FF2B5EF4-FFF2-40B4-BE49-F238E27FC236}">
-                <a16:creationId xmlns:a16="http://schemas.microsoft.com/office/drawing/2014/main" id="{E8F9D631-64E8-5900-EF54-346F1D746A6E}"/>
-              </a:ext>
-            </a:extLst>
-          </p:cNvPr>
-          <p:cNvCxnSpPr>
-            <a:stCxn id="36" idx="4"/>
-            <a:endCxn id="22" idx="6"/>
-          </p:cNvCxnSpPr>
-          <p:nvPr/>
-        </p:nvCxnSpPr>
-        <p:spPr>
-          <a:xfrm rot="5400000">
-            <a:off x="3636965" y="1081609"/>
-            <a:ext cx="256928" cy="834477"/>
-          </a:xfrm>
-          <a:prstGeom prst="bentConnector2">
+      <p:sp useBgFill="1">
+        <p:nvSpPr>
+          <p:cNvPr id="33" name="사각형: 둥근 모서리 32">
+            <a:extLst>
+              <a:ext uri="{FF2B5EF4-FFF2-40B4-BE49-F238E27FC236}">
+                <a16:creationId xmlns:a16="http://schemas.microsoft.com/office/drawing/2014/main" id="{28BF1FC3-C57B-9BCD-4B94-9C641E71525D}"/>
+              </a:ext>
+            </a:extLst>
+          </p:cNvPr>
+          <p:cNvSpPr/>
+          <p:nvPr/>
+        </p:nvSpPr>
+        <p:spPr>
+          <a:xfrm>
+            <a:off x="6313592" y="4332755"/>
+            <a:ext cx="723617" cy="358342"/>
+          </a:xfrm>
+          <a:prstGeom prst="roundRect">
             <a:avLst/>
           </a:prstGeom>
           <a:ln w="28575">
@@ -6007,6 +5000,164 @@
           </a:ln>
         </p:spPr>
         <p:style>
+          <a:lnRef idx="2">
+            <a:schemeClr val="accent1">
+              <a:shade val="50000"/>
+            </a:schemeClr>
+          </a:lnRef>
+          <a:fillRef idx="1">
+            <a:schemeClr val="accent1"/>
+          </a:fillRef>
+          <a:effectRef idx="0">
+            <a:schemeClr val="accent1"/>
+          </a:effectRef>
+          <a:fontRef idx="minor">
+            <a:schemeClr val="lt1"/>
+          </a:fontRef>
+        </p:style>
+        <p:txBody>
+          <a:bodyPr rtlCol="0" anchor="ctr"/>
+          <a:lstStyle/>
+          <a:p>
+            <a:pPr algn="ctr"/>
+            <a:endParaRPr lang="ko-KR" altLang="en-US"/>
+          </a:p>
+        </p:txBody>
+      </p:sp>
+      <p:sp>
+        <p:nvSpPr>
+          <p:cNvPr id="35" name="타원 34">
+            <a:extLst>
+              <a:ext uri="{FF2B5EF4-FFF2-40B4-BE49-F238E27FC236}">
+                <a16:creationId xmlns:a16="http://schemas.microsoft.com/office/drawing/2014/main" id="{74BB3254-1941-8351-FE72-131645AEEF58}"/>
+              </a:ext>
+            </a:extLst>
+          </p:cNvPr>
+          <p:cNvSpPr/>
+          <p:nvPr/>
+        </p:nvSpPr>
+        <p:spPr>
+          <a:xfrm>
+            <a:off x="6758939" y="4439838"/>
+            <a:ext cx="113211" cy="110837"/>
+          </a:xfrm>
+          <a:prstGeom prst="ellipse">
+            <a:avLst/>
+          </a:prstGeom>
+          <a:solidFill>
+            <a:schemeClr val="tx1"/>
+          </a:solidFill>
+          <a:ln>
+            <a:noFill/>
+          </a:ln>
+        </p:spPr>
+        <p:style>
+          <a:lnRef idx="2">
+            <a:schemeClr val="accent1">
+              <a:shade val="50000"/>
+            </a:schemeClr>
+          </a:lnRef>
+          <a:fillRef idx="1">
+            <a:schemeClr val="accent1"/>
+          </a:fillRef>
+          <a:effectRef idx="0">
+            <a:schemeClr val="accent1"/>
+          </a:effectRef>
+          <a:fontRef idx="minor">
+            <a:schemeClr val="lt1"/>
+          </a:fontRef>
+        </p:style>
+        <p:txBody>
+          <a:bodyPr rtlCol="0" anchor="ctr"/>
+          <a:lstStyle/>
+          <a:p>
+            <a:pPr algn="ctr"/>
+            <a:endParaRPr lang="ko-KR" altLang="en-US"/>
+          </a:p>
+        </p:txBody>
+      </p:sp>
+      <p:sp>
+        <p:nvSpPr>
+          <p:cNvPr id="37" name="타원 36">
+            <a:extLst>
+              <a:ext uri="{FF2B5EF4-FFF2-40B4-BE49-F238E27FC236}">
+                <a16:creationId xmlns:a16="http://schemas.microsoft.com/office/drawing/2014/main" id="{794AB586-5F72-DA02-CC1E-C3190A8709F7}"/>
+              </a:ext>
+            </a:extLst>
+          </p:cNvPr>
+          <p:cNvSpPr/>
+          <p:nvPr/>
+        </p:nvSpPr>
+        <p:spPr>
+          <a:xfrm>
+            <a:off x="6461284" y="4439838"/>
+            <a:ext cx="113211" cy="110837"/>
+          </a:xfrm>
+          <a:prstGeom prst="ellipse">
+            <a:avLst/>
+          </a:prstGeom>
+          <a:solidFill>
+            <a:schemeClr val="tx1"/>
+          </a:solidFill>
+          <a:ln>
+            <a:noFill/>
+          </a:ln>
+        </p:spPr>
+        <p:style>
+          <a:lnRef idx="2">
+            <a:schemeClr val="accent1">
+              <a:shade val="50000"/>
+            </a:schemeClr>
+          </a:lnRef>
+          <a:fillRef idx="1">
+            <a:schemeClr val="accent1"/>
+          </a:fillRef>
+          <a:effectRef idx="0">
+            <a:schemeClr val="accent1"/>
+          </a:effectRef>
+          <a:fontRef idx="minor">
+            <a:schemeClr val="lt1"/>
+          </a:fontRef>
+        </p:style>
+        <p:txBody>
+          <a:bodyPr rtlCol="0" anchor="ctr"/>
+          <a:lstStyle/>
+          <a:p>
+            <a:pPr algn="ctr"/>
+            <a:endParaRPr lang="ko-KR" altLang="en-US"/>
+          </a:p>
+        </p:txBody>
+      </p:sp>
+      <p:cxnSp>
+        <p:nvCxnSpPr>
+          <p:cNvPr id="3" name="연결선: 꺾임 2">
+            <a:extLst>
+              <a:ext uri="{FF2B5EF4-FFF2-40B4-BE49-F238E27FC236}">
+                <a16:creationId xmlns:a16="http://schemas.microsoft.com/office/drawing/2014/main" id="{A61408B4-F21F-6246-48FF-788C1550CF55}"/>
+              </a:ext>
+            </a:extLst>
+          </p:cNvPr>
+          <p:cNvCxnSpPr>
+            <a:stCxn id="26" idx="2"/>
+            <a:endCxn id="35" idx="0"/>
+          </p:cNvCxnSpPr>
+          <p:nvPr/>
+        </p:nvCxnSpPr>
+        <p:spPr>
+          <a:xfrm rot="10800000" flipV="1">
+            <a:off x="6815545" y="3565258"/>
+            <a:ext cx="414882" cy="874580"/>
+          </a:xfrm>
+          <a:prstGeom prst="bentConnector2">
+            <a:avLst/>
+          </a:prstGeom>
+          <a:ln w="28575">
+            <a:solidFill>
+              <a:srgbClr val="000000"/>
+            </a:solidFill>
+          </a:ln>
+        </p:spPr>
+        <p:style>
           <a:lnRef idx="1">
             <a:schemeClr val="accent1"/>
           </a:lnRef>
@@ -6023,118 +5174,30 @@
       </p:cxnSp>
       <p:cxnSp>
         <p:nvCxnSpPr>
-          <p:cNvPr id="48" name="연결선: 꺾임 47">
-            <a:extLst>
-              <a:ext uri="{FF2B5EF4-FFF2-40B4-BE49-F238E27FC236}">
-                <a16:creationId xmlns:a16="http://schemas.microsoft.com/office/drawing/2014/main" id="{086157E9-F5DB-262D-EC45-645B07289544}"/>
+          <p:cNvPr id="5" name="연결선: 꺾임 4">
+            <a:extLst>
+              <a:ext uri="{FF2B5EF4-FFF2-40B4-BE49-F238E27FC236}">
+                <a16:creationId xmlns:a16="http://schemas.microsoft.com/office/drawing/2014/main" id="{98B43EAA-9E99-781F-60DF-7011A4CCA2D8}"/>
               </a:ext>
             </a:extLst>
           </p:cNvPr>
           <p:cNvCxnSpPr>
-            <a:stCxn id="38" idx="4"/>
-            <a:endCxn id="21" idx="6"/>
+            <a:stCxn id="30" idx="2"/>
+            <a:endCxn id="37" idx="0"/>
           </p:cNvCxnSpPr>
           <p:nvPr/>
         </p:nvCxnSpPr>
         <p:spPr>
-          <a:xfrm rot="5400000">
-            <a:off x="3616726" y="1112379"/>
-            <a:ext cx="586508" cy="1123582"/>
+          <a:xfrm rot="10800000" flipV="1">
+            <a:off x="6517890" y="3225382"/>
+            <a:ext cx="712536" cy="1214455"/>
           </a:xfrm>
           <a:prstGeom prst="bentConnector2">
             <a:avLst/>
           </a:prstGeom>
           <a:ln w="28575">
             <a:solidFill>
-              <a:schemeClr val="tx1"/>
-            </a:solidFill>
-          </a:ln>
-        </p:spPr>
-        <p:style>
-          <a:lnRef idx="1">
-            <a:schemeClr val="accent1"/>
-          </a:lnRef>
-          <a:fillRef idx="0">
-            <a:schemeClr val="accent1"/>
-          </a:fillRef>
-          <a:effectRef idx="0">
-            <a:schemeClr val="accent1"/>
-          </a:effectRef>
-          <a:fontRef idx="minor">
-            <a:schemeClr val="tx1"/>
-          </a:fontRef>
-        </p:style>
-      </p:cxnSp>
-      <p:cxnSp>
-        <p:nvCxnSpPr>
-          <p:cNvPr id="49" name="연결선: 꺾임 48">
-            <a:extLst>
-              <a:ext uri="{FF2B5EF4-FFF2-40B4-BE49-F238E27FC236}">
-                <a16:creationId xmlns:a16="http://schemas.microsoft.com/office/drawing/2014/main" id="{C63A03AA-8BF9-3D06-C739-64077DA6B18E}"/>
-              </a:ext>
-            </a:extLst>
-          </p:cNvPr>
-          <p:cNvCxnSpPr>
-            <a:stCxn id="39" idx="4"/>
-            <a:endCxn id="24" idx="6"/>
-          </p:cNvCxnSpPr>
-          <p:nvPr/>
-        </p:nvCxnSpPr>
-        <p:spPr>
-          <a:xfrm rot="5400000">
-            <a:off x="3591641" y="1133958"/>
-            <a:ext cx="922277" cy="1416192"/>
-          </a:xfrm>
-          <a:prstGeom prst="bentConnector2">
-            <a:avLst/>
-          </a:prstGeom>
-          <a:ln w="28575">
-            <a:solidFill>
-              <a:schemeClr val="tx1"/>
-            </a:solidFill>
-          </a:ln>
-        </p:spPr>
-        <p:style>
-          <a:lnRef idx="1">
-            <a:schemeClr val="accent1"/>
-          </a:lnRef>
-          <a:fillRef idx="0">
-            <a:schemeClr val="accent1"/>
-          </a:fillRef>
-          <a:effectRef idx="0">
-            <a:schemeClr val="accent1"/>
-          </a:effectRef>
-          <a:fontRef idx="minor">
-            <a:schemeClr val="tx1"/>
-          </a:fontRef>
-        </p:style>
-      </p:cxnSp>
-      <p:cxnSp>
-        <p:nvCxnSpPr>
-          <p:cNvPr id="50" name="연결선: 꺾임 49">
-            <a:extLst>
-              <a:ext uri="{FF2B5EF4-FFF2-40B4-BE49-F238E27FC236}">
-                <a16:creationId xmlns:a16="http://schemas.microsoft.com/office/drawing/2014/main" id="{DD41A0EE-5DE8-D717-1749-C3EA97A163EF}"/>
-              </a:ext>
-            </a:extLst>
-          </p:cNvPr>
-          <p:cNvCxnSpPr>
-            <a:stCxn id="40" idx="4"/>
-            <a:endCxn id="34" idx="5"/>
-          </p:cNvCxnSpPr>
-          <p:nvPr/>
-        </p:nvCxnSpPr>
-        <p:spPr>
-          <a:xfrm rot="5400000">
-            <a:off x="3569520" y="1159589"/>
-            <a:ext cx="1259133" cy="1701786"/>
-          </a:xfrm>
-          <a:prstGeom prst="bentConnector2">
-            <a:avLst/>
-          </a:prstGeom>
-          <a:ln w="28575">
-            <a:solidFill>
-              <a:schemeClr val="tx1"/>
+              <a:srgbClr val="000000"/>
             </a:solidFill>
           </a:ln>
         </p:spPr>
@@ -6156,7 +5219,7 @@
     </p:spTree>
     <p:extLst>
       <p:ext uri="{BB962C8B-B14F-4D97-AF65-F5344CB8AC3E}">
-        <p14:creationId xmlns:p14="http://schemas.microsoft.com/office/powerpoint/2010/main" val="30245695"/>
+        <p14:creationId xmlns:p14="http://schemas.microsoft.com/office/powerpoint/2010/main" val="3886351633"/>
       </p:ext>
     </p:extLst>
   </p:cSld>
@@ -6244,7 +5307,7 @@
         <p:spPr>
           <a:xfrm>
             <a:off x="8741359" y="6141595"/>
-            <a:ext cx="2323521" cy="369204"/>
+            <a:ext cx="2924198" cy="369204"/>
           </a:xfrm>
           <a:prstGeom prst="rect">
             <a:avLst/>
@@ -6259,17 +5322,18 @@
           <a:p>
             <a:r>
               <a:rPr lang="en-US" altLang="ko-KR" dirty="0"/>
-              <a:t>WIZ510SR-RP RESET</a:t>
+              <a:t>WIZ510SR-RP (J5-Pinmap)</a:t>
             </a:r>
+            <a:endParaRPr lang="ko-KR" altLang="en-US" dirty="0"/>
           </a:p>
         </p:txBody>
       </p:sp>
       <p:sp useBgFill="1">
         <p:nvSpPr>
-          <p:cNvPr id="27" name="사각형: 둥근 모서리 26">
-            <a:extLst>
-              <a:ext uri="{FF2B5EF4-FFF2-40B4-BE49-F238E27FC236}">
-                <a16:creationId xmlns:a16="http://schemas.microsoft.com/office/drawing/2014/main" id="{3D6B98EC-EDD2-17B8-6698-5B62E3F49F0B}"/>
+          <p:cNvPr id="17" name="사각형: 둥근 모서리 16">
+            <a:extLst>
+              <a:ext uri="{FF2B5EF4-FFF2-40B4-BE49-F238E27FC236}">
+                <a16:creationId xmlns:a16="http://schemas.microsoft.com/office/drawing/2014/main" id="{70C8F0EF-AC4C-045A-0506-F6B5952F4A1C}"/>
               </a:ext>
             </a:extLst>
           </p:cNvPr>
@@ -6278,8 +5342,8 @@
         </p:nvSpPr>
         <p:spPr>
           <a:xfrm>
-            <a:off x="3939540" y="4768442"/>
-            <a:ext cx="435610" cy="542698"/>
+            <a:off x="3922817" y="1114024"/>
+            <a:ext cx="1306408" cy="358342"/>
           </a:xfrm>
           <a:prstGeom prst="roundRect">
             <a:avLst/>
@@ -6315,12 +5379,12 @@
           </a:p>
         </p:txBody>
       </p:sp>
-      <p:sp>
-        <p:nvSpPr>
-          <p:cNvPr id="28" name="사각형: 둥근 모서리 27">
-            <a:extLst>
-              <a:ext uri="{FF2B5EF4-FFF2-40B4-BE49-F238E27FC236}">
-                <a16:creationId xmlns:a16="http://schemas.microsoft.com/office/drawing/2014/main" id="{A6D539B2-A744-41D3-3CBF-243892BD6607}"/>
+      <p:sp useBgFill="1">
+        <p:nvSpPr>
+          <p:cNvPr id="18" name="사각형: 둥근 모서리 17">
+            <a:extLst>
+              <a:ext uri="{FF2B5EF4-FFF2-40B4-BE49-F238E27FC236}">
+                <a16:creationId xmlns:a16="http://schemas.microsoft.com/office/drawing/2014/main" id="{B5724221-334B-3167-9B8D-826A14606412}"/>
               </a:ext>
             </a:extLst>
           </p:cNvPr>
@@ -6329,18 +5393,13 @@
         </p:nvSpPr>
         <p:spPr>
           <a:xfrm>
-            <a:off x="1793891" y="4743434"/>
-            <a:ext cx="1542478" cy="608887"/>
+            <a:off x="3904989" y="1099886"/>
+            <a:ext cx="1381114" cy="423657"/>
           </a:xfrm>
           <a:prstGeom prst="roundRect">
             <a:avLst/>
           </a:prstGeom>
-          <a:solidFill>
-            <a:schemeClr val="bg2">
-              <a:lumMod val="50000"/>
-            </a:schemeClr>
-          </a:solidFill>
-          <a:ln>
+          <a:ln w="28575">
             <a:solidFill>
               <a:schemeClr val="tx1"/>
             </a:solidFill>
@@ -6373,10 +5432,234 @@
       </p:sp>
       <p:sp>
         <p:nvSpPr>
-          <p:cNvPr id="29" name="TextBox 28">
-            <a:extLst>
-              <a:ext uri="{FF2B5EF4-FFF2-40B4-BE49-F238E27FC236}">
-                <a16:creationId xmlns:a16="http://schemas.microsoft.com/office/drawing/2014/main" id="{CB7820D9-7680-121B-0F62-5703D46A0377}"/>
+          <p:cNvPr id="19" name="사각형: 둥근 모서리 18">
+            <a:extLst>
+              <a:ext uri="{FF2B5EF4-FFF2-40B4-BE49-F238E27FC236}">
+                <a16:creationId xmlns:a16="http://schemas.microsoft.com/office/drawing/2014/main" id="{03B96EF3-1A9D-FDE6-4673-D095ED14BB66}"/>
+              </a:ext>
+            </a:extLst>
+          </p:cNvPr>
+          <p:cNvSpPr/>
+          <p:nvPr/>
+        </p:nvSpPr>
+        <p:spPr>
+          <a:xfrm>
+            <a:off x="1823914" y="1091408"/>
+            <a:ext cx="1584960" cy="1848987"/>
+          </a:xfrm>
+          <a:prstGeom prst="roundRect">
+            <a:avLst/>
+          </a:prstGeom>
+          <a:solidFill>
+            <a:schemeClr val="bg1">
+              <a:lumMod val="85000"/>
+              <a:alpha val="63000"/>
+            </a:schemeClr>
+          </a:solidFill>
+          <a:ln w="19050">
+            <a:solidFill>
+              <a:schemeClr val="tx1"/>
+            </a:solidFill>
+            <a:prstDash val="sysDash"/>
+          </a:ln>
+        </p:spPr>
+        <p:style>
+          <a:lnRef idx="2">
+            <a:schemeClr val="accent1">
+              <a:shade val="50000"/>
+            </a:schemeClr>
+          </a:lnRef>
+          <a:fillRef idx="1">
+            <a:schemeClr val="accent1"/>
+          </a:fillRef>
+          <a:effectRef idx="0">
+            <a:schemeClr val="accent1"/>
+          </a:effectRef>
+          <a:fontRef idx="minor">
+            <a:schemeClr val="lt1"/>
+          </a:fontRef>
+        </p:style>
+        <p:txBody>
+          <a:bodyPr rtlCol="0" anchor="ctr"/>
+          <a:lstStyle/>
+          <a:p>
+            <a:pPr algn="ctr"/>
+            <a:r>
+              <a:rPr lang="en-US" altLang="ko-KR" dirty="0"/>
+              <a:t>J5</a:t>
+            </a:r>
+            <a:endParaRPr lang="ko-KR" altLang="en-US" dirty="0"/>
+          </a:p>
+        </p:txBody>
+      </p:sp>
+      <p:sp>
+        <p:nvSpPr>
+          <p:cNvPr id="20" name="사각형: 둥근 모서리 19">
+            <a:extLst>
+              <a:ext uri="{FF2B5EF4-FFF2-40B4-BE49-F238E27FC236}">
+                <a16:creationId xmlns:a16="http://schemas.microsoft.com/office/drawing/2014/main" id="{6084A3E5-3369-B4D3-4659-C08C65B00842}"/>
+              </a:ext>
+            </a:extLst>
+          </p:cNvPr>
+          <p:cNvSpPr/>
+          <p:nvPr/>
+        </p:nvSpPr>
+        <p:spPr>
+          <a:xfrm>
+            <a:off x="1958418" y="2465553"/>
+            <a:ext cx="1312837" cy="336855"/>
+          </a:xfrm>
+          <a:prstGeom prst="roundRect">
+            <a:avLst/>
+          </a:prstGeom>
+          <a:solidFill>
+            <a:schemeClr val="tx1"/>
+          </a:solidFill>
+          <a:ln w="19050">
+            <a:solidFill>
+              <a:schemeClr val="tx1"/>
+            </a:solidFill>
+          </a:ln>
+        </p:spPr>
+        <p:style>
+          <a:lnRef idx="2">
+            <a:schemeClr val="accent1">
+              <a:shade val="50000"/>
+            </a:schemeClr>
+          </a:lnRef>
+          <a:fillRef idx="1">
+            <a:schemeClr val="accent1"/>
+          </a:fillRef>
+          <a:effectRef idx="0">
+            <a:schemeClr val="accent1"/>
+          </a:effectRef>
+          <a:fontRef idx="minor">
+            <a:schemeClr val="lt1"/>
+          </a:fontRef>
+        </p:style>
+        <p:txBody>
+          <a:bodyPr rtlCol="0" anchor="ctr"/>
+          <a:lstStyle/>
+          <a:p>
+            <a:pPr algn="ctr"/>
+            <a:r>
+              <a:rPr lang="en-US" altLang="ko-KR" sz="1600" b="1" dirty="0"/>
+              <a:t>GND</a:t>
+            </a:r>
+            <a:endParaRPr lang="ko-KR" altLang="en-US" sz="1600" b="1" dirty="0"/>
+          </a:p>
+        </p:txBody>
+      </p:sp>
+      <p:sp>
+        <p:nvSpPr>
+          <p:cNvPr id="21" name="타원 20">
+            <a:extLst>
+              <a:ext uri="{FF2B5EF4-FFF2-40B4-BE49-F238E27FC236}">
+                <a16:creationId xmlns:a16="http://schemas.microsoft.com/office/drawing/2014/main" id="{4CD84400-688D-F549-AE4C-7348E874AC5C}"/>
+              </a:ext>
+            </a:extLst>
+          </p:cNvPr>
+          <p:cNvSpPr/>
+          <p:nvPr/>
+        </p:nvSpPr>
+        <p:spPr>
+          <a:xfrm>
+            <a:off x="3234978" y="1912005"/>
+            <a:ext cx="113211" cy="110837"/>
+          </a:xfrm>
+          <a:prstGeom prst="ellipse">
+            <a:avLst/>
+          </a:prstGeom>
+          <a:solidFill>
+            <a:schemeClr val="tx1"/>
+          </a:solidFill>
+          <a:ln>
+            <a:noFill/>
+          </a:ln>
+        </p:spPr>
+        <p:style>
+          <a:lnRef idx="2">
+            <a:schemeClr val="accent1">
+              <a:shade val="50000"/>
+            </a:schemeClr>
+          </a:lnRef>
+          <a:fillRef idx="1">
+            <a:schemeClr val="accent1"/>
+          </a:fillRef>
+          <a:effectRef idx="0">
+            <a:schemeClr val="accent1"/>
+          </a:effectRef>
+          <a:fontRef idx="minor">
+            <a:schemeClr val="lt1"/>
+          </a:fontRef>
+        </p:style>
+        <p:txBody>
+          <a:bodyPr rtlCol="0" anchor="ctr"/>
+          <a:lstStyle/>
+          <a:p>
+            <a:pPr algn="ctr"/>
+            <a:endParaRPr lang="ko-KR" altLang="en-US"/>
+          </a:p>
+        </p:txBody>
+      </p:sp>
+      <p:sp>
+        <p:nvSpPr>
+          <p:cNvPr id="22" name="타원 21">
+            <a:extLst>
+              <a:ext uri="{FF2B5EF4-FFF2-40B4-BE49-F238E27FC236}">
+                <a16:creationId xmlns:a16="http://schemas.microsoft.com/office/drawing/2014/main" id="{2AD1643D-1C85-99E7-73FE-3B9B4D30D649}"/>
+              </a:ext>
+            </a:extLst>
+          </p:cNvPr>
+          <p:cNvSpPr/>
+          <p:nvPr/>
+        </p:nvSpPr>
+        <p:spPr>
+          <a:xfrm>
+            <a:off x="3234979" y="1571892"/>
+            <a:ext cx="113211" cy="110837"/>
+          </a:xfrm>
+          <a:prstGeom prst="ellipse">
+            <a:avLst/>
+          </a:prstGeom>
+          <a:solidFill>
+            <a:schemeClr val="tx1"/>
+          </a:solidFill>
+          <a:ln>
+            <a:noFill/>
+          </a:ln>
+        </p:spPr>
+        <p:style>
+          <a:lnRef idx="2">
+            <a:schemeClr val="accent1">
+              <a:shade val="50000"/>
+            </a:schemeClr>
+          </a:lnRef>
+          <a:fillRef idx="1">
+            <a:schemeClr val="accent1"/>
+          </a:fillRef>
+          <a:effectRef idx="0">
+            <a:schemeClr val="accent1"/>
+          </a:effectRef>
+          <a:fontRef idx="minor">
+            <a:schemeClr val="lt1"/>
+          </a:fontRef>
+        </p:style>
+        <p:txBody>
+          <a:bodyPr rtlCol="0" anchor="ctr"/>
+          <a:lstStyle/>
+          <a:p>
+            <a:pPr algn="ctr"/>
+            <a:endParaRPr lang="ko-KR" altLang="en-US"/>
+          </a:p>
+        </p:txBody>
+      </p:sp>
+      <p:sp>
+        <p:nvSpPr>
+          <p:cNvPr id="23" name="TextBox 22">
+            <a:extLst>
+              <a:ext uri="{FF2B5EF4-FFF2-40B4-BE49-F238E27FC236}">
+                <a16:creationId xmlns:a16="http://schemas.microsoft.com/office/drawing/2014/main" id="{D1BF6761-1A89-9C95-AEFC-AB9BBC9533BB}"/>
               </a:ext>
             </a:extLst>
           </p:cNvPr>
@@ -6385,8 +5668,8 @@
         </p:nvSpPr>
         <p:spPr>
           <a:xfrm>
-            <a:off x="1881932" y="4739560"/>
-            <a:ext cx="1399526" cy="646074"/>
+            <a:off x="2447388" y="1096668"/>
+            <a:ext cx="531223" cy="369204"/>
           </a:xfrm>
           <a:prstGeom prst="rect">
             <a:avLst/>
@@ -6399,59 +5682,778 @@
           </a:bodyPr>
           <a:lstStyle/>
           <a:p>
-            <a:pPr algn="ctr"/>
             <a:r>
-              <a:rPr lang="en-US" altLang="ko-KR" b="1" dirty="0">
+              <a:rPr lang="en-US" altLang="ko-KR" b="1" dirty="0"/>
+              <a:t>J5</a:t>
+            </a:r>
+          </a:p>
+        </p:txBody>
+      </p:sp>
+      <p:sp>
+        <p:nvSpPr>
+          <p:cNvPr id="24" name="타원 23">
+            <a:extLst>
+              <a:ext uri="{FF2B5EF4-FFF2-40B4-BE49-F238E27FC236}">
+                <a16:creationId xmlns:a16="http://schemas.microsoft.com/office/drawing/2014/main" id="{CAE95611-D8BF-2992-EF9B-923C8FA666CA}"/>
+              </a:ext>
+            </a:extLst>
+          </p:cNvPr>
+          <p:cNvSpPr/>
+          <p:nvPr/>
+        </p:nvSpPr>
+        <p:spPr>
+          <a:xfrm>
+            <a:off x="3231472" y="2247774"/>
+            <a:ext cx="113211" cy="110837"/>
+          </a:xfrm>
+          <a:prstGeom prst="ellipse">
+            <a:avLst/>
+          </a:prstGeom>
+          <a:solidFill>
+            <a:schemeClr val="tx1"/>
+          </a:solidFill>
+          <a:ln>
+            <a:noFill/>
+          </a:ln>
+        </p:spPr>
+        <p:style>
+          <a:lnRef idx="2">
+            <a:schemeClr val="accent1">
+              <a:shade val="50000"/>
+            </a:schemeClr>
+          </a:lnRef>
+          <a:fillRef idx="1">
+            <a:schemeClr val="accent1"/>
+          </a:fillRef>
+          <a:effectRef idx="0">
+            <a:schemeClr val="accent1"/>
+          </a:effectRef>
+          <a:fontRef idx="minor">
+            <a:schemeClr val="lt1"/>
+          </a:fontRef>
+        </p:style>
+        <p:txBody>
+          <a:bodyPr rtlCol="0" anchor="ctr"/>
+          <a:lstStyle/>
+          <a:p>
+            <a:pPr algn="ctr"/>
+            <a:endParaRPr lang="ko-KR" altLang="en-US"/>
+          </a:p>
+        </p:txBody>
+      </p:sp>
+      <p:sp>
+        <p:nvSpPr>
+          <p:cNvPr id="34" name="타원 33">
+            <a:extLst>
+              <a:ext uri="{FF2B5EF4-FFF2-40B4-BE49-F238E27FC236}">
+                <a16:creationId xmlns:a16="http://schemas.microsoft.com/office/drawing/2014/main" id="{9024467D-6948-85B8-738E-53A4F615F94D}"/>
+              </a:ext>
+            </a:extLst>
+          </p:cNvPr>
+          <p:cNvSpPr/>
+          <p:nvPr/>
+        </p:nvSpPr>
+        <p:spPr>
+          <a:xfrm>
+            <a:off x="3234982" y="2584630"/>
+            <a:ext cx="113211" cy="110837"/>
+          </a:xfrm>
+          <a:prstGeom prst="ellipse">
+            <a:avLst/>
+          </a:prstGeom>
+          <a:solidFill>
+            <a:schemeClr val="tx1"/>
+          </a:solidFill>
+          <a:ln>
+            <a:noFill/>
+          </a:ln>
+        </p:spPr>
+        <p:style>
+          <a:lnRef idx="2">
+            <a:schemeClr val="accent1">
+              <a:shade val="50000"/>
+            </a:schemeClr>
+          </a:lnRef>
+          <a:fillRef idx="1">
+            <a:schemeClr val="accent1"/>
+          </a:fillRef>
+          <a:effectRef idx="0">
+            <a:schemeClr val="accent1"/>
+          </a:effectRef>
+          <a:fontRef idx="minor">
+            <a:schemeClr val="lt1"/>
+          </a:fontRef>
+        </p:style>
+        <p:txBody>
+          <a:bodyPr rtlCol="0" anchor="ctr"/>
+          <a:lstStyle/>
+          <a:p>
+            <a:pPr algn="ctr"/>
+            <a:endParaRPr lang="ko-KR" altLang="en-US"/>
+          </a:p>
+        </p:txBody>
+      </p:sp>
+      <p:sp>
+        <p:nvSpPr>
+          <p:cNvPr id="36" name="타원 35">
+            <a:extLst>
+              <a:ext uri="{FF2B5EF4-FFF2-40B4-BE49-F238E27FC236}">
+                <a16:creationId xmlns:a16="http://schemas.microsoft.com/office/drawing/2014/main" id="{0885EC6C-D0AE-CAFE-CE85-6A85118EE687}"/>
+              </a:ext>
+            </a:extLst>
+          </p:cNvPr>
+          <p:cNvSpPr/>
+          <p:nvPr/>
+        </p:nvSpPr>
+        <p:spPr>
+          <a:xfrm>
+            <a:off x="4126061" y="1259546"/>
+            <a:ext cx="113211" cy="110837"/>
+          </a:xfrm>
+          <a:prstGeom prst="ellipse">
+            <a:avLst/>
+          </a:prstGeom>
+          <a:solidFill>
+            <a:schemeClr val="tx1"/>
+          </a:solidFill>
+          <a:ln>
+            <a:noFill/>
+          </a:ln>
+        </p:spPr>
+        <p:style>
+          <a:lnRef idx="2">
+            <a:schemeClr val="accent1">
+              <a:shade val="50000"/>
+            </a:schemeClr>
+          </a:lnRef>
+          <a:fillRef idx="1">
+            <a:schemeClr val="accent1"/>
+          </a:fillRef>
+          <a:effectRef idx="0">
+            <a:schemeClr val="accent1"/>
+          </a:effectRef>
+          <a:fontRef idx="minor">
+            <a:schemeClr val="lt1"/>
+          </a:fontRef>
+        </p:style>
+        <p:txBody>
+          <a:bodyPr rtlCol="0" anchor="ctr"/>
+          <a:lstStyle/>
+          <a:p>
+            <a:pPr algn="ctr"/>
+            <a:endParaRPr lang="ko-KR" altLang="en-US"/>
+          </a:p>
+        </p:txBody>
+      </p:sp>
+      <p:sp>
+        <p:nvSpPr>
+          <p:cNvPr id="38" name="타원 37">
+            <a:extLst>
+              <a:ext uri="{FF2B5EF4-FFF2-40B4-BE49-F238E27FC236}">
+                <a16:creationId xmlns:a16="http://schemas.microsoft.com/office/drawing/2014/main" id="{E4BA3C61-A48F-AE83-AD92-E19A713ED73B}"/>
+              </a:ext>
+            </a:extLst>
+          </p:cNvPr>
+          <p:cNvSpPr/>
+          <p:nvPr/>
+        </p:nvSpPr>
+        <p:spPr>
+          <a:xfrm>
+            <a:off x="4415165" y="1270079"/>
+            <a:ext cx="113211" cy="110837"/>
+          </a:xfrm>
+          <a:prstGeom prst="ellipse">
+            <a:avLst/>
+          </a:prstGeom>
+          <a:solidFill>
+            <a:schemeClr val="tx1"/>
+          </a:solidFill>
+          <a:ln>
+            <a:noFill/>
+          </a:ln>
+        </p:spPr>
+        <p:style>
+          <a:lnRef idx="2">
+            <a:schemeClr val="accent1">
+              <a:shade val="50000"/>
+            </a:schemeClr>
+          </a:lnRef>
+          <a:fillRef idx="1">
+            <a:schemeClr val="accent1"/>
+          </a:fillRef>
+          <a:effectRef idx="0">
+            <a:schemeClr val="accent1"/>
+          </a:effectRef>
+          <a:fontRef idx="minor">
+            <a:schemeClr val="lt1"/>
+          </a:fontRef>
+        </p:style>
+        <p:txBody>
+          <a:bodyPr rtlCol="0" anchor="ctr"/>
+          <a:lstStyle/>
+          <a:p>
+            <a:pPr algn="ctr"/>
+            <a:endParaRPr lang="ko-KR" altLang="en-US"/>
+          </a:p>
+        </p:txBody>
+      </p:sp>
+      <p:sp>
+        <p:nvSpPr>
+          <p:cNvPr id="39" name="타원 38">
+            <a:extLst>
+              <a:ext uri="{FF2B5EF4-FFF2-40B4-BE49-F238E27FC236}">
+                <a16:creationId xmlns:a16="http://schemas.microsoft.com/office/drawing/2014/main" id="{934F9826-0241-7AC8-1C86-F3CDE28B1BBA}"/>
+              </a:ext>
+            </a:extLst>
+          </p:cNvPr>
+          <p:cNvSpPr/>
+          <p:nvPr/>
+        </p:nvSpPr>
+        <p:spPr>
+          <a:xfrm>
+            <a:off x="4704269" y="1270079"/>
+            <a:ext cx="113211" cy="110837"/>
+          </a:xfrm>
+          <a:prstGeom prst="ellipse">
+            <a:avLst/>
+          </a:prstGeom>
+          <a:solidFill>
+            <a:schemeClr val="tx1"/>
+          </a:solidFill>
+          <a:ln>
+            <a:noFill/>
+          </a:ln>
+        </p:spPr>
+        <p:style>
+          <a:lnRef idx="2">
+            <a:schemeClr val="accent1">
+              <a:shade val="50000"/>
+            </a:schemeClr>
+          </a:lnRef>
+          <a:fillRef idx="1">
+            <a:schemeClr val="accent1"/>
+          </a:fillRef>
+          <a:effectRef idx="0">
+            <a:schemeClr val="accent1"/>
+          </a:effectRef>
+          <a:fontRef idx="minor">
+            <a:schemeClr val="lt1"/>
+          </a:fontRef>
+        </p:style>
+        <p:txBody>
+          <a:bodyPr rtlCol="0" anchor="ctr"/>
+          <a:lstStyle/>
+          <a:p>
+            <a:pPr algn="ctr"/>
+            <a:endParaRPr lang="ko-KR" altLang="en-US"/>
+          </a:p>
+        </p:txBody>
+      </p:sp>
+      <p:sp>
+        <p:nvSpPr>
+          <p:cNvPr id="40" name="타원 39">
+            <a:extLst>
+              <a:ext uri="{FF2B5EF4-FFF2-40B4-BE49-F238E27FC236}">
+                <a16:creationId xmlns:a16="http://schemas.microsoft.com/office/drawing/2014/main" id="{9548AF3C-6E3B-7E83-7ECC-33B81C1702C1}"/>
+              </a:ext>
+            </a:extLst>
+          </p:cNvPr>
+          <p:cNvSpPr/>
+          <p:nvPr/>
+        </p:nvSpPr>
+        <p:spPr>
+          <a:xfrm>
+            <a:off x="4993373" y="1270079"/>
+            <a:ext cx="113211" cy="110837"/>
+          </a:xfrm>
+          <a:prstGeom prst="ellipse">
+            <a:avLst/>
+          </a:prstGeom>
+          <a:solidFill>
+            <a:schemeClr val="tx1"/>
+          </a:solidFill>
+          <a:ln>
+            <a:noFill/>
+          </a:ln>
+        </p:spPr>
+        <p:style>
+          <a:lnRef idx="2">
+            <a:schemeClr val="accent1">
+              <a:shade val="50000"/>
+            </a:schemeClr>
+          </a:lnRef>
+          <a:fillRef idx="1">
+            <a:schemeClr val="accent1"/>
+          </a:fillRef>
+          <a:effectRef idx="0">
+            <a:schemeClr val="accent1"/>
+          </a:effectRef>
+          <a:fontRef idx="minor">
+            <a:schemeClr val="lt1"/>
+          </a:fontRef>
+        </p:style>
+        <p:txBody>
+          <a:bodyPr rtlCol="0" anchor="ctr"/>
+          <a:lstStyle/>
+          <a:p>
+            <a:pPr algn="ctr"/>
+            <a:endParaRPr lang="ko-KR" altLang="en-US"/>
+          </a:p>
+        </p:txBody>
+      </p:sp>
+      <p:sp>
+        <p:nvSpPr>
+          <p:cNvPr id="41" name="사각형: 둥근 모서리 40">
+            <a:extLst>
+              <a:ext uri="{FF2B5EF4-FFF2-40B4-BE49-F238E27FC236}">
+                <a16:creationId xmlns:a16="http://schemas.microsoft.com/office/drawing/2014/main" id="{2FAFBFCE-BF42-3A5D-292A-EF5F53A93F28}"/>
+              </a:ext>
+            </a:extLst>
+          </p:cNvPr>
+          <p:cNvSpPr/>
+          <p:nvPr/>
+        </p:nvSpPr>
+        <p:spPr>
+          <a:xfrm>
+            <a:off x="1959981" y="1797910"/>
+            <a:ext cx="1312837" cy="336855"/>
+          </a:xfrm>
+          <a:prstGeom prst="roundRect">
+            <a:avLst/>
+          </a:prstGeom>
+          <a:solidFill>
+            <a:srgbClr val="0070C0"/>
+          </a:solidFill>
+          <a:ln w="19050">
+            <a:solidFill>
+              <a:schemeClr val="tx1"/>
+            </a:solidFill>
+          </a:ln>
+        </p:spPr>
+        <p:style>
+          <a:lnRef idx="2">
+            <a:schemeClr val="accent1">
+              <a:shade val="50000"/>
+            </a:schemeClr>
+          </a:lnRef>
+          <a:fillRef idx="1">
+            <a:schemeClr val="accent1"/>
+          </a:fillRef>
+          <a:effectRef idx="0">
+            <a:schemeClr val="accent1"/>
+          </a:effectRef>
+          <a:fontRef idx="minor">
+            <a:schemeClr val="lt1"/>
+          </a:fontRef>
+        </p:style>
+        <p:txBody>
+          <a:bodyPr rtlCol="0" anchor="ctr"/>
+          <a:lstStyle/>
+          <a:p>
+            <a:pPr algn="ctr"/>
+            <a:endParaRPr lang="ko-KR" altLang="en-US"/>
+          </a:p>
+        </p:txBody>
+      </p:sp>
+      <p:sp>
+        <p:nvSpPr>
+          <p:cNvPr id="42" name="사각형: 둥근 모서리 41">
+            <a:extLst>
+              <a:ext uri="{FF2B5EF4-FFF2-40B4-BE49-F238E27FC236}">
+                <a16:creationId xmlns:a16="http://schemas.microsoft.com/office/drawing/2014/main" id="{C99B9A0E-AA9F-87BE-F7F0-1E2905C27C6D}"/>
+              </a:ext>
+            </a:extLst>
+          </p:cNvPr>
+          <p:cNvSpPr/>
+          <p:nvPr/>
+        </p:nvSpPr>
+        <p:spPr>
+          <a:xfrm>
+            <a:off x="1959981" y="2134764"/>
+            <a:ext cx="1312837" cy="336855"/>
+          </a:xfrm>
+          <a:prstGeom prst="roundRect">
+            <a:avLst/>
+          </a:prstGeom>
+          <a:solidFill>
+            <a:srgbClr val="0070C0"/>
+          </a:solidFill>
+          <a:ln w="19050">
+            <a:solidFill>
+              <a:schemeClr val="tx1"/>
+            </a:solidFill>
+          </a:ln>
+        </p:spPr>
+        <p:style>
+          <a:lnRef idx="2">
+            <a:schemeClr val="accent1">
+              <a:shade val="50000"/>
+            </a:schemeClr>
+          </a:lnRef>
+          <a:fillRef idx="1">
+            <a:schemeClr val="accent1"/>
+          </a:fillRef>
+          <a:effectRef idx="0">
+            <a:schemeClr val="accent1"/>
+          </a:effectRef>
+          <a:fontRef idx="minor">
+            <a:schemeClr val="lt1"/>
+          </a:fontRef>
+        </p:style>
+        <p:txBody>
+          <a:bodyPr rtlCol="0" anchor="ctr"/>
+          <a:lstStyle/>
+          <a:p>
+            <a:pPr algn="ctr"/>
+            <a:endParaRPr lang="ko-KR" altLang="en-US"/>
+          </a:p>
+        </p:txBody>
+      </p:sp>
+      <p:sp>
+        <p:nvSpPr>
+          <p:cNvPr id="43" name="사각형: 둥근 모서리 42">
+            <a:extLst>
+              <a:ext uri="{FF2B5EF4-FFF2-40B4-BE49-F238E27FC236}">
+                <a16:creationId xmlns:a16="http://schemas.microsoft.com/office/drawing/2014/main" id="{B4DFE8FB-4173-42C5-0822-619DAE6FE02D}"/>
+              </a:ext>
+            </a:extLst>
+          </p:cNvPr>
+          <p:cNvSpPr/>
+          <p:nvPr/>
+        </p:nvSpPr>
+        <p:spPr>
+          <a:xfrm>
+            <a:off x="1959981" y="1456118"/>
+            <a:ext cx="1312837" cy="336855"/>
+          </a:xfrm>
+          <a:prstGeom prst="roundRect">
+            <a:avLst/>
+          </a:prstGeom>
+          <a:solidFill>
+            <a:srgbClr val="FF0000"/>
+          </a:solidFill>
+          <a:ln w="19050">
+            <a:solidFill>
+              <a:schemeClr val="tx1"/>
+            </a:solidFill>
+          </a:ln>
+        </p:spPr>
+        <p:style>
+          <a:lnRef idx="2">
+            <a:schemeClr val="accent1">
+              <a:shade val="50000"/>
+            </a:schemeClr>
+          </a:lnRef>
+          <a:fillRef idx="1">
+            <a:schemeClr val="accent1"/>
+          </a:fillRef>
+          <a:effectRef idx="0">
+            <a:schemeClr val="accent1"/>
+          </a:effectRef>
+          <a:fontRef idx="minor">
+            <a:schemeClr val="lt1"/>
+          </a:fontRef>
+        </p:style>
+        <p:txBody>
+          <a:bodyPr rtlCol="0" anchor="ctr"/>
+          <a:lstStyle/>
+          <a:p>
+            <a:pPr algn="ctr"/>
+            <a:endParaRPr lang="ko-KR" altLang="en-US"/>
+          </a:p>
+        </p:txBody>
+      </p:sp>
+      <p:sp>
+        <p:nvSpPr>
+          <p:cNvPr id="44" name="TextBox 43">
+            <a:extLst>
+              <a:ext uri="{FF2B5EF4-FFF2-40B4-BE49-F238E27FC236}">
+                <a16:creationId xmlns:a16="http://schemas.microsoft.com/office/drawing/2014/main" id="{E8A1C672-FEF7-05EE-E814-1C29E905F869}"/>
+              </a:ext>
+            </a:extLst>
+          </p:cNvPr>
+          <p:cNvSpPr txBox="1"/>
+          <p:nvPr/>
+        </p:nvSpPr>
+        <p:spPr>
+          <a:xfrm>
+            <a:off x="2115872" y="1807601"/>
+            <a:ext cx="933269" cy="338554"/>
+          </a:xfrm>
+          <a:prstGeom prst="rect">
+            <a:avLst/>
+          </a:prstGeom>
+          <a:noFill/>
+        </p:spPr>
+        <p:txBody>
+          <a:bodyPr wrap="none" rtlCol="0">
+            <a:spAutoFit/>
+          </a:bodyPr>
+          <a:lstStyle/>
+          <a:p>
+            <a:r>
+              <a:rPr lang="en-US" altLang="ko-KR" sz="1600" b="1" dirty="0">
                 <a:solidFill>
-                  <a:schemeClr val="bg1"/>
+                  <a:srgbClr val="FFFFFF"/>
                 </a:solidFill>
               </a:rPr>
-              <a:t>SW1</a:t>
+              <a:t>USB DP</a:t>
             </a:r>
-          </a:p>
-          <a:p>
-            <a:pPr algn="ctr"/>
+            <a:endParaRPr lang="ko-KR" altLang="en-US" sz="1600" b="1" dirty="0">
+              <a:solidFill>
+                <a:srgbClr val="FFFFFF"/>
+              </a:solidFill>
+            </a:endParaRPr>
+          </a:p>
+        </p:txBody>
+      </p:sp>
+      <p:sp>
+        <p:nvSpPr>
+          <p:cNvPr id="45" name="TextBox 44">
+            <a:extLst>
+              <a:ext uri="{FF2B5EF4-FFF2-40B4-BE49-F238E27FC236}">
+                <a16:creationId xmlns:a16="http://schemas.microsoft.com/office/drawing/2014/main" id="{DE77ACF2-9829-3342-4AE2-3FAA98F97667}"/>
+              </a:ext>
+            </a:extLst>
+          </p:cNvPr>
+          <p:cNvSpPr txBox="1"/>
+          <p:nvPr/>
+        </p:nvSpPr>
+        <p:spPr>
+          <a:xfrm>
+            <a:off x="2122176" y="2144456"/>
+            <a:ext cx="1003801" cy="338554"/>
+          </a:xfrm>
+          <a:prstGeom prst="rect">
+            <a:avLst/>
+          </a:prstGeom>
+          <a:noFill/>
+        </p:spPr>
+        <p:txBody>
+          <a:bodyPr wrap="none" rtlCol="0">
+            <a:spAutoFit/>
+          </a:bodyPr>
+          <a:lstStyle/>
+          <a:p>
             <a:r>
-              <a:rPr lang="en-US" altLang="ko-KR" b="1" dirty="0">
+              <a:rPr lang="en-US" altLang="ko-KR" sz="1600" b="1" dirty="0">
                 <a:solidFill>
-                  <a:schemeClr val="bg1"/>
+                  <a:srgbClr val="FFFFFF"/>
                 </a:solidFill>
               </a:rPr>
-              <a:t>RESET</a:t>
+              <a:t>USB DM</a:t>
             </a:r>
+            <a:endParaRPr lang="ko-KR" altLang="en-US" sz="1600" b="1" dirty="0">
+              <a:solidFill>
+                <a:srgbClr val="FFFFFF"/>
+              </a:solidFill>
+            </a:endParaRPr>
+          </a:p>
+        </p:txBody>
+      </p:sp>
+      <p:sp>
+        <p:nvSpPr>
+          <p:cNvPr id="46" name="TextBox 45">
+            <a:extLst>
+              <a:ext uri="{FF2B5EF4-FFF2-40B4-BE49-F238E27FC236}">
+                <a16:creationId xmlns:a16="http://schemas.microsoft.com/office/drawing/2014/main" id="{8CF65760-CEA1-F213-9B6C-D399064E77A3}"/>
+              </a:ext>
+            </a:extLst>
+          </p:cNvPr>
+          <p:cNvSpPr txBox="1"/>
+          <p:nvPr/>
+        </p:nvSpPr>
+        <p:spPr>
+          <a:xfrm>
+            <a:off x="2337889" y="1444721"/>
+            <a:ext cx="559769" cy="338554"/>
+          </a:xfrm>
+          <a:prstGeom prst="rect">
+            <a:avLst/>
+          </a:prstGeom>
+          <a:noFill/>
+        </p:spPr>
+        <p:txBody>
+          <a:bodyPr wrap="none" rtlCol="0">
+            <a:spAutoFit/>
+          </a:bodyPr>
+          <a:lstStyle/>
+          <a:p>
+            <a:r>
+              <a:rPr lang="en-US" altLang="ko-KR" sz="1600" b="1" dirty="0">
+                <a:solidFill>
+                  <a:srgbClr val="FFFFFF"/>
+                </a:solidFill>
+              </a:rPr>
+              <a:t>3V3</a:t>
+            </a:r>
+            <a:endParaRPr lang="ko-KR" altLang="en-US" sz="1600" b="1" dirty="0">
+              <a:solidFill>
+                <a:srgbClr val="FFFFFF"/>
+              </a:solidFill>
+            </a:endParaRPr>
           </a:p>
         </p:txBody>
       </p:sp>
       <p:cxnSp>
         <p:nvCxnSpPr>
-          <p:cNvPr id="30" name="연결선: 꺾임 29">
-            <a:extLst>
-              <a:ext uri="{FF2B5EF4-FFF2-40B4-BE49-F238E27FC236}">
-                <a16:creationId xmlns:a16="http://schemas.microsoft.com/office/drawing/2014/main" id="{7BFA4657-04F8-F04F-4FC5-3F1357C8FDEF}"/>
+          <p:cNvPr id="47" name="연결선: 꺾임 46">
+            <a:extLst>
+              <a:ext uri="{FF2B5EF4-FFF2-40B4-BE49-F238E27FC236}">
+                <a16:creationId xmlns:a16="http://schemas.microsoft.com/office/drawing/2014/main" id="{E8F9D631-64E8-5900-EF54-346F1D746A6E}"/>
               </a:ext>
             </a:extLst>
           </p:cNvPr>
           <p:cNvCxnSpPr>
-            <a:cxnSpLocks/>
-            <a:stCxn id="27" idx="1"/>
+            <a:stCxn id="36" idx="4"/>
+            <a:endCxn id="22" idx="6"/>
           </p:cNvCxnSpPr>
           <p:nvPr/>
         </p:nvCxnSpPr>
         <p:spPr>
-          <a:xfrm rot="10800000">
-            <a:off x="3336370" y="5039791"/>
-            <a:ext cx="603170" cy="1"/>
-          </a:xfrm>
-          <a:prstGeom prst="bentConnector3">
-            <a:avLst>
-              <a:gd name="adj1" fmla="val 50000"/>
-            </a:avLst>
+          <a:xfrm rot="5400000">
+            <a:off x="3636965" y="1081609"/>
+            <a:ext cx="256928" cy="834477"/>
+          </a:xfrm>
+          <a:prstGeom prst="bentConnector2">
+            <a:avLst/>
           </a:prstGeom>
           <a:ln w="28575">
             <a:solidFill>
-              <a:srgbClr val="000000"/>
+              <a:schemeClr val="tx1"/>
             </a:solidFill>
-            <a:tailEnd type="triangle"/>
+          </a:ln>
+        </p:spPr>
+        <p:style>
+          <a:lnRef idx="1">
+            <a:schemeClr val="accent1"/>
+          </a:lnRef>
+          <a:fillRef idx="0">
+            <a:schemeClr val="accent1"/>
+          </a:fillRef>
+          <a:effectRef idx="0">
+            <a:schemeClr val="accent1"/>
+          </a:effectRef>
+          <a:fontRef idx="minor">
+            <a:schemeClr val="tx1"/>
+          </a:fontRef>
+        </p:style>
+      </p:cxnSp>
+      <p:cxnSp>
+        <p:nvCxnSpPr>
+          <p:cNvPr id="48" name="연결선: 꺾임 47">
+            <a:extLst>
+              <a:ext uri="{FF2B5EF4-FFF2-40B4-BE49-F238E27FC236}">
+                <a16:creationId xmlns:a16="http://schemas.microsoft.com/office/drawing/2014/main" id="{086157E9-F5DB-262D-EC45-645B07289544}"/>
+              </a:ext>
+            </a:extLst>
+          </p:cNvPr>
+          <p:cNvCxnSpPr>
+            <a:stCxn id="38" idx="4"/>
+            <a:endCxn id="21" idx="6"/>
+          </p:cNvCxnSpPr>
+          <p:nvPr/>
+        </p:nvCxnSpPr>
+        <p:spPr>
+          <a:xfrm rot="5400000">
+            <a:off x="3616726" y="1112379"/>
+            <a:ext cx="586508" cy="1123582"/>
+          </a:xfrm>
+          <a:prstGeom prst="bentConnector2">
+            <a:avLst/>
+          </a:prstGeom>
+          <a:ln w="28575">
+            <a:solidFill>
+              <a:schemeClr val="tx1"/>
+            </a:solidFill>
+          </a:ln>
+        </p:spPr>
+        <p:style>
+          <a:lnRef idx="1">
+            <a:schemeClr val="accent1"/>
+          </a:lnRef>
+          <a:fillRef idx="0">
+            <a:schemeClr val="accent1"/>
+          </a:fillRef>
+          <a:effectRef idx="0">
+            <a:schemeClr val="accent1"/>
+          </a:effectRef>
+          <a:fontRef idx="minor">
+            <a:schemeClr val="tx1"/>
+          </a:fontRef>
+        </p:style>
+      </p:cxnSp>
+      <p:cxnSp>
+        <p:nvCxnSpPr>
+          <p:cNvPr id="49" name="연결선: 꺾임 48">
+            <a:extLst>
+              <a:ext uri="{FF2B5EF4-FFF2-40B4-BE49-F238E27FC236}">
+                <a16:creationId xmlns:a16="http://schemas.microsoft.com/office/drawing/2014/main" id="{C63A03AA-8BF9-3D06-C739-64077DA6B18E}"/>
+              </a:ext>
+            </a:extLst>
+          </p:cNvPr>
+          <p:cNvCxnSpPr>
+            <a:stCxn id="39" idx="4"/>
+            <a:endCxn id="24" idx="6"/>
+          </p:cNvCxnSpPr>
+          <p:nvPr/>
+        </p:nvCxnSpPr>
+        <p:spPr>
+          <a:xfrm rot="5400000">
+            <a:off x="3591641" y="1133958"/>
+            <a:ext cx="922277" cy="1416192"/>
+          </a:xfrm>
+          <a:prstGeom prst="bentConnector2">
+            <a:avLst/>
+          </a:prstGeom>
+          <a:ln w="28575">
+            <a:solidFill>
+              <a:schemeClr val="tx1"/>
+            </a:solidFill>
+          </a:ln>
+        </p:spPr>
+        <p:style>
+          <a:lnRef idx="1">
+            <a:schemeClr val="accent1"/>
+          </a:lnRef>
+          <a:fillRef idx="0">
+            <a:schemeClr val="accent1"/>
+          </a:fillRef>
+          <a:effectRef idx="0">
+            <a:schemeClr val="accent1"/>
+          </a:effectRef>
+          <a:fontRef idx="minor">
+            <a:schemeClr val="tx1"/>
+          </a:fontRef>
+        </p:style>
+      </p:cxnSp>
+      <p:cxnSp>
+        <p:nvCxnSpPr>
+          <p:cNvPr id="50" name="연결선: 꺾임 49">
+            <a:extLst>
+              <a:ext uri="{FF2B5EF4-FFF2-40B4-BE49-F238E27FC236}">
+                <a16:creationId xmlns:a16="http://schemas.microsoft.com/office/drawing/2014/main" id="{DD41A0EE-5DE8-D717-1749-C3EA97A163EF}"/>
+              </a:ext>
+            </a:extLst>
+          </p:cNvPr>
+          <p:cNvCxnSpPr>
+            <a:stCxn id="40" idx="4"/>
+            <a:endCxn id="34" idx="5"/>
+          </p:cNvCxnSpPr>
+          <p:nvPr/>
+        </p:nvCxnSpPr>
+        <p:spPr>
+          <a:xfrm rot="5400000">
+            <a:off x="3569520" y="1159589"/>
+            <a:ext cx="1259133" cy="1701786"/>
+          </a:xfrm>
+          <a:prstGeom prst="bentConnector2">
+            <a:avLst/>
+          </a:prstGeom>
+          <a:ln w="28575">
+            <a:solidFill>
+              <a:schemeClr val="tx1"/>
+            </a:solidFill>
           </a:ln>
         </p:spPr>
         <p:style>
@@ -6472,7 +6474,7 @@
     </p:spTree>
     <p:extLst>
       <p:ext uri="{BB962C8B-B14F-4D97-AF65-F5344CB8AC3E}">
-        <p14:creationId xmlns:p14="http://schemas.microsoft.com/office/powerpoint/2010/main" val="3065583079"/>
+        <p14:creationId xmlns:p14="http://schemas.microsoft.com/office/powerpoint/2010/main" val="30245695"/>
       </p:ext>
     </p:extLst>
   </p:cSld>
@@ -6560,7 +6562,7 @@
         <p:spPr>
           <a:xfrm>
             <a:off x="8741359" y="6141595"/>
-            <a:ext cx="2653355" cy="369204"/>
+            <a:ext cx="2323521" cy="369204"/>
           </a:xfrm>
           <a:prstGeom prst="rect">
             <a:avLst/>
@@ -6575,7 +6577,7 @@
           <a:p>
             <a:r>
               <a:rPr lang="en-US" altLang="ko-KR" dirty="0"/>
-              <a:t>WIZ510SR-RP BOOTSEL</a:t>
+              <a:t>WIZ510SR-RP RESET</a:t>
             </a:r>
           </a:p>
         </p:txBody>
@@ -6594,7 +6596,7 @@
         </p:nvSpPr>
         <p:spPr>
           <a:xfrm>
-            <a:off x="5208502" y="4725491"/>
+            <a:off x="3939540" y="4768442"/>
             <a:ext cx="435610" cy="542698"/>
           </a:xfrm>
           <a:prstGeom prst="roundRect">
@@ -6645,7 +6647,7 @@
         </p:nvSpPr>
         <p:spPr>
           <a:xfrm>
-            <a:off x="3062854" y="4659458"/>
+            <a:off x="1793891" y="4743434"/>
             <a:ext cx="1542478" cy="608887"/>
           </a:xfrm>
           <a:prstGeom prst="roundRect">
@@ -6701,7 +6703,7 @@
         </p:nvSpPr>
         <p:spPr>
           <a:xfrm>
-            <a:off x="3150895" y="4655584"/>
+            <a:off x="1881932" y="4739560"/>
             <a:ext cx="1399526" cy="646074"/>
           </a:xfrm>
           <a:prstGeom prst="rect">
@@ -6722,7 +6724,7 @@
                   <a:schemeClr val="bg1"/>
                 </a:solidFill>
               </a:rPr>
-              <a:t>SW2</a:t>
+              <a:t>SW1</a:t>
             </a:r>
           </a:p>
           <a:p>
@@ -6733,7 +6735,7 @@
                   <a:schemeClr val="bg1"/>
                 </a:solidFill>
               </a:rPr>
-              <a:t>BOOTSEL</a:t>
+              <a:t>RESET</a:t>
             </a:r>
           </a:p>
         </p:txBody>
@@ -6755,7 +6757,7 @@
         </p:nvCxnSpPr>
         <p:spPr>
           <a:xfrm rot="10800000">
-            <a:off x="4605332" y="4996840"/>
+            <a:off x="3336370" y="5039791"/>
             <a:ext cx="603170" cy="1"/>
           </a:xfrm>
           <a:prstGeom prst="bentConnector3">
@@ -6788,7 +6790,7 @@
     </p:spTree>
     <p:extLst>
       <p:ext uri="{BB962C8B-B14F-4D97-AF65-F5344CB8AC3E}">
-        <p14:creationId xmlns:p14="http://schemas.microsoft.com/office/powerpoint/2010/main" val="1832989910"/>
+        <p14:creationId xmlns:p14="http://schemas.microsoft.com/office/powerpoint/2010/main" val="3065583079"/>
       </p:ext>
     </p:extLst>
   </p:cSld>
@@ -6875,6 +6877,322 @@
         </p:nvSpPr>
         <p:spPr>
           <a:xfrm>
+            <a:off x="8741359" y="6141595"/>
+            <a:ext cx="2653355" cy="369204"/>
+          </a:xfrm>
+          <a:prstGeom prst="rect">
+            <a:avLst/>
+          </a:prstGeom>
+          <a:noFill/>
+        </p:spPr>
+        <p:txBody>
+          <a:bodyPr wrap="none" rtlCol="0">
+            <a:spAutoFit/>
+          </a:bodyPr>
+          <a:lstStyle/>
+          <a:p>
+            <a:r>
+              <a:rPr lang="en-US" altLang="ko-KR" dirty="0"/>
+              <a:t>WIZ510SR-RP BOOTSEL</a:t>
+            </a:r>
+          </a:p>
+        </p:txBody>
+      </p:sp>
+      <p:sp useBgFill="1">
+        <p:nvSpPr>
+          <p:cNvPr id="27" name="사각형: 둥근 모서리 26">
+            <a:extLst>
+              <a:ext uri="{FF2B5EF4-FFF2-40B4-BE49-F238E27FC236}">
+                <a16:creationId xmlns:a16="http://schemas.microsoft.com/office/drawing/2014/main" id="{3D6B98EC-EDD2-17B8-6698-5B62E3F49F0B}"/>
+              </a:ext>
+            </a:extLst>
+          </p:cNvPr>
+          <p:cNvSpPr/>
+          <p:nvPr/>
+        </p:nvSpPr>
+        <p:spPr>
+          <a:xfrm>
+            <a:off x="5208502" y="4725491"/>
+            <a:ext cx="435610" cy="542698"/>
+          </a:xfrm>
+          <a:prstGeom prst="roundRect">
+            <a:avLst/>
+          </a:prstGeom>
+          <a:ln w="28575">
+            <a:solidFill>
+              <a:schemeClr val="tx1"/>
+            </a:solidFill>
+          </a:ln>
+        </p:spPr>
+        <p:style>
+          <a:lnRef idx="2">
+            <a:schemeClr val="accent1">
+              <a:shade val="50000"/>
+            </a:schemeClr>
+          </a:lnRef>
+          <a:fillRef idx="1">
+            <a:schemeClr val="accent1"/>
+          </a:fillRef>
+          <a:effectRef idx="0">
+            <a:schemeClr val="accent1"/>
+          </a:effectRef>
+          <a:fontRef idx="minor">
+            <a:schemeClr val="lt1"/>
+          </a:fontRef>
+        </p:style>
+        <p:txBody>
+          <a:bodyPr rtlCol="0" anchor="ctr"/>
+          <a:lstStyle/>
+          <a:p>
+            <a:pPr algn="ctr"/>
+            <a:endParaRPr lang="ko-KR" altLang="en-US"/>
+          </a:p>
+        </p:txBody>
+      </p:sp>
+      <p:sp>
+        <p:nvSpPr>
+          <p:cNvPr id="28" name="사각형: 둥근 모서리 27">
+            <a:extLst>
+              <a:ext uri="{FF2B5EF4-FFF2-40B4-BE49-F238E27FC236}">
+                <a16:creationId xmlns:a16="http://schemas.microsoft.com/office/drawing/2014/main" id="{A6D539B2-A744-41D3-3CBF-243892BD6607}"/>
+              </a:ext>
+            </a:extLst>
+          </p:cNvPr>
+          <p:cNvSpPr/>
+          <p:nvPr/>
+        </p:nvSpPr>
+        <p:spPr>
+          <a:xfrm>
+            <a:off x="3062854" y="4659458"/>
+            <a:ext cx="1542478" cy="608887"/>
+          </a:xfrm>
+          <a:prstGeom prst="roundRect">
+            <a:avLst/>
+          </a:prstGeom>
+          <a:solidFill>
+            <a:schemeClr val="bg2">
+              <a:lumMod val="50000"/>
+            </a:schemeClr>
+          </a:solidFill>
+          <a:ln>
+            <a:solidFill>
+              <a:schemeClr val="tx1"/>
+            </a:solidFill>
+          </a:ln>
+        </p:spPr>
+        <p:style>
+          <a:lnRef idx="2">
+            <a:schemeClr val="accent1">
+              <a:shade val="50000"/>
+            </a:schemeClr>
+          </a:lnRef>
+          <a:fillRef idx="1">
+            <a:schemeClr val="accent1"/>
+          </a:fillRef>
+          <a:effectRef idx="0">
+            <a:schemeClr val="accent1"/>
+          </a:effectRef>
+          <a:fontRef idx="minor">
+            <a:schemeClr val="lt1"/>
+          </a:fontRef>
+        </p:style>
+        <p:txBody>
+          <a:bodyPr rtlCol="0" anchor="ctr"/>
+          <a:lstStyle/>
+          <a:p>
+            <a:pPr algn="ctr"/>
+            <a:endParaRPr lang="ko-KR" altLang="en-US"/>
+          </a:p>
+        </p:txBody>
+      </p:sp>
+      <p:sp>
+        <p:nvSpPr>
+          <p:cNvPr id="29" name="TextBox 28">
+            <a:extLst>
+              <a:ext uri="{FF2B5EF4-FFF2-40B4-BE49-F238E27FC236}">
+                <a16:creationId xmlns:a16="http://schemas.microsoft.com/office/drawing/2014/main" id="{CB7820D9-7680-121B-0F62-5703D46A0377}"/>
+              </a:ext>
+            </a:extLst>
+          </p:cNvPr>
+          <p:cNvSpPr txBox="1"/>
+          <p:nvPr/>
+        </p:nvSpPr>
+        <p:spPr>
+          <a:xfrm>
+            <a:off x="3150895" y="4655584"/>
+            <a:ext cx="1399526" cy="646074"/>
+          </a:xfrm>
+          <a:prstGeom prst="rect">
+            <a:avLst/>
+          </a:prstGeom>
+          <a:noFill/>
+        </p:spPr>
+        <p:txBody>
+          <a:bodyPr wrap="square" rtlCol="0">
+            <a:spAutoFit/>
+          </a:bodyPr>
+          <a:lstStyle/>
+          <a:p>
+            <a:pPr algn="ctr"/>
+            <a:r>
+              <a:rPr lang="en-US" altLang="ko-KR" b="1" dirty="0">
+                <a:solidFill>
+                  <a:schemeClr val="bg1"/>
+                </a:solidFill>
+              </a:rPr>
+              <a:t>SW2</a:t>
+            </a:r>
+          </a:p>
+          <a:p>
+            <a:pPr algn="ctr"/>
+            <a:r>
+              <a:rPr lang="en-US" altLang="ko-KR" b="1" dirty="0">
+                <a:solidFill>
+                  <a:schemeClr val="bg1"/>
+                </a:solidFill>
+              </a:rPr>
+              <a:t>BOOTSEL</a:t>
+            </a:r>
+          </a:p>
+        </p:txBody>
+      </p:sp>
+      <p:cxnSp>
+        <p:nvCxnSpPr>
+          <p:cNvPr id="30" name="연결선: 꺾임 29">
+            <a:extLst>
+              <a:ext uri="{FF2B5EF4-FFF2-40B4-BE49-F238E27FC236}">
+                <a16:creationId xmlns:a16="http://schemas.microsoft.com/office/drawing/2014/main" id="{7BFA4657-04F8-F04F-4FC5-3F1357C8FDEF}"/>
+              </a:ext>
+            </a:extLst>
+          </p:cNvPr>
+          <p:cNvCxnSpPr>
+            <a:cxnSpLocks/>
+            <a:stCxn id="27" idx="1"/>
+          </p:cNvCxnSpPr>
+          <p:nvPr/>
+        </p:nvCxnSpPr>
+        <p:spPr>
+          <a:xfrm rot="10800000">
+            <a:off x="4605332" y="4996840"/>
+            <a:ext cx="603170" cy="1"/>
+          </a:xfrm>
+          <a:prstGeom prst="bentConnector3">
+            <a:avLst>
+              <a:gd name="adj1" fmla="val 50000"/>
+            </a:avLst>
+          </a:prstGeom>
+          <a:ln w="28575">
+            <a:solidFill>
+              <a:srgbClr val="000000"/>
+            </a:solidFill>
+            <a:tailEnd type="triangle"/>
+          </a:ln>
+        </p:spPr>
+        <p:style>
+          <a:lnRef idx="1">
+            <a:schemeClr val="accent1"/>
+          </a:lnRef>
+          <a:fillRef idx="0">
+            <a:schemeClr val="accent1"/>
+          </a:fillRef>
+          <a:effectRef idx="0">
+            <a:schemeClr val="accent1"/>
+          </a:effectRef>
+          <a:fontRef idx="minor">
+            <a:schemeClr val="tx1"/>
+          </a:fontRef>
+        </p:style>
+      </p:cxnSp>
+    </p:spTree>
+    <p:extLst>
+      <p:ext uri="{BB962C8B-B14F-4D97-AF65-F5344CB8AC3E}">
+        <p14:creationId xmlns:p14="http://schemas.microsoft.com/office/powerpoint/2010/main" val="1832989910"/>
+      </p:ext>
+    </p:extLst>
+  </p:cSld>
+  <p:clrMapOvr>
+    <a:masterClrMapping/>
+  </p:clrMapOvr>
+</p:sld>
+</file>
+
+<file path=ppt/slides/slide16.xml><?xml version="1.0" encoding="utf-8"?>
+<p:sld xmlns:a="http://schemas.openxmlformats.org/drawingml/2006/main" xmlns:r="http://schemas.openxmlformats.org/officeDocument/2006/relationships" xmlns:p="http://schemas.openxmlformats.org/presentationml/2006/main">
+  <p:cSld>
+    <p:bg>
+      <p:bgPr>
+        <a:blipFill dpi="0" rotWithShape="1">
+          <a:blip r:embed="rId2">
+            <a:lum/>
+          </a:blip>
+          <a:srcRect/>
+          <a:stretch>
+            <a:fillRect l="8000" t="3000" r="6000" b="22000"/>
+          </a:stretch>
+        </a:blipFill>
+        <a:effectLst/>
+      </p:bgPr>
+    </p:bg>
+    <p:spTree>
+      <p:nvGrpSpPr>
+        <p:cNvPr id="1" name=""/>
+        <p:cNvGrpSpPr/>
+        <p:nvPr/>
+      </p:nvGrpSpPr>
+      <p:grpSpPr>
+        <a:xfrm>
+          <a:off x="0" y="0"/>
+          <a:ext cx="0" cy="0"/>
+          <a:chOff x="0" y="0"/>
+          <a:chExt cx="0" cy="0"/>
+        </a:xfrm>
+      </p:grpSpPr>
+      <p:pic>
+        <p:nvPicPr>
+          <p:cNvPr id="7" name="그림 6">
+            <a:extLst>
+              <a:ext uri="{FF2B5EF4-FFF2-40B4-BE49-F238E27FC236}">
+                <a16:creationId xmlns:a16="http://schemas.microsoft.com/office/drawing/2014/main" id="{5E461D92-F02F-8875-E4B2-C7C2C0031654}"/>
+              </a:ext>
+            </a:extLst>
+          </p:cNvPr>
+          <p:cNvPicPr>
+            <a:picLocks noGrp="1" noRot="1" noChangeAspect="1" noMove="1" noResize="1" noEditPoints="1" noAdjustHandles="1" noChangeArrowheads="1" noChangeShapeType="1" noCrop="1"/>
+          </p:cNvPicPr>
+          <p:nvPr/>
+        </p:nvPicPr>
+        <p:blipFill>
+          <a:blip r:embed="rId3">
+            <a:alphaModFix/>
+          </a:blip>
+          <a:stretch>
+            <a:fillRect/>
+          </a:stretch>
+        </p:blipFill>
+        <p:spPr>
+          <a:xfrm>
+            <a:off x="1015737" y="182583"/>
+            <a:ext cx="10352304" cy="5203051"/>
+          </a:xfrm>
+          <a:prstGeom prst="rect">
+            <a:avLst/>
+          </a:prstGeom>
+        </p:spPr>
+      </p:pic>
+      <p:sp>
+        <p:nvSpPr>
+          <p:cNvPr id="53" name="TextBox 52">
+            <a:extLst>
+              <a:ext uri="{FF2B5EF4-FFF2-40B4-BE49-F238E27FC236}">
+                <a16:creationId xmlns:a16="http://schemas.microsoft.com/office/drawing/2014/main" id="{BF39DDFE-69FD-5C72-076C-0EC3A59998D0}"/>
+              </a:ext>
+            </a:extLst>
+          </p:cNvPr>
+          <p:cNvSpPr txBox="1"/>
+          <p:nvPr/>
+        </p:nvSpPr>
+        <p:spPr>
+          <a:xfrm>
             <a:off x="8714751" y="6160068"/>
             <a:ext cx="2653290" cy="369204"/>
           </a:xfrm>
@@ -7114,7 +7432,7 @@
 </p:sld>
 </file>
 
-<file path=ppt/slides/slide16.xml><?xml version="1.0" encoding="utf-8"?>
+<file path=ppt/slides/slide17.xml><?xml version="1.0" encoding="utf-8"?>
 <p:sld xmlns:a="http://schemas.openxmlformats.org/drawingml/2006/main" xmlns:r="http://schemas.openxmlformats.org/officeDocument/2006/relationships" xmlns:p="http://schemas.openxmlformats.org/presentationml/2006/main">
   <p:cSld>
     <p:spTree>
@@ -7209,7 +7527,7 @@
 </p:sld>
 </file>
 
-<file path=ppt/slides/slide17.xml><?xml version="1.0" encoding="utf-8"?>
+<file path=ppt/slides/slide18.xml><?xml version="1.0" encoding="utf-8"?>
 <p:sld xmlns:a="http://schemas.openxmlformats.org/drawingml/2006/main" xmlns:r="http://schemas.openxmlformats.org/officeDocument/2006/relationships" xmlns:p="http://schemas.openxmlformats.org/presentationml/2006/main">
   <p:cSld>
     <p:spTree>
